--- a/Shared_A01212611/Slides/GroupMeeting004_Pyrolysis_induced_shrinking.pptx
+++ b/Shared_A01212611/Slides/GroupMeeting004_Pyrolysis_induced_shrinking.pptx
@@ -14,11 +14,11 @@
     <p:sldId id="286" r:id="rId5"/>
     <p:sldId id="285" r:id="rId6"/>
     <p:sldId id="284" r:id="rId7"/>
-    <p:sldId id="283" r:id="rId8"/>
-    <p:sldId id="276" r:id="rId9"/>
-    <p:sldId id="269" r:id="rId10"/>
-    <p:sldId id="263" r:id="rId11"/>
-    <p:sldId id="281" r:id="rId12"/>
+    <p:sldId id="287" r:id="rId8"/>
+    <p:sldId id="283" r:id="rId9"/>
+    <p:sldId id="276" r:id="rId10"/>
+    <p:sldId id="269" r:id="rId11"/>
+    <p:sldId id="263" r:id="rId12"/>
   </p:sldIdLst>
   <p:sldSz cx="12192000" cy="6858000"/>
   <p:notesSz cx="6858000" cy="9144000"/>
@@ -132,6 +132,7 @@
             <p14:sldId id="286"/>
             <p14:sldId id="285"/>
             <p14:sldId id="284"/>
+            <p14:sldId id="287"/>
             <p14:sldId id="283"/>
           </p14:sldIdLst>
         </p14:section>
@@ -148,7 +149,6 @@
         <p14:section name="Side Slides" id="{1C99C5B6-3640-4323-B416-8D531FACFE49}">
           <p14:sldIdLst>
             <p14:sldId id="263"/>
-            <p14:sldId id="281"/>
           </p14:sldIdLst>
         </p14:section>
       </p14:sectionLst>
@@ -454,6 +454,92 @@
     </pc:docChg>
   </pc:docChgLst>
   <pc:docChgLst>
+    <pc:chgData name="Antonio Osamu Katagiri Tanaka" userId="2c28225e-d492-4964-8551-1b0a3c65dda0" providerId="ADAL" clId="{C59DF1F7-432E-4893-B28C-5D3B004F8374}"/>
+    <pc:docChg chg="undo redo custSel addSld delSld modSld sldOrd delSection modSection">
+      <pc:chgData name="Antonio Osamu Katagiri Tanaka" userId="2c28225e-d492-4964-8551-1b0a3c65dda0" providerId="ADAL" clId="{C59DF1F7-432E-4893-B28C-5D3B004F8374}" dt="2019-03-31T14:59:20.878" v="389" actId="20577"/>
+      <pc:docMkLst>
+        <pc:docMk/>
+      </pc:docMkLst>
+      <pc:sldChg chg="modSp">
+        <pc:chgData name="Antonio Osamu Katagiri Tanaka" userId="2c28225e-d492-4964-8551-1b0a3c65dda0" providerId="ADAL" clId="{C59DF1F7-432E-4893-B28C-5D3B004F8374}" dt="2019-03-30T15:24:08.167" v="64" actId="1440"/>
+        <pc:sldMkLst>
+          <pc:docMk/>
+          <pc:sldMk cId="4056039362" sldId="260"/>
+        </pc:sldMkLst>
+        <pc:picChg chg="mod">
+          <ac:chgData name="Antonio Osamu Katagiri Tanaka" userId="2c28225e-d492-4964-8551-1b0a3c65dda0" providerId="ADAL" clId="{C59DF1F7-432E-4893-B28C-5D3B004F8374}" dt="2019-03-30T15:24:08.167" v="64" actId="1440"/>
+          <ac:picMkLst>
+            <pc:docMk/>
+            <pc:sldMk cId="4056039362" sldId="260"/>
+            <ac:picMk id="13" creationId="{8578D0BD-CD2C-44B1-976E-1029D186D2DF}"/>
+          </ac:picMkLst>
+        </pc:picChg>
+      </pc:sldChg>
+      <pc:sldChg chg="ord">
+        <pc:chgData name="Antonio Osamu Katagiri Tanaka" userId="2c28225e-d492-4964-8551-1b0a3c65dda0" providerId="ADAL" clId="{C59DF1F7-432E-4893-B28C-5D3B004F8374}" dt="2019-03-30T14:49:00.456" v="1"/>
+        <pc:sldMkLst>
+          <pc:docMk/>
+          <pc:sldMk cId="3604131991" sldId="263"/>
+        </pc:sldMkLst>
+      </pc:sldChg>
+      <pc:sldChg chg="addSp delSp modSp add">
+        <pc:chgData name="Antonio Osamu Katagiri Tanaka" userId="2c28225e-d492-4964-8551-1b0a3c65dda0" providerId="ADAL" clId="{C59DF1F7-432E-4893-B28C-5D3B004F8374}" dt="2019-03-30T15:01:17.755" v="32"/>
+        <pc:sldMkLst>
+          <pc:docMk/>
+          <pc:sldMk cId="4246728971" sldId="269"/>
+        </pc:sldMkLst>
+        <pc:spChg chg="add del mod">
+          <ac:chgData name="Antonio Osamu Katagiri Tanaka" userId="2c28225e-d492-4964-8551-1b0a3c65dda0" providerId="ADAL" clId="{C59DF1F7-432E-4893-B28C-5D3B004F8374}" dt="2019-03-30T14:52:53.260" v="6" actId="478"/>
+          <ac:spMkLst>
+            <pc:docMk/>
+            <pc:sldMk cId="4246728971" sldId="269"/>
+            <ac:spMk id="3" creationId="{BFCEFFC5-7335-4486-8818-2B397870E222}"/>
+          </ac:spMkLst>
+        </pc:spChg>
+        <pc:spChg chg="del">
+          <ac:chgData name="Antonio Osamu Katagiri Tanaka" userId="2c28225e-d492-4964-8551-1b0a3c65dda0" providerId="ADAL" clId="{C59DF1F7-432E-4893-B28C-5D3B004F8374}" dt="2019-03-30T14:52:51.721" v="5" actId="478"/>
+          <ac:spMkLst>
+            <pc:docMk/>
+            <pc:sldMk cId="4246728971" sldId="269"/>
+            <ac:spMk id="4" creationId="{F9ED8BE6-F7AC-4FD8-8FA8-8C683A7C2F62}"/>
+          </ac:spMkLst>
+        </pc:spChg>
+        <pc:spChg chg="del">
+          <ac:chgData name="Antonio Osamu Katagiri Tanaka" userId="2c28225e-d492-4964-8551-1b0a3c65dda0" providerId="ADAL" clId="{C59DF1F7-432E-4893-B28C-5D3B004F8374}" dt="2019-03-30T14:52:55.923" v="7" actId="478"/>
+          <ac:spMkLst>
+            <pc:docMk/>
+            <pc:sldMk cId="4246728971" sldId="269"/>
+            <ac:spMk id="6" creationId="{058630E6-31AF-4451-B084-C9809D0DA4E8}"/>
+          </ac:spMkLst>
+        </pc:spChg>
+        <pc:spChg chg="add del mod">
+          <ac:chgData name="Antonio Osamu Katagiri Tanaka" userId="2c28225e-d492-4964-8551-1b0a3c65dda0" providerId="ADAL" clId="{C59DF1F7-432E-4893-B28C-5D3B004F8374}" dt="2019-03-30T14:52:58.396" v="8" actId="478"/>
+          <ac:spMkLst>
+            <pc:docMk/>
+            <pc:sldMk cId="4246728971" sldId="269"/>
+            <ac:spMk id="7" creationId="{EFB1FD18-9FB8-4EC8-A186-B4E23A6745CA}"/>
+          </ac:spMkLst>
+        </pc:spChg>
+        <pc:spChg chg="add mod">
+          <ac:chgData name="Antonio Osamu Katagiri Tanaka" userId="2c28225e-d492-4964-8551-1b0a3c65dda0" providerId="ADAL" clId="{C59DF1F7-432E-4893-B28C-5D3B004F8374}" dt="2019-03-30T14:57:55.916" v="28" actId="403"/>
+          <ac:spMkLst>
+            <pc:docMk/>
+            <pc:sldMk cId="4246728971" sldId="269"/>
+            <ac:spMk id="9" creationId="{907DD878-B76C-4FC5-9BC3-86C7C3DB3BDA}"/>
+          </ac:spMkLst>
+        </pc:spChg>
+        <pc:picChg chg="add mod">
+          <ac:chgData name="Antonio Osamu Katagiri Tanaka" userId="2c28225e-d492-4964-8551-1b0a3c65dda0" providerId="ADAL" clId="{C59DF1F7-432E-4893-B28C-5D3B004F8374}" dt="2019-03-30T15:01:17.755" v="32"/>
+          <ac:picMkLst>
+            <pc:docMk/>
+            <pc:sldMk cId="4246728971" sldId="269"/>
+            <ac:picMk id="1026" creationId="{62C86081-2859-45C8-BAE6-D2CC488FFFF6}"/>
+          </ac:picMkLst>
+        </pc:picChg>
+      </pc:sldChg>
+    </pc:docChg>
+  </pc:docChgLst>
+  <pc:docChgLst>
     <pc:chgData name="Antonio Osamu Katagiri Tanaka" userId="2c28225e-d492-4964-8551-1b0a3c65dda0" providerId="ADAL" clId="{E8966260-3096-4054-A5E0-0A91A10A6CF4}"/>
     <pc:docChg chg="custSel delSld modSld modSection">
       <pc:chgData name="Antonio Osamu Katagiri Tanaka" userId="2c28225e-d492-4964-8551-1b0a3c65dda0" providerId="ADAL" clId="{E8966260-3096-4054-A5E0-0A91A10A6CF4}" dt="2019-05-05T18:21:47.650" v="183" actId="1076"/>
@@ -711,92 +797,6 @@
     </pc:docChg>
   </pc:docChgLst>
   <pc:docChgLst>
-    <pc:chgData name="Antonio Osamu Katagiri Tanaka" userId="2c28225e-d492-4964-8551-1b0a3c65dda0" providerId="ADAL" clId="{C59DF1F7-432E-4893-B28C-5D3B004F8374}"/>
-    <pc:docChg chg="undo redo custSel addSld delSld modSld sldOrd delSection modSection">
-      <pc:chgData name="Antonio Osamu Katagiri Tanaka" userId="2c28225e-d492-4964-8551-1b0a3c65dda0" providerId="ADAL" clId="{C59DF1F7-432E-4893-B28C-5D3B004F8374}" dt="2019-03-31T14:59:20.878" v="389" actId="20577"/>
-      <pc:docMkLst>
-        <pc:docMk/>
-      </pc:docMkLst>
-      <pc:sldChg chg="modSp">
-        <pc:chgData name="Antonio Osamu Katagiri Tanaka" userId="2c28225e-d492-4964-8551-1b0a3c65dda0" providerId="ADAL" clId="{C59DF1F7-432E-4893-B28C-5D3B004F8374}" dt="2019-03-30T15:24:08.167" v="64" actId="1440"/>
-        <pc:sldMkLst>
-          <pc:docMk/>
-          <pc:sldMk cId="4056039362" sldId="260"/>
-        </pc:sldMkLst>
-        <pc:picChg chg="mod">
-          <ac:chgData name="Antonio Osamu Katagiri Tanaka" userId="2c28225e-d492-4964-8551-1b0a3c65dda0" providerId="ADAL" clId="{C59DF1F7-432E-4893-B28C-5D3B004F8374}" dt="2019-03-30T15:24:08.167" v="64" actId="1440"/>
-          <ac:picMkLst>
-            <pc:docMk/>
-            <pc:sldMk cId="4056039362" sldId="260"/>
-            <ac:picMk id="13" creationId="{8578D0BD-CD2C-44B1-976E-1029D186D2DF}"/>
-          </ac:picMkLst>
-        </pc:picChg>
-      </pc:sldChg>
-      <pc:sldChg chg="ord">
-        <pc:chgData name="Antonio Osamu Katagiri Tanaka" userId="2c28225e-d492-4964-8551-1b0a3c65dda0" providerId="ADAL" clId="{C59DF1F7-432E-4893-B28C-5D3B004F8374}" dt="2019-03-30T14:49:00.456" v="1"/>
-        <pc:sldMkLst>
-          <pc:docMk/>
-          <pc:sldMk cId="3604131991" sldId="263"/>
-        </pc:sldMkLst>
-      </pc:sldChg>
-      <pc:sldChg chg="addSp delSp modSp add">
-        <pc:chgData name="Antonio Osamu Katagiri Tanaka" userId="2c28225e-d492-4964-8551-1b0a3c65dda0" providerId="ADAL" clId="{C59DF1F7-432E-4893-B28C-5D3B004F8374}" dt="2019-03-30T15:01:17.755" v="32"/>
-        <pc:sldMkLst>
-          <pc:docMk/>
-          <pc:sldMk cId="4246728971" sldId="269"/>
-        </pc:sldMkLst>
-        <pc:spChg chg="add del mod">
-          <ac:chgData name="Antonio Osamu Katagiri Tanaka" userId="2c28225e-d492-4964-8551-1b0a3c65dda0" providerId="ADAL" clId="{C59DF1F7-432E-4893-B28C-5D3B004F8374}" dt="2019-03-30T14:52:53.260" v="6" actId="478"/>
-          <ac:spMkLst>
-            <pc:docMk/>
-            <pc:sldMk cId="4246728971" sldId="269"/>
-            <ac:spMk id="3" creationId="{BFCEFFC5-7335-4486-8818-2B397870E222}"/>
-          </ac:spMkLst>
-        </pc:spChg>
-        <pc:spChg chg="del">
-          <ac:chgData name="Antonio Osamu Katagiri Tanaka" userId="2c28225e-d492-4964-8551-1b0a3c65dda0" providerId="ADAL" clId="{C59DF1F7-432E-4893-B28C-5D3B004F8374}" dt="2019-03-30T14:52:51.721" v="5" actId="478"/>
-          <ac:spMkLst>
-            <pc:docMk/>
-            <pc:sldMk cId="4246728971" sldId="269"/>
-            <ac:spMk id="4" creationId="{F9ED8BE6-F7AC-4FD8-8FA8-8C683A7C2F62}"/>
-          </ac:spMkLst>
-        </pc:spChg>
-        <pc:spChg chg="del">
-          <ac:chgData name="Antonio Osamu Katagiri Tanaka" userId="2c28225e-d492-4964-8551-1b0a3c65dda0" providerId="ADAL" clId="{C59DF1F7-432E-4893-B28C-5D3B004F8374}" dt="2019-03-30T14:52:55.923" v="7" actId="478"/>
-          <ac:spMkLst>
-            <pc:docMk/>
-            <pc:sldMk cId="4246728971" sldId="269"/>
-            <ac:spMk id="6" creationId="{058630E6-31AF-4451-B084-C9809D0DA4E8}"/>
-          </ac:spMkLst>
-        </pc:spChg>
-        <pc:spChg chg="add del mod">
-          <ac:chgData name="Antonio Osamu Katagiri Tanaka" userId="2c28225e-d492-4964-8551-1b0a3c65dda0" providerId="ADAL" clId="{C59DF1F7-432E-4893-B28C-5D3B004F8374}" dt="2019-03-30T14:52:58.396" v="8" actId="478"/>
-          <ac:spMkLst>
-            <pc:docMk/>
-            <pc:sldMk cId="4246728971" sldId="269"/>
-            <ac:spMk id="7" creationId="{EFB1FD18-9FB8-4EC8-A186-B4E23A6745CA}"/>
-          </ac:spMkLst>
-        </pc:spChg>
-        <pc:spChg chg="add mod">
-          <ac:chgData name="Antonio Osamu Katagiri Tanaka" userId="2c28225e-d492-4964-8551-1b0a3c65dda0" providerId="ADAL" clId="{C59DF1F7-432E-4893-B28C-5D3B004F8374}" dt="2019-03-30T14:57:55.916" v="28" actId="403"/>
-          <ac:spMkLst>
-            <pc:docMk/>
-            <pc:sldMk cId="4246728971" sldId="269"/>
-            <ac:spMk id="9" creationId="{907DD878-B76C-4FC5-9BC3-86C7C3DB3BDA}"/>
-          </ac:spMkLst>
-        </pc:spChg>
-        <pc:picChg chg="add mod">
-          <ac:chgData name="Antonio Osamu Katagiri Tanaka" userId="2c28225e-d492-4964-8551-1b0a3c65dda0" providerId="ADAL" clId="{C59DF1F7-432E-4893-B28C-5D3B004F8374}" dt="2019-03-30T15:01:17.755" v="32"/>
-          <ac:picMkLst>
-            <pc:docMk/>
-            <pc:sldMk cId="4246728971" sldId="269"/>
-            <ac:picMk id="1026" creationId="{62C86081-2859-45C8-BAE6-D2CC488FFFF6}"/>
-          </ac:picMkLst>
-        </pc:picChg>
-      </pc:sldChg>
-    </pc:docChg>
-  </pc:docChgLst>
-  <pc:docChgLst>
     <pc:chgData name="Antonio Osamu Katagiri Tanaka" userId="2c28225e-d492-4964-8551-1b0a3c65dda0" providerId="ADAL" clId="{BA091A27-582A-4D6D-8346-D5CF8624059C}"/>
     <pc:docChg chg="undo custSel addSld delSld modSld sldOrd">
       <pc:chgData name="Antonio Osamu Katagiri Tanaka" userId="2c28225e-d492-4964-8551-1b0a3c65dda0" providerId="ADAL" clId="{BA091A27-582A-4D6D-8346-D5CF8624059C}" dt="2019-03-29T18:11:35.461" v="1535" actId="20577"/>
@@ -1011,37 +1011,6 @@
 </inkml:ink>
 </file>
 
-<file path=ppt/ink/ink2.xml><?xml version="1.0" encoding="utf-8"?>
-<inkml:ink xmlns:inkml="http://www.w3.org/2003/InkML">
-  <inkml:definitions>
-    <inkml:context xml:id="ctx0">
-      <inkml:inkSource xml:id="inkSrc0">
-        <inkml:traceFormat>
-          <inkml:channel name="X" type="integer" min="-2.14748E9" max="2.14748E9" units="cm"/>
-          <inkml:channel name="Y" type="integer" min="-2.14748E9" max="2.14748E9" units="cm"/>
-        </inkml:traceFormat>
-        <inkml:channelProperties>
-          <inkml:channelProperty channel="X" name="resolution" value="1000" units="1/cm"/>
-          <inkml:channelProperty channel="Y" name="resolution" value="1000" units="1/cm"/>
-        </inkml:channelProperties>
-      </inkml:inkSource>
-      <inkml:timestamp xml:id="ts0" timeString="2019-04-04T14:17:54.543"/>
-    </inkml:context>
-    <inkml:brush xml:id="br0">
-      <inkml:brushProperty name="width" value="0.1" units="cm"/>
-      <inkml:brushProperty name="height" value="0.1" units="cm"/>
-      <inkml:brushProperty name="color" value="#B4C3DA"/>
-      <inkml:brushProperty name="ignorePressure" value="1"/>
-      <inkml:brushProperty name="inkEffects" value="silver"/>
-      <inkml:brushProperty name="anchorX" value="-26568.26563"/>
-      <inkml:brushProperty name="anchorY" value="-13048.70605"/>
-      <inkml:brushProperty name="scaleFactor" value="0.5"/>
-    </inkml:brush>
-  </inkml:definitions>
-  <inkml:trace contextRef="#ctx0" brushRef="#br0">1 1,'0'0,"0"0</inkml:trace>
-</inkml:ink>
-</file>
-
 <file path=ppt/notesMasters/notesMaster1.xml><?xml version="1.0" encoding="utf-8"?>
 <p:notesMaster xmlns:a="http://schemas.openxmlformats.org/drawingml/2006/main" xmlns:r="http://schemas.openxmlformats.org/officeDocument/2006/relationships" xmlns:p="http://schemas.openxmlformats.org/presentationml/2006/main">
   <p:cSld>
@@ -1124,7 +1093,7 @@
           <a:p>
             <a:fld id="{1B402B64-CAC4-4D07-834F-F232921309C8}" type="datetimeFigureOut">
               <a:rPr lang="en-GB" smtClean="0"/>
-              <a:t>02/10/2019</a:t>
+              <a:t>03/10/2019</a:t>
             </a:fld>
             <a:endParaRPr lang="en-GB"/>
           </a:p>
@@ -1438,23 +1407,7 @@
           <a:p>
             <a:r>
               <a:rPr lang="en-GB" dirty="0"/>
-              <a:t>Despite the </a:t>
-            </a:r>
-            <a:r>
-              <a:rPr lang="en-GB" dirty="0" err="1"/>
-              <a:t>impor</a:t>
-            </a:r>
-            <a:r>
-              <a:rPr lang="en-GB" dirty="0"/>
-              <a:t>- </a:t>
-            </a:r>
-            <a:r>
-              <a:rPr lang="en-GB" dirty="0" err="1"/>
-              <a:t>tance</a:t>
-            </a:r>
-            <a:r>
-              <a:rPr lang="en-GB" dirty="0"/>
-              <a:t> in </a:t>
+              <a:t>Despite the importance in </a:t>
             </a:r>
             <a:r>
               <a:rPr lang="en-GB" dirty="0" err="1"/>
@@ -1480,13 +1433,30 @@
           <a:p>
             <a:r>
               <a:rPr lang="en-GB" dirty="0"/>
-              <a:t>In this work, we study the pyrolysis-induced shrinkage</a:t>
+              <a:t>In this work, it’s studied the pyrolysis-induced shrinkage</a:t>
             </a:r>
           </a:p>
           <a:p>
             <a:r>
               <a:rPr lang="en-GB" dirty="0"/>
               <a:t>of structures consisting of suspended microwires of photocured resin (SU-8 2050).</a:t>
+            </a:r>
+          </a:p>
+          <a:p>
+            <a:endParaRPr lang="en-GB" dirty="0"/>
+          </a:p>
+          <a:p>
+            <a:r>
+              <a:rPr lang="en-GB" dirty="0"/>
+              <a:t>Although TPP allowed us to create suspended 3D carbon nanowires, the objective of this study was not to exploit the versatility of the technique to create a complex geometry. Rather, the main objective was to systematically </a:t>
+            </a:r>
+            <a:r>
+              <a:rPr lang="en-GB" dirty="0" err="1"/>
+              <a:t>analyze</a:t>
+            </a:r>
+            <a:r>
+              <a:rPr lang="en-GB" dirty="0"/>
+              <a:t> how the suspended structures written by TPP transform upon carbonization.</a:t>
             </a:r>
           </a:p>
         </p:txBody>
@@ -1716,7 +1686,43 @@
           <a:bodyPr/>
           <a:lstStyle/>
           <a:p>
+            <a:r>
+              <a:rPr lang="en-GB" dirty="0"/>
+              <a:t>In these perspective applications, the multiple pyrolysis parameters (i.e., flow rate, heating/cooling ramp rate, intermediate/final </a:t>
+            </a:r>
+            <a:r>
+              <a:rPr lang="en-GB" dirty="0" err="1"/>
+              <a:t>tem</a:t>
+            </a:r>
+            <a:r>
+              <a:rPr lang="en-GB" dirty="0"/>
+              <a:t>- </a:t>
+            </a:r>
+            <a:r>
+              <a:rPr lang="en-GB" dirty="0" err="1"/>
+              <a:t>peratures</a:t>
+            </a:r>
+            <a:r>
+              <a:rPr lang="en-GB" dirty="0"/>
+              <a:t>, and dwell times) are expected to play a decisive role over the electrical, physical, and electrochemical properties of the derived glassy carbon57.</a:t>
+            </a:r>
+          </a:p>
+          <a:p>
             <a:endParaRPr lang="en-GB" dirty="0"/>
+          </a:p>
+          <a:p>
+            <a:r>
+              <a:rPr lang="en-GB" dirty="0"/>
+              <a:t>However, in this introductory study, we decided to maintain the pyrolysis conditions fixed in order to focus on the impact of the </a:t>
+            </a:r>
+            <a:r>
+              <a:rPr lang="en-GB" dirty="0" err="1"/>
+              <a:t>prepyrolysis</a:t>
+            </a:r>
+            <a:r>
+              <a:rPr lang="en-GB" dirty="0"/>
+              <a:t> geometry on feature shrinkage.</a:t>
+            </a:r>
           </a:p>
         </p:txBody>
       </p:sp>
@@ -1979,6 +1985,53 @@
               <a:t>before pyrolysis can be obtained by taking into account the different parameters involved in the fabrication process, such as scanning velocity, average laser power, repetition rate, and pulse duration</a:t>
             </a:r>
           </a:p>
+          <a:p>
+            <a:endParaRPr lang="en-GB" dirty="0"/>
+          </a:p>
+          <a:p>
+            <a:r>
+              <a:rPr lang="en-GB" dirty="0"/>
+              <a:t>\alpha : reflection characteristics</a:t>
+            </a:r>
+          </a:p>
+          <a:p>
+            <a:r>
+              <a:rPr lang="en-GB" dirty="0"/>
+              <a:t>\w0 : lateral resolution of the focal point</a:t>
+            </a:r>
+          </a:p>
+          <a:p>
+            <a:r>
+              <a:rPr lang="en-GB" dirty="0"/>
+              <a:t>\sigma : two-photon cross section</a:t>
+            </a:r>
+          </a:p>
+          <a:p>
+            <a:r>
+              <a:rPr lang="en-GB" dirty="0"/>
+              <a:t>N0 : two-photon characteristics (pulse duration, repetition rate of the laser)</a:t>
+            </a:r>
+          </a:p>
+          <a:p>
+            <a:r>
+              <a:rPr lang="en-GB" dirty="0"/>
+              <a:t>D : TPP exposure dose</a:t>
+            </a:r>
+          </a:p>
+          <a:p>
+            <a:r>
+              <a:rPr lang="en-GB" dirty="0"/>
+              <a:t>C : relates the initial concentration of </a:t>
+            </a:r>
+            <a:r>
+              <a:rPr lang="en-GB" dirty="0" err="1"/>
+              <a:t>photoinitiator</a:t>
+            </a:r>
+            <a:r>
+              <a:rPr lang="en-GB" dirty="0"/>
+              <a:t> molecules and the minimum concentration of radicals needed to polymerize the resin</a:t>
+            </a:r>
+          </a:p>
         </p:txBody>
       </p:sp>
       <p:sp>
@@ -2061,7 +2114,69 @@
           <a:bodyPr/>
           <a:lstStyle/>
           <a:p>
-            <a:endParaRPr lang="en-GB" dirty="0"/>
+            <a:r>
+              <a:rPr lang="es-MX" dirty="0"/>
+              <a:t>di : </a:t>
+            </a:r>
+            <a:r>
+              <a:rPr lang="es-MX" dirty="0" err="1"/>
+              <a:t>initial</a:t>
+            </a:r>
+            <a:r>
+              <a:rPr lang="es-MX" dirty="0"/>
+              <a:t> </a:t>
+            </a:r>
+            <a:r>
+              <a:rPr lang="es-MX" dirty="0" err="1"/>
+              <a:t>diameter</a:t>
+            </a:r>
+            <a:endParaRPr lang="es-MX" dirty="0"/>
+          </a:p>
+          <a:p>
+            <a:r>
+              <a:rPr lang="es-MX" dirty="0"/>
+              <a:t>\theta : </a:t>
+            </a:r>
+            <a:r>
+              <a:rPr lang="es-MX" dirty="0" err="1"/>
+              <a:t>rate</a:t>
+            </a:r>
+            <a:r>
+              <a:rPr lang="es-MX" dirty="0"/>
+              <a:t> </a:t>
+            </a:r>
+            <a:r>
+              <a:rPr lang="es-MX" dirty="0" err="1"/>
+              <a:t>of</a:t>
+            </a:r>
+            <a:r>
+              <a:rPr lang="es-MX" dirty="0"/>
+              <a:t> </a:t>
+            </a:r>
+            <a:r>
+              <a:rPr lang="en-GB" dirty="0"/>
+              <a:t>initial polymer density and the resulting carbon density</a:t>
+            </a:r>
+          </a:p>
+          <a:p>
+            <a:r>
+              <a:rPr lang="en-GB" dirty="0"/>
+              <a:t>\delta : axial strain</a:t>
+            </a:r>
+          </a:p>
+          <a:p>
+            <a:r>
+              <a:rPr lang="en-GB" dirty="0"/>
+              <a:t>\nu : </a:t>
+            </a:r>
+            <a:r>
+              <a:rPr lang="en-GB" dirty="0" err="1"/>
+              <a:t>assumtion</a:t>
+            </a:r>
+            <a:r>
+              <a:rPr lang="en-GB" dirty="0"/>
+              <a:t> that an axial deformation on a wire with Poisson’s ratio induces a diameter reduction</a:t>
+            </a:r>
           </a:p>
         </p:txBody>
       </p:sp>
@@ -2091,7 +2206,7 @@
     </p:spTree>
     <p:extLst>
       <p:ext uri="{BB962C8B-B14F-4D97-AF65-F5344CB8AC3E}">
-        <p14:creationId xmlns:p14="http://schemas.microsoft.com/office/powerpoint/2010/main" val="1430063189"/>
+        <p14:creationId xmlns:p14="http://schemas.microsoft.com/office/powerpoint/2010/main" val="3897274968"/>
       </p:ext>
     </p:extLst>
   </p:cSld>
@@ -2146,6 +2261,93 @@
           <a:lstStyle/>
           <a:p>
             <a:r>
+              <a:rPr lang="en-GB" dirty="0"/>
+              <a:t>The thicker samples (1400–1800 nm) have been fabricated using a higher energy density dose, and thus are likely to present higher voxel asymmetry (the maximum voxel asymmetry of ~1.9 for di = 1821 nm). Hence, we hypothesize that longer voxel structures could result in more lateral area available for degassing, meaning more reduction, which</a:t>
+            </a:r>
+          </a:p>
+        </p:txBody>
+      </p:sp>
+      <p:sp>
+        <p:nvSpPr>
+          <p:cNvPr id="4" name="Slide Number Placeholder 3"/>
+          <p:cNvSpPr>
+            <a:spLocks noGrp="1"/>
+          </p:cNvSpPr>
+          <p:nvPr>
+            <p:ph type="sldNum" sz="quarter" idx="5"/>
+          </p:nvPr>
+        </p:nvSpPr>
+        <p:spPr/>
+        <p:txBody>
+          <a:bodyPr/>
+          <a:lstStyle/>
+          <a:p>
+            <a:fld id="{B3A8F86A-A3D1-4706-9131-90E1724D7948}" type="slidenum">
+              <a:rPr lang="en-GB" smtClean="0"/>
+              <a:t>8</a:t>
+            </a:fld>
+            <a:endParaRPr lang="en-GB"/>
+          </a:p>
+        </p:txBody>
+      </p:sp>
+    </p:spTree>
+    <p:extLst>
+      <p:ext uri="{BB962C8B-B14F-4D97-AF65-F5344CB8AC3E}">
+        <p14:creationId xmlns:p14="http://schemas.microsoft.com/office/powerpoint/2010/main" val="1430063189"/>
+      </p:ext>
+    </p:extLst>
+  </p:cSld>
+  <p:clrMapOvr>
+    <a:masterClrMapping/>
+  </p:clrMapOvr>
+</p:notes>
+</file>
+
+<file path=ppt/notesSlides/notesSlide8.xml><?xml version="1.0" encoding="utf-8"?>
+<p:notes xmlns:a="http://schemas.openxmlformats.org/drawingml/2006/main" xmlns:r="http://schemas.openxmlformats.org/officeDocument/2006/relationships" xmlns:p="http://schemas.openxmlformats.org/presentationml/2006/main">
+  <p:cSld>
+    <p:spTree>
+      <p:nvGrpSpPr>
+        <p:cNvPr id="1" name=""/>
+        <p:cNvGrpSpPr/>
+        <p:nvPr/>
+      </p:nvGrpSpPr>
+      <p:grpSpPr>
+        <a:xfrm>
+          <a:off x="0" y="0"/>
+          <a:ext cx="0" cy="0"/>
+          <a:chOff x="0" y="0"/>
+          <a:chExt cx="0" cy="0"/>
+        </a:xfrm>
+      </p:grpSpPr>
+      <p:sp>
+        <p:nvSpPr>
+          <p:cNvPr id="2" name="Slide Image Placeholder 1"/>
+          <p:cNvSpPr>
+            <a:spLocks noGrp="1" noRot="1" noChangeAspect="1"/>
+          </p:cNvSpPr>
+          <p:nvPr>
+            <p:ph type="sldImg"/>
+          </p:nvPr>
+        </p:nvSpPr>
+        <p:spPr/>
+      </p:sp>
+      <p:sp>
+        <p:nvSpPr>
+          <p:cNvPr id="3" name="Notes Placeholder 2"/>
+          <p:cNvSpPr>
+            <a:spLocks noGrp="1"/>
+          </p:cNvSpPr>
+          <p:nvPr>
+            <p:ph type="body" idx="1"/>
+          </p:nvPr>
+        </p:nvSpPr>
+        <p:spPr/>
+        <p:txBody>
+          <a:bodyPr/>
+          <a:lstStyle/>
+          <a:p>
+            <a:r>
               <a:rPr lang="en-GB" dirty="0">
                 <a:solidFill>
                   <a:schemeClr val="bg1">
@@ -2154,7 +2356,7 @@
                 </a:solidFill>
                 <a:latin typeface="Arial Nova Light" panose="020B0304020202020204" pitchFamily="34" charset="0"/>
               </a:rPr>
-              <a:t>the approximate functional form of the dependence between TPP exposure dose and feature linewidth after pyrolysis</a:t>
+              <a:t>A good agreement was obtained between our model and the experimental line- width measurements of the fabricated structures.</a:t>
             </a:r>
           </a:p>
           <a:p>
@@ -2177,10 +2379,12 @@
                 </a:solidFill>
                 <a:latin typeface="Arial Nova Light" panose="020B0304020202020204" pitchFamily="34" charset="0"/>
               </a:rPr>
-              <a:t>a model that relates the feature percentage reduction to the mechanical </a:t>
-            </a:r>
-            <a:r>
-              <a:rPr lang="en-GB" dirty="0" err="1">
+              <a:t>Shrinking values herein reported range between 70 and</a:t>
+            </a:r>
+          </a:p>
+          <a:p>
+            <a:r>
+              <a:rPr lang="en-GB" dirty="0">
                 <a:solidFill>
                   <a:schemeClr val="bg1">
                     <a:lumMod val="95000"/>
@@ -2188,40 +2392,7 @@
                 </a:solidFill>
                 <a:latin typeface="Arial Nova Light" panose="020B0304020202020204" pitchFamily="34" charset="0"/>
               </a:rPr>
-              <a:t>elonga</a:t>
-            </a:r>
-            <a:r>
-              <a:rPr lang="en-GB" dirty="0">
-                <a:solidFill>
-                  <a:schemeClr val="bg1">
-                    <a:lumMod val="95000"/>
-                  </a:schemeClr>
-                </a:solidFill>
-                <a:latin typeface="Arial Nova Light" panose="020B0304020202020204" pitchFamily="34" charset="0"/>
-              </a:rPr>
-              <a:t>- </a:t>
-            </a:r>
-            <a:r>
-              <a:rPr lang="en-GB" dirty="0" err="1">
-                <a:solidFill>
-                  <a:schemeClr val="bg1">
-                    <a:lumMod val="95000"/>
-                  </a:schemeClr>
-                </a:solidFill>
-                <a:latin typeface="Arial Nova Light" panose="020B0304020202020204" pitchFamily="34" charset="0"/>
-              </a:rPr>
-              <a:t>tion</a:t>
-            </a:r>
-            <a:r>
-              <a:rPr lang="en-GB" dirty="0">
-                <a:solidFill>
-                  <a:schemeClr val="bg1">
-                    <a:lumMod val="95000"/>
-                  </a:schemeClr>
-                </a:solidFill>
-                <a:latin typeface="Arial Nova Light" panose="020B0304020202020204" pitchFamily="34" charset="0"/>
-              </a:rPr>
-              <a:t> and degassing of the structures</a:t>
+              <a:t>75%, in agreement with previous reports on the pyrolysis of suspended SU-8 structures</a:t>
             </a:r>
           </a:p>
           <a:p>
@@ -2244,7 +2415,7 @@
                 </a:solidFill>
                 <a:latin typeface="Arial Nova Light" panose="020B0304020202020204" pitchFamily="34" charset="0"/>
               </a:rPr>
-              <a:t>an empirical model that uses fitting parameters with a precise physical meaning.</a:t>
+              <a:t>This reduction is likely caused predominantly by volatilization losses, rather than strain induced effects.</a:t>
             </a:r>
           </a:p>
           <a:p>
@@ -2267,30 +2438,7 @@
                 </a:solidFill>
                 <a:latin typeface="Arial Nova Light" panose="020B0304020202020204" pitchFamily="34" charset="0"/>
               </a:rPr>
-              <a:t>A good agreement was obtained between our model and the experimental line- width measurements of the fabricated structures.</a:t>
-            </a:r>
-          </a:p>
-          <a:p>
-            <a:endParaRPr lang="en-GB" dirty="0">
-              <a:solidFill>
-                <a:schemeClr val="bg1">
-                  <a:lumMod val="95000"/>
-                </a:schemeClr>
-              </a:solidFill>
-              <a:latin typeface="Arial Nova Light" panose="020B0304020202020204" pitchFamily="34" charset="0"/>
-            </a:endParaRPr>
-          </a:p>
-          <a:p>
-            <a:r>
-              <a:rPr lang="en-GB" dirty="0">
-                <a:solidFill>
-                  <a:schemeClr val="bg1">
-                    <a:lumMod val="95000"/>
-                  </a:schemeClr>
-                </a:solidFill>
-                <a:latin typeface="Arial Nova Light" panose="020B0304020202020204" pitchFamily="34" charset="0"/>
-              </a:rPr>
-              <a:t>we have found that nanowire structures with high aspect ratio (length over linewidth of 30 or more) can be susceptible to buckling, resulting in deflections in the range of 100–250 nm caused by the thermal stress in the pyrolysis process (Euler’s buckling theory)</a:t>
+              <a:t>pyrolysis of the samples resulted in a volumetric shrinkage dependent on the initial linewidth of the suspended microwires, with thinner samples leading to the greatest shrinking values.</a:t>
             </a:r>
           </a:p>
         </p:txBody>
@@ -2312,7 +2460,7 @@
           <a:p>
             <a:fld id="{B3A8F86A-A3D1-4706-9131-90E1724D7948}" type="slidenum">
               <a:rPr lang="en-GB" smtClean="0"/>
-              <a:t>8</a:t>
+              <a:t>9</a:t>
             </a:fld>
             <a:endParaRPr lang="en-GB"/>
           </a:p>
@@ -2480,7 +2628,7 @@
           <a:p>
             <a:fld id="{D884633D-11AC-4888-94B9-297E606567D1}" type="datetimeFigureOut">
               <a:rPr lang="en-GB" smtClean="0"/>
-              <a:t>02/10/2019</a:t>
+              <a:t>03/10/2019</a:t>
             </a:fld>
             <a:endParaRPr lang="en-GB"/>
           </a:p>
@@ -2680,7 +2828,7 @@
           <a:p>
             <a:fld id="{D884633D-11AC-4888-94B9-297E606567D1}" type="datetimeFigureOut">
               <a:rPr lang="en-GB" smtClean="0"/>
-              <a:t>02/10/2019</a:t>
+              <a:t>03/10/2019</a:t>
             </a:fld>
             <a:endParaRPr lang="en-GB"/>
           </a:p>
@@ -2890,7 +3038,7 @@
           <a:p>
             <a:fld id="{D884633D-11AC-4888-94B9-297E606567D1}" type="datetimeFigureOut">
               <a:rPr lang="en-GB" smtClean="0"/>
-              <a:t>02/10/2019</a:t>
+              <a:t>03/10/2019</a:t>
             </a:fld>
             <a:endParaRPr lang="en-GB"/>
           </a:p>
@@ -3090,7 +3238,7 @@
           <a:p>
             <a:fld id="{D884633D-11AC-4888-94B9-297E606567D1}" type="datetimeFigureOut">
               <a:rPr lang="en-GB" smtClean="0"/>
-              <a:t>02/10/2019</a:t>
+              <a:t>03/10/2019</a:t>
             </a:fld>
             <a:endParaRPr lang="en-GB"/>
           </a:p>
@@ -3366,7 +3514,7 @@
           <a:p>
             <a:fld id="{D884633D-11AC-4888-94B9-297E606567D1}" type="datetimeFigureOut">
               <a:rPr lang="en-GB" smtClean="0"/>
-              <a:t>02/10/2019</a:t>
+              <a:t>03/10/2019</a:t>
             </a:fld>
             <a:endParaRPr lang="en-GB"/>
           </a:p>
@@ -3634,7 +3782,7 @@
           <a:p>
             <a:fld id="{D884633D-11AC-4888-94B9-297E606567D1}" type="datetimeFigureOut">
               <a:rPr lang="en-GB" smtClean="0"/>
-              <a:t>02/10/2019</a:t>
+              <a:t>03/10/2019</a:t>
             </a:fld>
             <a:endParaRPr lang="en-GB"/>
           </a:p>
@@ -4049,7 +4197,7 @@
           <a:p>
             <a:fld id="{D884633D-11AC-4888-94B9-297E606567D1}" type="datetimeFigureOut">
               <a:rPr lang="en-GB" smtClean="0"/>
-              <a:t>02/10/2019</a:t>
+              <a:t>03/10/2019</a:t>
             </a:fld>
             <a:endParaRPr lang="en-GB"/>
           </a:p>
@@ -4191,7 +4339,7 @@
           <a:p>
             <a:fld id="{D884633D-11AC-4888-94B9-297E606567D1}" type="datetimeFigureOut">
               <a:rPr lang="en-GB" smtClean="0"/>
-              <a:t>02/10/2019</a:t>
+              <a:t>03/10/2019</a:t>
             </a:fld>
             <a:endParaRPr lang="en-GB"/>
           </a:p>
@@ -4304,7 +4452,7 @@
           <a:p>
             <a:fld id="{D884633D-11AC-4888-94B9-297E606567D1}" type="datetimeFigureOut">
               <a:rPr lang="en-GB" smtClean="0"/>
-              <a:t>02/10/2019</a:t>
+              <a:t>03/10/2019</a:t>
             </a:fld>
             <a:endParaRPr lang="en-GB"/>
           </a:p>
@@ -4617,7 +4765,7 @@
           <a:p>
             <a:fld id="{D884633D-11AC-4888-94B9-297E606567D1}" type="datetimeFigureOut">
               <a:rPr lang="en-GB" smtClean="0"/>
-              <a:t>02/10/2019</a:t>
+              <a:t>03/10/2019</a:t>
             </a:fld>
             <a:endParaRPr lang="en-GB"/>
           </a:p>
@@ -4906,7 +5054,7 @@
           <a:p>
             <a:fld id="{D884633D-11AC-4888-94B9-297E606567D1}" type="datetimeFigureOut">
               <a:rPr lang="en-GB" smtClean="0"/>
-              <a:t>02/10/2019</a:t>
+              <a:t>03/10/2019</a:t>
             </a:fld>
             <a:endParaRPr lang="en-GB"/>
           </a:p>
@@ -5158,7 +5306,7 @@
           <a:p>
             <a:fld id="{D884633D-11AC-4888-94B9-297E606567D1}" type="datetimeFigureOut">
               <a:rPr lang="en-GB" smtClean="0"/>
-              <a:t>02/10/2019</a:t>
+              <a:t>03/10/2019</a:t>
             </a:fld>
             <a:endParaRPr lang="en-GB"/>
           </a:p>
@@ -5589,123 +5737,9 @@
           <a:chExt cx="0" cy="0"/>
         </a:xfrm>
       </p:grpSpPr>
-      <p:pic>
-        <p:nvPicPr>
-          <p:cNvPr id="3" name="Picture 2">
-            <a:extLst>
-              <a:ext uri="{FF2B5EF4-FFF2-40B4-BE49-F238E27FC236}">
-                <a16:creationId xmlns:a16="http://schemas.microsoft.com/office/drawing/2014/main" id="{A26B6DA0-2372-4B1C-8C58-9D4365AA798A}"/>
-              </a:ext>
-            </a:extLst>
-          </p:cNvPr>
-          <p:cNvPicPr>
-            <a:picLocks noChangeAspect="1"/>
-          </p:cNvPicPr>
-          <p:nvPr/>
-        </p:nvPicPr>
-        <p:blipFill>
-          <a:blip r:embed="rId3"/>
-          <a:stretch>
-            <a:fillRect/>
-          </a:stretch>
-        </p:blipFill>
-        <p:spPr>
-          <a:xfrm>
-            <a:off x="1317116" y="780937"/>
-            <a:ext cx="7297168" cy="3324689"/>
-          </a:xfrm>
-          <a:prstGeom prst="rect">
-            <a:avLst/>
-          </a:prstGeom>
-        </p:spPr>
-      </p:pic>
-      <p:sp>
-        <p:nvSpPr>
-          <p:cNvPr id="7" name="Subtitle 2">
-            <a:extLst>
-              <a:ext uri="{FF2B5EF4-FFF2-40B4-BE49-F238E27FC236}">
-                <a16:creationId xmlns:a16="http://schemas.microsoft.com/office/drawing/2014/main" id="{8D0BEDFD-CE79-4A45-9ADE-72FBEA303FCC}"/>
-              </a:ext>
-            </a:extLst>
-          </p:cNvPr>
-          <p:cNvSpPr>
-            <a:spLocks noGrp="1"/>
-          </p:cNvSpPr>
-          <p:nvPr>
-            <p:ph type="subTitle" idx="1"/>
-          </p:nvPr>
-        </p:nvSpPr>
-        <p:spPr>
-          <a:xfrm>
-            <a:off x="0" y="4238146"/>
-            <a:ext cx="9931400" cy="1655762"/>
-          </a:xfrm>
-        </p:spPr>
-        <p:txBody>
-          <a:bodyPr/>
-          <a:lstStyle/>
-          <a:p>
-            <a:r>
-              <a:rPr lang="en-GB" dirty="0">
-                <a:solidFill>
-                  <a:schemeClr val="bg1">
-                    <a:lumMod val="95000"/>
-                  </a:schemeClr>
-                </a:solidFill>
-                <a:latin typeface="Arial Nova Light" panose="020B0604020202020204" pitchFamily="34" charset="0"/>
-              </a:rPr>
-              <a:t>reviewed by: Osamu Katagiri</a:t>
-            </a:r>
-            <a:br>
-              <a:rPr lang="en-GB" dirty="0">
-                <a:solidFill>
-                  <a:schemeClr val="bg1">
-                    <a:lumMod val="95000"/>
-                  </a:schemeClr>
-                </a:solidFill>
-                <a:latin typeface="Arial Nova Light" panose="020B0604020202020204" pitchFamily="34" charset="0"/>
-              </a:rPr>
-            </a:br>
-            <a:r>
-              <a:rPr lang="en-GB" sz="2000" dirty="0">
-                <a:solidFill>
-                  <a:schemeClr val="bg1">
-                    <a:lumMod val="95000"/>
-                  </a:schemeClr>
-                </a:solidFill>
-                <a:latin typeface="Arial Nova Light" panose="020B0604020202020204" pitchFamily="34" charset="0"/>
-              </a:rPr>
-              <a:t>A01212611@itesm.mx</a:t>
-            </a:r>
-          </a:p>
-          <a:p>
-            <a:endParaRPr lang="en-GB" dirty="0">
-              <a:solidFill>
-                <a:schemeClr val="bg1">
-                  <a:lumMod val="95000"/>
-                </a:schemeClr>
-              </a:solidFill>
-              <a:latin typeface="Arial Nova Light" panose="020B0604020202020204" pitchFamily="34" charset="0"/>
-            </a:endParaRPr>
-          </a:p>
-          <a:p>
-            <a:r>
-              <a:rPr lang="en-GB" dirty="0">
-                <a:solidFill>
-                  <a:schemeClr val="bg1">
-                    <a:lumMod val="95000"/>
-                  </a:schemeClr>
-                </a:solidFill>
-                <a:latin typeface="Arial Nova Light" panose="020B0604020202020204" pitchFamily="34" charset="0"/>
-              </a:rPr>
-              <a:t>03 Oct 2019</a:t>
-            </a:r>
-          </a:p>
-        </p:txBody>
-      </p:sp>
       <mc:AlternateContent xmlns:mc="http://schemas.openxmlformats.org/markup-compatibility/2006" xmlns:p14="http://schemas.microsoft.com/office/powerpoint/2010/main">
         <mc:Choice Requires="p14">
-          <p:contentPart p14:bwMode="auto" r:id="rId4">
+          <p:contentPart p14:bwMode="auto" r:id="rId3">
             <p14:nvContentPartPr>
               <p14:cNvPr id="2" name="Ink 1">
                 <a:extLst>
@@ -5737,7 +5771,7 @@
               <p:nvPr/>
             </p:nvPicPr>
             <p:blipFill>
-              <a:blip r:embed="rId5"/>
+              <a:blip r:embed="rId4"/>
               <a:stretch>
                 <a:fillRect/>
               </a:stretch>
@@ -5754,6 +5788,296 @@
           </p:pic>
         </mc:Fallback>
       </mc:AlternateContent>
+      <p:sp>
+        <p:nvSpPr>
+          <p:cNvPr id="10" name="Title 1">
+            <a:extLst>
+              <a:ext uri="{FF2B5EF4-FFF2-40B4-BE49-F238E27FC236}">
+                <a16:creationId xmlns:a16="http://schemas.microsoft.com/office/drawing/2014/main" id="{E80E1EBD-C612-45B5-AC3C-325697718FAD}"/>
+              </a:ext>
+            </a:extLst>
+          </p:cNvPr>
+          <p:cNvSpPr>
+            <a:spLocks noGrp="1"/>
+          </p:cNvSpPr>
+          <p:nvPr>
+            <p:ph type="ctrTitle"/>
+          </p:nvPr>
+        </p:nvSpPr>
+        <p:spPr>
+          <a:xfrm>
+            <a:off x="0" y="1122363"/>
+            <a:ext cx="9931400" cy="2387600"/>
+          </a:xfrm>
+        </p:spPr>
+        <p:txBody>
+          <a:bodyPr/>
+          <a:lstStyle/>
+          <a:p>
+            <a:r>
+              <a:rPr lang="en-US">
+                <a:solidFill>
+                  <a:schemeClr val="bg1">
+                    <a:lumMod val="95000"/>
+                  </a:schemeClr>
+                </a:solidFill>
+                <a:latin typeface="Arial Nova Light" panose="020B0604020202020204" pitchFamily="34" charset="0"/>
+              </a:rPr>
+              <a:t>Literature Review</a:t>
+            </a:r>
+          </a:p>
+        </p:txBody>
+      </p:sp>
+      <p:sp>
+        <p:nvSpPr>
+          <p:cNvPr id="11" name="Subtitle 2">
+            <a:extLst>
+              <a:ext uri="{FF2B5EF4-FFF2-40B4-BE49-F238E27FC236}">
+                <a16:creationId xmlns:a16="http://schemas.microsoft.com/office/drawing/2014/main" id="{AF625E5D-DC9B-4B48-80CE-8DDD97F292C1}"/>
+              </a:ext>
+            </a:extLst>
+          </p:cNvPr>
+          <p:cNvSpPr txBox="1">
+            <a:spLocks/>
+          </p:cNvSpPr>
+          <p:nvPr/>
+        </p:nvSpPr>
+        <p:spPr>
+          <a:xfrm>
+            <a:off x="0" y="3602038"/>
+            <a:ext cx="9931400" cy="1655762"/>
+          </a:xfrm>
+          <a:prstGeom prst="rect">
+            <a:avLst/>
+          </a:prstGeom>
+        </p:spPr>
+        <p:txBody>
+          <a:bodyPr vert="horz" lIns="91440" tIns="45720" rIns="91440" bIns="45720" rtlCol="0">
+            <a:normAutofit/>
+          </a:bodyPr>
+          <a:lstStyle>
+            <a:lvl1pPr marL="0" indent="0" algn="ctr" defTabSz="914400" rtl="0" eaLnBrk="1" latinLnBrk="0" hangingPunct="1">
+              <a:lnSpc>
+                <a:spcPct val="90000"/>
+              </a:lnSpc>
+              <a:spcBef>
+                <a:spcPts val="1000"/>
+              </a:spcBef>
+              <a:buFont typeface="Arial" panose="020B0604020202020204" pitchFamily="34" charset="0"/>
+              <a:buNone/>
+              <a:defRPr sz="2400" kern="1200">
+                <a:solidFill>
+                  <a:schemeClr val="tx1"/>
+                </a:solidFill>
+                <a:latin typeface="+mn-lt"/>
+                <a:ea typeface="+mn-ea"/>
+                <a:cs typeface="+mn-cs"/>
+              </a:defRPr>
+            </a:lvl1pPr>
+            <a:lvl2pPr marL="457200" indent="0" algn="ctr" defTabSz="914400" rtl="0" eaLnBrk="1" latinLnBrk="0" hangingPunct="1">
+              <a:lnSpc>
+                <a:spcPct val="90000"/>
+              </a:lnSpc>
+              <a:spcBef>
+                <a:spcPts val="500"/>
+              </a:spcBef>
+              <a:buFont typeface="Arial" panose="020B0604020202020204" pitchFamily="34" charset="0"/>
+              <a:buNone/>
+              <a:defRPr sz="2000" kern="1200">
+                <a:solidFill>
+                  <a:schemeClr val="tx1"/>
+                </a:solidFill>
+                <a:latin typeface="+mn-lt"/>
+                <a:ea typeface="+mn-ea"/>
+                <a:cs typeface="+mn-cs"/>
+              </a:defRPr>
+            </a:lvl2pPr>
+            <a:lvl3pPr marL="914400" indent="0" algn="ctr" defTabSz="914400" rtl="0" eaLnBrk="1" latinLnBrk="0" hangingPunct="1">
+              <a:lnSpc>
+                <a:spcPct val="90000"/>
+              </a:lnSpc>
+              <a:spcBef>
+                <a:spcPts val="500"/>
+              </a:spcBef>
+              <a:buFont typeface="Arial" panose="020B0604020202020204" pitchFamily="34" charset="0"/>
+              <a:buNone/>
+              <a:defRPr sz="1800" kern="1200">
+                <a:solidFill>
+                  <a:schemeClr val="tx1"/>
+                </a:solidFill>
+                <a:latin typeface="+mn-lt"/>
+                <a:ea typeface="+mn-ea"/>
+                <a:cs typeface="+mn-cs"/>
+              </a:defRPr>
+            </a:lvl3pPr>
+            <a:lvl4pPr marL="1371600" indent="0" algn="ctr" defTabSz="914400" rtl="0" eaLnBrk="1" latinLnBrk="0" hangingPunct="1">
+              <a:lnSpc>
+                <a:spcPct val="90000"/>
+              </a:lnSpc>
+              <a:spcBef>
+                <a:spcPts val="500"/>
+              </a:spcBef>
+              <a:buFont typeface="Arial" panose="020B0604020202020204" pitchFamily="34" charset="0"/>
+              <a:buNone/>
+              <a:defRPr sz="1600" kern="1200">
+                <a:solidFill>
+                  <a:schemeClr val="tx1"/>
+                </a:solidFill>
+                <a:latin typeface="+mn-lt"/>
+                <a:ea typeface="+mn-ea"/>
+                <a:cs typeface="+mn-cs"/>
+              </a:defRPr>
+            </a:lvl4pPr>
+            <a:lvl5pPr marL="1828800" indent="0" algn="ctr" defTabSz="914400" rtl="0" eaLnBrk="1" latinLnBrk="0" hangingPunct="1">
+              <a:lnSpc>
+                <a:spcPct val="90000"/>
+              </a:lnSpc>
+              <a:spcBef>
+                <a:spcPts val="500"/>
+              </a:spcBef>
+              <a:buFont typeface="Arial" panose="020B0604020202020204" pitchFamily="34" charset="0"/>
+              <a:buNone/>
+              <a:defRPr sz="1600" kern="1200">
+                <a:solidFill>
+                  <a:schemeClr val="tx1"/>
+                </a:solidFill>
+                <a:latin typeface="+mn-lt"/>
+                <a:ea typeface="+mn-ea"/>
+                <a:cs typeface="+mn-cs"/>
+              </a:defRPr>
+            </a:lvl5pPr>
+            <a:lvl6pPr marL="2286000" indent="0" algn="ctr" defTabSz="914400" rtl="0" eaLnBrk="1" latinLnBrk="0" hangingPunct="1">
+              <a:lnSpc>
+                <a:spcPct val="90000"/>
+              </a:lnSpc>
+              <a:spcBef>
+                <a:spcPts val="500"/>
+              </a:spcBef>
+              <a:buFont typeface="Arial" panose="020B0604020202020204" pitchFamily="34" charset="0"/>
+              <a:buNone/>
+              <a:defRPr sz="1600" kern="1200">
+                <a:solidFill>
+                  <a:schemeClr val="tx1"/>
+                </a:solidFill>
+                <a:latin typeface="+mn-lt"/>
+                <a:ea typeface="+mn-ea"/>
+                <a:cs typeface="+mn-cs"/>
+              </a:defRPr>
+            </a:lvl6pPr>
+            <a:lvl7pPr marL="2743200" indent="0" algn="ctr" defTabSz="914400" rtl="0" eaLnBrk="1" latinLnBrk="0" hangingPunct="1">
+              <a:lnSpc>
+                <a:spcPct val="90000"/>
+              </a:lnSpc>
+              <a:spcBef>
+                <a:spcPts val="500"/>
+              </a:spcBef>
+              <a:buFont typeface="Arial" panose="020B0604020202020204" pitchFamily="34" charset="0"/>
+              <a:buNone/>
+              <a:defRPr sz="1600" kern="1200">
+                <a:solidFill>
+                  <a:schemeClr val="tx1"/>
+                </a:solidFill>
+                <a:latin typeface="+mn-lt"/>
+                <a:ea typeface="+mn-ea"/>
+                <a:cs typeface="+mn-cs"/>
+              </a:defRPr>
+            </a:lvl7pPr>
+            <a:lvl8pPr marL="3200400" indent="0" algn="ctr" defTabSz="914400" rtl="0" eaLnBrk="1" latinLnBrk="0" hangingPunct="1">
+              <a:lnSpc>
+                <a:spcPct val="90000"/>
+              </a:lnSpc>
+              <a:spcBef>
+                <a:spcPts val="500"/>
+              </a:spcBef>
+              <a:buFont typeface="Arial" panose="020B0604020202020204" pitchFamily="34" charset="0"/>
+              <a:buNone/>
+              <a:defRPr sz="1600" kern="1200">
+                <a:solidFill>
+                  <a:schemeClr val="tx1"/>
+                </a:solidFill>
+                <a:latin typeface="+mn-lt"/>
+                <a:ea typeface="+mn-ea"/>
+                <a:cs typeface="+mn-cs"/>
+              </a:defRPr>
+            </a:lvl8pPr>
+            <a:lvl9pPr marL="3657600" indent="0" algn="ctr" defTabSz="914400" rtl="0" eaLnBrk="1" latinLnBrk="0" hangingPunct="1">
+              <a:lnSpc>
+                <a:spcPct val="90000"/>
+              </a:lnSpc>
+              <a:spcBef>
+                <a:spcPts val="500"/>
+              </a:spcBef>
+              <a:buFont typeface="Arial" panose="020B0604020202020204" pitchFamily="34" charset="0"/>
+              <a:buNone/>
+              <a:defRPr sz="1600" kern="1200">
+                <a:solidFill>
+                  <a:schemeClr val="tx1"/>
+                </a:solidFill>
+                <a:latin typeface="+mn-lt"/>
+                <a:ea typeface="+mn-ea"/>
+                <a:cs typeface="+mn-cs"/>
+              </a:defRPr>
+            </a:lvl9pPr>
+          </a:lstStyle>
+          <a:p>
+            <a:r>
+              <a:rPr lang="en-GB" dirty="0">
+                <a:solidFill>
+                  <a:schemeClr val="bg1">
+                    <a:lumMod val="95000"/>
+                  </a:schemeClr>
+                </a:solidFill>
+                <a:latin typeface="Arial Nova Light" panose="020B0604020202020204" pitchFamily="34" charset="0"/>
+              </a:rPr>
+              <a:t>Osamu Katagiri</a:t>
+            </a:r>
+            <a:br>
+              <a:rPr lang="en-GB" dirty="0">
+                <a:solidFill>
+                  <a:schemeClr val="bg1">
+                    <a:lumMod val="95000"/>
+                  </a:schemeClr>
+                </a:solidFill>
+                <a:latin typeface="Arial Nova Light" panose="020B0604020202020204" pitchFamily="34" charset="0"/>
+              </a:rPr>
+            </a:br>
+            <a:r>
+              <a:rPr lang="en-GB" sz="2000" dirty="0">
+                <a:solidFill>
+                  <a:schemeClr val="bg1">
+                    <a:lumMod val="95000"/>
+                  </a:schemeClr>
+                </a:solidFill>
+                <a:latin typeface="Arial Nova Light" panose="020B0604020202020204" pitchFamily="34" charset="0"/>
+              </a:rPr>
+              <a:t>A01212611@itesm.mx</a:t>
+            </a:r>
+          </a:p>
+          <a:p>
+            <a:endParaRPr lang="en-GB" dirty="0">
+              <a:solidFill>
+                <a:schemeClr val="bg1">
+                  <a:lumMod val="95000"/>
+                </a:schemeClr>
+              </a:solidFill>
+              <a:latin typeface="Arial Nova Light" panose="020B0604020202020204" pitchFamily="34" charset="0"/>
+            </a:endParaRPr>
+          </a:p>
+          <a:p>
+            <a:r>
+              <a:rPr lang="en-GB" dirty="0">
+                <a:solidFill>
+                  <a:schemeClr val="bg1">
+                    <a:lumMod val="95000"/>
+                  </a:schemeClr>
+                </a:solidFill>
+                <a:latin typeface="Arial Nova Light" panose="020B0604020202020204" pitchFamily="34" charset="0"/>
+              </a:rPr>
+              <a:t>03 Oct 2019</a:t>
+            </a:r>
+          </a:p>
+        </p:txBody>
+      </p:sp>
     </p:spTree>
     <p:extLst>
       <p:ext uri="{BB962C8B-B14F-4D97-AF65-F5344CB8AC3E}">
@@ -5786,10 +6110,10 @@
       </p:grpSpPr>
       <p:sp>
         <p:nvSpPr>
-          <p:cNvPr id="4" name="Title 1">
-            <a:extLst>
-              <a:ext uri="{FF2B5EF4-FFF2-40B4-BE49-F238E27FC236}">
-                <a16:creationId xmlns:a16="http://schemas.microsoft.com/office/drawing/2014/main" id="{F9ED8BE6-F7AC-4FD8-8FA8-8C683A7C2F62}"/>
+          <p:cNvPr id="9" name="Title 1">
+            <a:extLst>
+              <a:ext uri="{FF2B5EF4-FFF2-40B4-BE49-F238E27FC236}">
+                <a16:creationId xmlns:a16="http://schemas.microsoft.com/office/drawing/2014/main" id="{907DD878-B76C-4FC5-9BC3-86C7C3DB3BDA}"/>
               </a:ext>
             </a:extLst>
           </p:cNvPr>
@@ -5802,48 +6126,8 @@
         </p:nvSpPr>
         <p:spPr>
           <a:xfrm>
-            <a:off x="949040" y="365125"/>
+            <a:off x="942832" y="2766218"/>
             <a:ext cx="11242960" cy="1325563"/>
-          </a:xfrm>
-        </p:spPr>
-        <p:txBody>
-          <a:bodyPr/>
-          <a:lstStyle/>
-          <a:p>
-            <a:r>
-              <a:rPr lang="en-GB" dirty="0">
-                <a:solidFill>
-                  <a:schemeClr val="bg1">
-                    <a:lumMod val="95000"/>
-                  </a:schemeClr>
-                </a:solidFill>
-                <a:latin typeface="Arial Nova Light" panose="020B0304020202020204" pitchFamily="34" charset="0"/>
-              </a:rPr>
-              <a:t>References</a:t>
-            </a:r>
-          </a:p>
-        </p:txBody>
-      </p:sp>
-      <p:sp>
-        <p:nvSpPr>
-          <p:cNvPr id="6" name="Content Placeholder 2">
-            <a:extLst>
-              <a:ext uri="{FF2B5EF4-FFF2-40B4-BE49-F238E27FC236}">
-                <a16:creationId xmlns:a16="http://schemas.microsoft.com/office/drawing/2014/main" id="{058630E6-31AF-4451-B084-C9809D0DA4E8}"/>
-              </a:ext>
-            </a:extLst>
-          </p:cNvPr>
-          <p:cNvSpPr>
-            <a:spLocks noGrp="1"/>
-          </p:cNvSpPr>
-          <p:nvPr>
-            <p:ph idx="1"/>
-          </p:nvPr>
-        </p:nvSpPr>
-        <p:spPr>
-          <a:xfrm>
-            <a:off x="949040" y="1825624"/>
-            <a:ext cx="11242960" cy="5032375"/>
           </a:xfrm>
         </p:spPr>
         <p:txBody>
@@ -5852,55 +6136,73 @@
           </a:bodyPr>
           <a:lstStyle/>
           <a:p>
-            <a:pPr marL="514350" indent="-514350">
-              <a:buFont typeface="+mj-lt"/>
-              <a:buAutoNum type="arabicPeriod"/>
-            </a:pPr>
-            <a:r>
-              <a:rPr lang="en-GB" dirty="0">
-                <a:solidFill>
-                  <a:schemeClr val="bg1">
-                    <a:lumMod val="95000"/>
+            <a:pPr algn="ctr"/>
+            <a:r>
+              <a:rPr lang="en-GB" sz="6000" b="1" dirty="0">
+                <a:solidFill>
+                  <a:schemeClr val="tx1">
+                    <a:lumMod val="75000"/>
+                    <a:lumOff val="25000"/>
                   </a:schemeClr>
                 </a:solidFill>
-                <a:latin typeface="Arial Nova Light" panose="020B0304020202020204" pitchFamily="34" charset="0"/>
+                <a:latin typeface="Gabriola" panose="04040605051002020D02" pitchFamily="82" charset="0"/>
               </a:rPr>
-              <a:t>&lt;reference A&gt;</a:t>
-            </a:r>
-          </a:p>
-          <a:p>
-            <a:pPr marL="514350" indent="-514350">
-              <a:buFont typeface="+mj-lt"/>
-              <a:buAutoNum type="arabicPeriod"/>
-            </a:pPr>
-            <a:r>
-              <a:rPr lang="en-GB" dirty="0">
-                <a:solidFill>
-                  <a:schemeClr val="bg1">
-                    <a:lumMod val="95000"/>
-                  </a:schemeClr>
-                </a:solidFill>
-                <a:latin typeface="Arial Nova Light" panose="020B0304020202020204" pitchFamily="34" charset="0"/>
-              </a:rPr>
-              <a:t>&lt;reference B&gt;</a:t>
-            </a:r>
-          </a:p>
-          <a:p>
-            <a:endParaRPr lang="en-GB" dirty="0">
-              <a:solidFill>
-                <a:schemeClr val="bg1">
-                  <a:lumMod val="95000"/>
-                </a:schemeClr>
-              </a:solidFill>
-              <a:latin typeface="Arial Nova Light" panose="020B0304020202020204" pitchFamily="34" charset="0"/>
-            </a:endParaRPr>
-          </a:p>
-        </p:txBody>
-      </p:sp>
+              <a:t>Q&amp;A</a:t>
+            </a:r>
+          </a:p>
+        </p:txBody>
+      </p:sp>
+      <p:pic>
+        <p:nvPicPr>
+          <p:cNvPr id="2" name="Picture 2" descr="http://www.landlordreferencing.co.uk/wp-content/uploads/2016/11/489f-hce-q-and-a-jpg.png">
+            <a:extLst>
+              <a:ext uri="{FF2B5EF4-FFF2-40B4-BE49-F238E27FC236}">
+                <a16:creationId xmlns:a16="http://schemas.microsoft.com/office/drawing/2014/main" id="{A3958ADD-11D2-4A36-B683-42F04B78B769}"/>
+              </a:ext>
+            </a:extLst>
+          </p:cNvPr>
+          <p:cNvPicPr>
+            <a:picLocks noChangeAspect="1" noChangeArrowheads="1"/>
+          </p:cNvPicPr>
+          <p:nvPr/>
+        </p:nvPicPr>
+        <p:blipFill>
+          <a:blip r:embed="rId2">
+            <a:extLst>
+              <a:ext uri="{28A0092B-C50C-407E-A947-70E740481C1C}">
+                <a14:useLocalDpi xmlns:a14="http://schemas.microsoft.com/office/drawing/2010/main" val="0"/>
+              </a:ext>
+            </a:extLst>
+          </a:blip>
+          <a:srcRect/>
+          <a:stretch>
+            <a:fillRect/>
+          </a:stretch>
+        </p:blipFill>
+        <p:spPr bwMode="auto">
+          <a:xfrm>
+            <a:off x="3125787" y="1649413"/>
+            <a:ext cx="6877050" cy="3486150"/>
+          </a:xfrm>
+          <a:prstGeom prst="rect">
+            <a:avLst/>
+          </a:prstGeom>
+          <a:noFill/>
+          <a:extLst>
+            <a:ext uri="{909E8E84-426E-40DD-AFC4-6F175D3DCCD1}">
+              <a14:hiddenFill xmlns:a14="http://schemas.microsoft.com/office/drawing/2010/main">
+                <a:solidFill>
+                  <a:srgbClr val="FFFFFF"/>
+                </a:solidFill>
+              </a14:hiddenFill>
+            </a:ext>
+          </a:extLst>
+        </p:spPr>
+      </p:pic>
     </p:spTree>
     <p:extLst>
       <p:ext uri="{BB962C8B-B14F-4D97-AF65-F5344CB8AC3E}">
-        <p14:creationId xmlns:p14="http://schemas.microsoft.com/office/powerpoint/2010/main" val="3604131991"/>
+        <p14:creationId xmlns:p14="http://schemas.microsoft.com/office/powerpoint/2010/main" val="4246728971"/>
       </p:ext>
     </p:extLst>
   </p:cSld>
@@ -5927,61 +6229,230 @@
           <a:chExt cx="0" cy="0"/>
         </a:xfrm>
       </p:grpSpPr>
-      <mc:AlternateContent xmlns:mc="http://schemas.openxmlformats.org/markup-compatibility/2006" xmlns:p14="http://schemas.microsoft.com/office/powerpoint/2010/main" xmlns:aink="http://schemas.microsoft.com/office/drawing/2016/ink">
-        <mc:Choice Requires="p14 aink">
-          <p:contentPart p14:bwMode="auto" r:id="rId2">
-            <p14:nvContentPartPr>
-              <p14:cNvPr id="19" name="Ink 18">
-                <a:extLst>
-                  <a:ext uri="{FF2B5EF4-FFF2-40B4-BE49-F238E27FC236}">
-                    <a16:creationId xmlns:a16="http://schemas.microsoft.com/office/drawing/2014/main" id="{BAA549A7-2830-4ED6-A802-0791908B8068}"/>
-                  </a:ext>
-                </a:extLst>
-              </p14:cNvPr>
-              <p14:cNvContentPartPr/>
-              <p14:nvPr/>
-            </p14:nvContentPartPr>
-            <p14:xfrm>
-              <a:off x="400573" y="7394564"/>
-              <a:ext cx="360" cy="360"/>
-            </p14:xfrm>
-          </p:contentPart>
-        </mc:Choice>
-        <mc:Fallback xmlns="">
-          <p:pic>
-            <p:nvPicPr>
-              <p:cNvPr id="19" name="Ink 18">
-                <a:extLst>
-                  <a:ext uri="{FF2B5EF4-FFF2-40B4-BE49-F238E27FC236}">
-                    <a16:creationId xmlns:a16="http://schemas.microsoft.com/office/drawing/2014/main" id="{BAA549A7-2830-4ED6-A802-0791908B8068}"/>
-                  </a:ext>
-                </a:extLst>
-              </p:cNvPr>
-              <p:cNvPicPr/>
-              <p:nvPr/>
-            </p:nvPicPr>
-            <p:blipFill>
-              <a:blip r:embed="rId3"/>
-              <a:stretch>
-                <a:fillRect/>
-              </a:stretch>
-            </p:blipFill>
-            <p:spPr>
-              <a:xfrm>
-                <a:off x="382933" y="7376924"/>
-                <a:ext cx="36000" cy="36000"/>
-              </a:xfrm>
-              <a:prstGeom prst="rect">
-                <a:avLst/>
-              </a:prstGeom>
-            </p:spPr>
-          </p:pic>
-        </mc:Fallback>
-      </mc:AlternateContent>
+      <p:sp>
+        <p:nvSpPr>
+          <p:cNvPr id="4" name="Title 1">
+            <a:extLst>
+              <a:ext uri="{FF2B5EF4-FFF2-40B4-BE49-F238E27FC236}">
+                <a16:creationId xmlns:a16="http://schemas.microsoft.com/office/drawing/2014/main" id="{F9ED8BE6-F7AC-4FD8-8FA8-8C683A7C2F62}"/>
+              </a:ext>
+            </a:extLst>
+          </p:cNvPr>
+          <p:cNvSpPr>
+            <a:spLocks noGrp="1"/>
+          </p:cNvSpPr>
+          <p:nvPr>
+            <p:ph type="title"/>
+          </p:nvPr>
+        </p:nvSpPr>
+        <p:spPr>
+          <a:xfrm>
+            <a:off x="949040" y="365125"/>
+            <a:ext cx="11242960" cy="1325563"/>
+          </a:xfrm>
+        </p:spPr>
+        <p:txBody>
+          <a:bodyPr/>
+          <a:lstStyle/>
+          <a:p>
+            <a:r>
+              <a:rPr lang="en-GB" dirty="0">
+                <a:solidFill>
+                  <a:schemeClr val="bg1">
+                    <a:lumMod val="95000"/>
+                  </a:schemeClr>
+                </a:solidFill>
+                <a:latin typeface="Arial Nova Light" panose="020B0304020202020204" pitchFamily="34" charset="0"/>
+              </a:rPr>
+              <a:t>References</a:t>
+            </a:r>
+          </a:p>
+        </p:txBody>
+      </p:sp>
+      <p:sp>
+        <p:nvSpPr>
+          <p:cNvPr id="6" name="Content Placeholder 2">
+            <a:extLst>
+              <a:ext uri="{FF2B5EF4-FFF2-40B4-BE49-F238E27FC236}">
+                <a16:creationId xmlns:a16="http://schemas.microsoft.com/office/drawing/2014/main" id="{058630E6-31AF-4451-B084-C9809D0DA4E8}"/>
+              </a:ext>
+            </a:extLst>
+          </p:cNvPr>
+          <p:cNvSpPr>
+            <a:spLocks noGrp="1"/>
+          </p:cNvSpPr>
+          <p:nvPr>
+            <p:ph idx="1"/>
+          </p:nvPr>
+        </p:nvSpPr>
+        <p:spPr>
+          <a:xfrm>
+            <a:off x="949040" y="1825624"/>
+            <a:ext cx="11242960" cy="5032375"/>
+          </a:xfrm>
+        </p:spPr>
+        <p:txBody>
+          <a:bodyPr>
+            <a:normAutofit/>
+          </a:bodyPr>
+          <a:lstStyle/>
+          <a:p>
+            <a:pPr marL="514350" indent="-514350">
+              <a:buFont typeface="+mj-lt"/>
+              <a:buAutoNum type="arabicPeriod"/>
+            </a:pPr>
+            <a:r>
+              <a:rPr lang="en-GB" dirty="0">
+                <a:solidFill>
+                  <a:schemeClr val="bg1">
+                    <a:lumMod val="95000"/>
+                  </a:schemeClr>
+                </a:solidFill>
+                <a:latin typeface="Arial Nova Light" panose="020B0304020202020204" pitchFamily="34" charset="0"/>
+              </a:rPr>
+              <a:t>Cardenas-Benitez, B., </a:t>
+            </a:r>
+            <a:r>
+              <a:rPr lang="en-GB" dirty="0" err="1">
+                <a:solidFill>
+                  <a:schemeClr val="bg1">
+                    <a:lumMod val="95000"/>
+                  </a:schemeClr>
+                </a:solidFill>
+                <a:latin typeface="Arial Nova Light" panose="020B0304020202020204" pitchFamily="34" charset="0"/>
+              </a:rPr>
+              <a:t>Eschenbaum</a:t>
+            </a:r>
+            <a:r>
+              <a:rPr lang="en-GB" dirty="0">
+                <a:solidFill>
+                  <a:schemeClr val="bg1">
+                    <a:lumMod val="95000"/>
+                  </a:schemeClr>
+                </a:solidFill>
+                <a:latin typeface="Arial Nova Light" panose="020B0304020202020204" pitchFamily="34" charset="0"/>
+              </a:rPr>
+              <a:t>, C., </a:t>
+            </a:r>
+            <a:r>
+              <a:rPr lang="en-GB" dirty="0" err="1">
+                <a:solidFill>
+                  <a:schemeClr val="bg1">
+                    <a:lumMod val="95000"/>
+                  </a:schemeClr>
+                </a:solidFill>
+                <a:latin typeface="Arial Nova Light" panose="020B0304020202020204" pitchFamily="34" charset="0"/>
+              </a:rPr>
+              <a:t>Mager</a:t>
+            </a:r>
+            <a:r>
+              <a:rPr lang="en-GB" dirty="0">
+                <a:solidFill>
+                  <a:schemeClr val="bg1">
+                    <a:lumMod val="95000"/>
+                  </a:schemeClr>
+                </a:solidFill>
+                <a:latin typeface="Arial Nova Light" panose="020B0304020202020204" pitchFamily="34" charset="0"/>
+              </a:rPr>
+              <a:t>, D., </a:t>
+            </a:r>
+            <a:r>
+              <a:rPr lang="en-GB" dirty="0" err="1">
+                <a:solidFill>
+                  <a:schemeClr val="bg1">
+                    <a:lumMod val="95000"/>
+                  </a:schemeClr>
+                </a:solidFill>
+                <a:latin typeface="Arial Nova Light" panose="020B0304020202020204" pitchFamily="34" charset="0"/>
+              </a:rPr>
+              <a:t>Korvink</a:t>
+            </a:r>
+            <a:r>
+              <a:rPr lang="en-GB" dirty="0">
+                <a:solidFill>
+                  <a:schemeClr val="bg1">
+                    <a:lumMod val="95000"/>
+                  </a:schemeClr>
+                </a:solidFill>
+                <a:latin typeface="Arial Nova Light" panose="020B0304020202020204" pitchFamily="34" charset="0"/>
+              </a:rPr>
+              <a:t>, J. G., </a:t>
+            </a:r>
+            <a:r>
+              <a:rPr lang="en-GB" dirty="0" err="1">
+                <a:solidFill>
+                  <a:schemeClr val="bg1">
+                    <a:lumMod val="95000"/>
+                  </a:schemeClr>
+                </a:solidFill>
+                <a:latin typeface="Arial Nova Light" panose="020B0304020202020204" pitchFamily="34" charset="0"/>
+              </a:rPr>
+              <a:t>Madou</a:t>
+            </a:r>
+            <a:r>
+              <a:rPr lang="en-GB" dirty="0">
+                <a:solidFill>
+                  <a:schemeClr val="bg1">
+                    <a:lumMod val="95000"/>
+                  </a:schemeClr>
+                </a:solidFill>
+                <a:latin typeface="Arial Nova Light" panose="020B0304020202020204" pitchFamily="34" charset="0"/>
+              </a:rPr>
+              <a:t>, M. J., </a:t>
+            </a:r>
+            <a:r>
+              <a:rPr lang="en-GB" dirty="0" err="1">
+                <a:solidFill>
+                  <a:schemeClr val="bg1">
+                    <a:lumMod val="95000"/>
+                  </a:schemeClr>
+                </a:solidFill>
+                <a:latin typeface="Arial Nova Light" panose="020B0304020202020204" pitchFamily="34" charset="0"/>
+              </a:rPr>
+              <a:t>Lemmer</a:t>
+            </a:r>
+            <a:r>
+              <a:rPr lang="en-GB" dirty="0">
+                <a:solidFill>
+                  <a:schemeClr val="bg1">
+                    <a:lumMod val="95000"/>
+                  </a:schemeClr>
+                </a:solidFill>
+                <a:latin typeface="Arial Nova Light" panose="020B0304020202020204" pitchFamily="34" charset="0"/>
+              </a:rPr>
+              <a:t>, U., … Martinez-Chapa, S. O. (2019). Pyrolysis-induced shrinking of three-dimensional structures fabricated by two-photon polymerization: experiment and theoretical model. Microsystems &amp; Nanoengineering, 5(1). https://doi.org/10.1038/s41378-019-0079-9</a:t>
+            </a:r>
+          </a:p>
+          <a:p>
+            <a:pPr marL="514350" indent="-514350">
+              <a:buFont typeface="+mj-lt"/>
+              <a:buAutoNum type="arabicPeriod"/>
+            </a:pPr>
+            <a:endParaRPr lang="en-GB" dirty="0">
+              <a:solidFill>
+                <a:schemeClr val="bg1">
+                  <a:lumMod val="95000"/>
+                </a:schemeClr>
+              </a:solidFill>
+              <a:latin typeface="Arial Nova Light" panose="020B0304020202020204" pitchFamily="34" charset="0"/>
+            </a:endParaRPr>
+          </a:p>
+          <a:p>
+            <a:endParaRPr lang="en-GB" dirty="0">
+              <a:solidFill>
+                <a:schemeClr val="bg1">
+                  <a:lumMod val="95000"/>
+                </a:schemeClr>
+              </a:solidFill>
+              <a:latin typeface="Arial Nova Light" panose="020B0304020202020204" pitchFamily="34" charset="0"/>
+            </a:endParaRPr>
+          </a:p>
+        </p:txBody>
+      </p:sp>
     </p:spTree>
     <p:extLst>
       <p:ext uri="{BB962C8B-B14F-4D97-AF65-F5344CB8AC3E}">
-        <p14:creationId xmlns:p14="http://schemas.microsoft.com/office/powerpoint/2010/main" val="2232161063"/>
+        <p14:creationId xmlns:p14="http://schemas.microsoft.com/office/powerpoint/2010/main" val="3604131991"/>
       </p:ext>
     </p:extLst>
   </p:cSld>
@@ -6062,8 +6533,8 @@
         </p:nvSpPr>
         <p:spPr>
           <a:xfrm>
-            <a:off x="942833" y="4705003"/>
-            <a:ext cx="11242960" cy="523220"/>
+            <a:off x="949040" y="1690688"/>
+            <a:ext cx="11242960" cy="1384995"/>
           </a:xfrm>
           <a:prstGeom prst="rect">
             <a:avLst/>
@@ -6084,7 +6555,7 @@
                 </a:solidFill>
                 <a:latin typeface="Arial Nova Light" panose="020B0304020202020204" pitchFamily="34" charset="0"/>
               </a:rPr>
-              <a:t>&lt;content&gt; </a:t>
+              <a:t>Cárdenas-Benitez et al. studied the </a:t>
             </a:r>
             <a:r>
               <a:rPr lang="en-GB" sz="2800" b="1" dirty="0">
@@ -6095,12 +6566,65 @@
                 </a:solidFill>
                 <a:latin typeface="Arial Nova Light" panose="020B0304020202020204" pitchFamily="34" charset="0"/>
               </a:rPr>
-              <a:t>&lt;key concept&gt;</a:t>
-            </a:r>
-            <a:endParaRPr lang="en-GB" dirty="0"/>
-          </a:p>
-        </p:txBody>
-      </p:sp>
+              <a:t>pyrolysis-induced shrinkage</a:t>
+            </a:r>
+          </a:p>
+          <a:p>
+            <a:r>
+              <a:rPr lang="en-GB" sz="2800" b="1" dirty="0">
+                <a:solidFill>
+                  <a:schemeClr val="tx2">
+                    <a:lumMod val="75000"/>
+                  </a:schemeClr>
+                </a:solidFill>
+                <a:latin typeface="Arial Nova Light" panose="020B0304020202020204" pitchFamily="34" charset="0"/>
+              </a:rPr>
+              <a:t>of structures consisting of suspended microwires </a:t>
+            </a:r>
+            <a:r>
+              <a:rPr lang="en-GB" sz="2800" dirty="0">
+                <a:solidFill>
+                  <a:schemeClr val="bg1">
+                    <a:lumMod val="95000"/>
+                  </a:schemeClr>
+                </a:solidFill>
+                <a:latin typeface="Arial Nova Light" panose="020B0304020202020204" pitchFamily="34" charset="0"/>
+              </a:rPr>
+              <a:t>of photocured resin (SU-8 2050).</a:t>
+            </a:r>
+          </a:p>
+        </p:txBody>
+      </p:sp>
+      <p:pic>
+        <p:nvPicPr>
+          <p:cNvPr id="4" name="Picture 3">
+            <a:extLst>
+              <a:ext uri="{FF2B5EF4-FFF2-40B4-BE49-F238E27FC236}">
+                <a16:creationId xmlns:a16="http://schemas.microsoft.com/office/drawing/2014/main" id="{868F8D45-8CB3-4630-A77F-A3EDCDCA73ED}"/>
+              </a:ext>
+            </a:extLst>
+          </p:cNvPr>
+          <p:cNvPicPr>
+            <a:picLocks noChangeAspect="1"/>
+          </p:cNvPicPr>
+          <p:nvPr/>
+        </p:nvPicPr>
+        <p:blipFill>
+          <a:blip r:embed="rId3"/>
+          <a:stretch>
+            <a:fillRect/>
+          </a:stretch>
+        </p:blipFill>
+        <p:spPr>
+          <a:xfrm>
+            <a:off x="2921936" y="3075683"/>
+            <a:ext cx="7297168" cy="3324689"/>
+          </a:xfrm>
+          <a:prstGeom prst="rect">
+            <a:avLst/>
+          </a:prstGeom>
+        </p:spPr>
+      </p:pic>
     </p:spTree>
     <p:extLst>
       <p:ext uri="{BB962C8B-B14F-4D97-AF65-F5344CB8AC3E}">
@@ -6167,6 +6691,17 @@
                 <a:latin typeface="Arial Nova Light" panose="020B0304020202020204" pitchFamily="34" charset="0"/>
               </a:rPr>
               <a:t>Experiment</a:t>
+            </a:r>
+            <a:r>
+              <a:rPr lang="en-GB" sz="3600" dirty="0">
+                <a:solidFill>
+                  <a:schemeClr val="bg1">
+                    <a:lumMod val="95000"/>
+                  </a:schemeClr>
+                </a:solidFill>
+                <a:latin typeface="Arial Nova Light" panose="020B0304020202020204" pitchFamily="34" charset="0"/>
+              </a:rPr>
+              <a:t> - step1 (SU-8 structures)</a:t>
             </a:r>
           </a:p>
         </p:txBody>
@@ -6412,8 +6947,8 @@
         </p:nvSpPr>
         <p:spPr>
           <a:xfrm>
-            <a:off x="4994074" y="1690688"/>
-            <a:ext cx="7197926" cy="1384995"/>
+            <a:off x="4987867" y="1703209"/>
+            <a:ext cx="7197926" cy="1815882"/>
           </a:xfrm>
           <a:prstGeom prst="rect">
             <a:avLst/>
@@ -6459,6 +6994,17 @@
               <a:t>mW</a:t>
             </a:r>
             <a:r>
+              <a:rPr lang="en-GB" sz="2800" b="1" dirty="0">
+                <a:solidFill>
+                  <a:schemeClr val="tx2">
+                    <a:lumMod val="75000"/>
+                  </a:schemeClr>
+                </a:solidFill>
+                <a:latin typeface="Arial Nova Light" panose="020B0304020202020204" pitchFamily="34" charset="0"/>
+              </a:rPr>
+              <a:t> </a:t>
+            </a:r>
+            <a:r>
               <a:rPr lang="en-GB" sz="2800" dirty="0">
                 <a:solidFill>
                   <a:schemeClr val="bg1">
@@ -6467,7 +7013,7 @@
                 </a:solidFill>
                 <a:latin typeface="Arial Nova Light" panose="020B0304020202020204" pitchFamily="34" charset="0"/>
               </a:rPr>
-              <a:t>, at a scanning velocity of </a:t>
+              <a:t>laser average power, at a scanning velocity of </a:t>
             </a:r>
             <a:r>
               <a:rPr lang="en-GB" sz="2800" b="1" dirty="0">
@@ -6490,6 +7036,153 @@
                 <a:latin typeface="Arial Nova Light" panose="020B0304020202020204" pitchFamily="34" charset="0"/>
               </a:rPr>
               <a:t>.</a:t>
+            </a:r>
+          </a:p>
+        </p:txBody>
+      </p:sp>
+      <p:sp>
+        <p:nvSpPr>
+          <p:cNvPr id="12" name="Rectangle 11">
+            <a:extLst>
+              <a:ext uri="{FF2B5EF4-FFF2-40B4-BE49-F238E27FC236}">
+                <a16:creationId xmlns:a16="http://schemas.microsoft.com/office/drawing/2014/main" id="{BCC53A60-9AF9-4544-92DE-95BA00EA8D3A}"/>
+              </a:ext>
+            </a:extLst>
+          </p:cNvPr>
+          <p:cNvSpPr/>
+          <p:nvPr/>
+        </p:nvSpPr>
+        <p:spPr>
+          <a:xfrm>
+            <a:off x="4951248" y="5989158"/>
+            <a:ext cx="7240752" cy="369332"/>
+          </a:xfrm>
+          <a:prstGeom prst="rect">
+            <a:avLst/>
+          </a:prstGeom>
+        </p:spPr>
+        <p:txBody>
+          <a:bodyPr wrap="square">
+            <a:spAutoFit/>
+          </a:bodyPr>
+          <a:lstStyle/>
+          <a:p>
+            <a:r>
+              <a:rPr lang="en-GB" dirty="0">
+                <a:solidFill>
+                  <a:schemeClr val="bg1">
+                    <a:lumMod val="95000"/>
+                  </a:schemeClr>
+                </a:solidFill>
+                <a:latin typeface="Arial Nova Light" panose="020B0304020202020204" pitchFamily="34" charset="0"/>
+              </a:rPr>
+              <a:t>femtosecond pulsed laser (Coherent Mira 900D </a:t>
+            </a:r>
+            <a:r>
+              <a:rPr lang="en-GB" dirty="0" err="1">
+                <a:solidFill>
+                  <a:schemeClr val="bg1">
+                    <a:lumMod val="95000"/>
+                  </a:schemeClr>
+                </a:solidFill>
+                <a:latin typeface="Arial Nova Light" panose="020B0304020202020204" pitchFamily="34" charset="0"/>
+              </a:rPr>
+              <a:t>titanium:saphire</a:t>
+            </a:r>
+            <a:r>
+              <a:rPr lang="en-GB" dirty="0">
+                <a:solidFill>
+                  <a:schemeClr val="bg1">
+                    <a:lumMod val="95000"/>
+                  </a:schemeClr>
+                </a:solidFill>
+                <a:latin typeface="Arial Nova Light" panose="020B0304020202020204" pitchFamily="34" charset="0"/>
+              </a:rPr>
+              <a:t> laser)</a:t>
+            </a:r>
+          </a:p>
+        </p:txBody>
+      </p:sp>
+      <p:sp>
+        <p:nvSpPr>
+          <p:cNvPr id="3" name="TextBox 2">
+            <a:extLst>
+              <a:ext uri="{FF2B5EF4-FFF2-40B4-BE49-F238E27FC236}">
+                <a16:creationId xmlns:a16="http://schemas.microsoft.com/office/drawing/2014/main" id="{449E59B5-46FA-4B5C-BEB0-4A52F5E84EC3}"/>
+              </a:ext>
+            </a:extLst>
+          </p:cNvPr>
+          <p:cNvSpPr txBox="1"/>
+          <p:nvPr/>
+        </p:nvSpPr>
+        <p:spPr>
+          <a:xfrm>
+            <a:off x="4945041" y="4015460"/>
+            <a:ext cx="7240752" cy="1477328"/>
+          </a:xfrm>
+          <a:prstGeom prst="rect">
+            <a:avLst/>
+          </a:prstGeom>
+          <a:noFill/>
+        </p:spPr>
+        <p:txBody>
+          <a:bodyPr wrap="square" rtlCol="0">
+            <a:spAutoFit/>
+          </a:bodyPr>
+          <a:lstStyle/>
+          <a:p>
+            <a:r>
+              <a:rPr lang="en-GB" dirty="0">
+                <a:solidFill>
+                  <a:schemeClr val="bg1">
+                    <a:lumMod val="95000"/>
+                  </a:schemeClr>
+                </a:solidFill>
+                <a:latin typeface="Arial Nova Light" panose="020B0304020202020204" pitchFamily="34" charset="0"/>
+              </a:rPr>
+              <a:t>15 pairs of walls were produced, varying the laser average power from 0.2 to 3mW in steps of 0.2 </a:t>
+            </a:r>
+            <a:r>
+              <a:rPr lang="en-GB" dirty="0" err="1">
+                <a:solidFill>
+                  <a:schemeClr val="bg1">
+                    <a:lumMod val="95000"/>
+                  </a:schemeClr>
+                </a:solidFill>
+                <a:latin typeface="Arial Nova Light" panose="020B0304020202020204" pitchFamily="34" charset="0"/>
+              </a:rPr>
+              <a:t>mW</a:t>
+            </a:r>
+            <a:endParaRPr lang="en-GB" dirty="0">
+              <a:solidFill>
+                <a:schemeClr val="bg1">
+                  <a:lumMod val="95000"/>
+                </a:schemeClr>
+              </a:solidFill>
+              <a:latin typeface="Arial Nova Light" panose="020B0304020202020204" pitchFamily="34" charset="0"/>
+            </a:endParaRPr>
+          </a:p>
+          <a:p>
+            <a:endParaRPr lang="en-GB" dirty="0">
+              <a:solidFill>
+                <a:schemeClr val="bg1">
+                  <a:lumMod val="95000"/>
+                </a:schemeClr>
+              </a:solidFill>
+              <a:latin typeface="Arial Nova Light" panose="020B0304020202020204" pitchFamily="34" charset="0"/>
+            </a:endParaRPr>
+          </a:p>
+          <a:p>
+            <a:r>
+              <a:rPr lang="en-GB" dirty="0">
+                <a:solidFill>
+                  <a:schemeClr val="bg1">
+                    <a:lumMod val="95000"/>
+                  </a:schemeClr>
+                </a:solidFill>
+                <a:latin typeface="Arial Nova Light" panose="020B0304020202020204" pitchFamily="34" charset="0"/>
+              </a:rPr>
+              <a:t>19 wires were produces for each pair off walls, varying the scanning velocity from 0.2 to 2 mm/s in steps of 0.2 mm/s</a:t>
             </a:r>
           </a:p>
         </p:txBody>
@@ -6561,6 +7254,25 @@
               </a:rPr>
               <a:t>Experiment</a:t>
             </a:r>
+            <a:r>
+              <a:rPr lang="en-GB" sz="3600" dirty="0">
+                <a:solidFill>
+                  <a:schemeClr val="bg1">
+                    <a:lumMod val="95000"/>
+                  </a:schemeClr>
+                </a:solidFill>
+                <a:latin typeface="Arial Nova Light" panose="020B0304020202020204" pitchFamily="34" charset="0"/>
+              </a:rPr>
+              <a:t> - step2 (carbon structures)</a:t>
+            </a:r>
+            <a:endParaRPr lang="en-GB" dirty="0">
+              <a:solidFill>
+                <a:schemeClr val="bg1">
+                  <a:lumMod val="95000"/>
+                </a:schemeClr>
+              </a:solidFill>
+              <a:latin typeface="Arial Nova Light" panose="020B0304020202020204" pitchFamily="34" charset="0"/>
+            </a:endParaRPr>
           </a:p>
         </p:txBody>
       </p:sp>
@@ -6578,8 +7290,8 @@
         </p:nvSpPr>
         <p:spPr>
           <a:xfrm>
-            <a:off x="945937" y="1690688"/>
-            <a:ext cx="4310079" cy="1815882"/>
+            <a:off x="945936" y="1690688"/>
+            <a:ext cx="4310079" cy="2677656"/>
           </a:xfrm>
           <a:prstGeom prst="rect">
             <a:avLst/>
@@ -6600,10 +7312,22 @@
                 </a:solidFill>
                 <a:latin typeface="Arial Nova Light" panose="020B0304020202020204" pitchFamily="34" charset="0"/>
               </a:rPr>
-              <a:t>Chosen temperatures and ramp rates were as depicted by </a:t>
-            </a:r>
-            <a:r>
-              <a:rPr lang="en-GB" sz="2800" dirty="0" err="1">
+              <a:t>The pyrolysis conditions remained fixed</a:t>
+            </a:r>
+          </a:p>
+          <a:p>
+            <a:endParaRPr lang="en-GB" sz="2800" dirty="0">
+              <a:solidFill>
+                <a:schemeClr val="bg1">
+                  <a:lumMod val="95000"/>
+                </a:schemeClr>
+              </a:solidFill>
+              <a:latin typeface="Arial Nova Light" panose="020B0304020202020204" pitchFamily="34" charset="0"/>
+            </a:endParaRPr>
+          </a:p>
+          <a:p>
+            <a:r>
+              <a:rPr lang="en-GB" sz="2800" dirty="0">
                 <a:solidFill>
                   <a:schemeClr val="bg1">
                     <a:lumMod val="95000"/>
@@ -6611,18 +7335,7 @@
                 </a:solidFill>
                 <a:latin typeface="Arial Nova Light" panose="020B0304020202020204" pitchFamily="34" charset="0"/>
               </a:rPr>
-              <a:t>Microchem</a:t>
-            </a:r>
-            <a:r>
-              <a:rPr lang="en-GB" sz="2800" dirty="0">
-                <a:solidFill>
-                  <a:schemeClr val="bg1">
-                    <a:lumMod val="95000"/>
-                  </a:schemeClr>
-                </a:solidFill>
-                <a:latin typeface="Arial Nova Light" panose="020B0304020202020204" pitchFamily="34" charset="0"/>
-              </a:rPr>
-              <a:t> in the SU-8 2050 datasheet</a:t>
+              <a:t>Focus the efforts on the effect of the pre-pyrolysis geometry effect</a:t>
             </a:r>
           </a:p>
         </p:txBody>
@@ -6657,6 +7370,69 @@
           </a:prstGeom>
         </p:spPr>
       </p:pic>
+      <p:sp>
+        <p:nvSpPr>
+          <p:cNvPr id="5" name="Rectangle 4">
+            <a:extLst>
+              <a:ext uri="{FF2B5EF4-FFF2-40B4-BE49-F238E27FC236}">
+                <a16:creationId xmlns:a16="http://schemas.microsoft.com/office/drawing/2014/main" id="{CA6FCBAF-5C00-4DAD-8C4A-F8E92DF3E375}"/>
+              </a:ext>
+            </a:extLst>
+          </p:cNvPr>
+          <p:cNvSpPr/>
+          <p:nvPr/>
+        </p:nvSpPr>
+        <p:spPr>
+          <a:xfrm>
+            <a:off x="942833" y="5461147"/>
+            <a:ext cx="4310079" cy="923330"/>
+          </a:xfrm>
+          <a:prstGeom prst="rect">
+            <a:avLst/>
+          </a:prstGeom>
+        </p:spPr>
+        <p:txBody>
+          <a:bodyPr wrap="square">
+            <a:spAutoFit/>
+          </a:bodyPr>
+          <a:lstStyle/>
+          <a:p>
+            <a:r>
+              <a:rPr lang="en-GB" dirty="0">
+                <a:solidFill>
+                  <a:schemeClr val="bg1">
+                    <a:lumMod val="95000"/>
+                  </a:schemeClr>
+                </a:solidFill>
+                <a:latin typeface="Arial Nova Light" panose="020B0304020202020204" pitchFamily="34" charset="0"/>
+              </a:rPr>
+              <a:t>Chosen temperatures and ramp rates were as depicted by </a:t>
+            </a:r>
+            <a:r>
+              <a:rPr lang="en-GB" dirty="0" err="1">
+                <a:solidFill>
+                  <a:schemeClr val="bg1">
+                    <a:lumMod val="95000"/>
+                  </a:schemeClr>
+                </a:solidFill>
+                <a:latin typeface="Arial Nova Light" panose="020B0304020202020204" pitchFamily="34" charset="0"/>
+              </a:rPr>
+              <a:t>Microchem</a:t>
+            </a:r>
+            <a:r>
+              <a:rPr lang="en-GB" dirty="0">
+                <a:solidFill>
+                  <a:schemeClr val="bg1">
+                    <a:lumMod val="95000"/>
+                  </a:schemeClr>
+                </a:solidFill>
+                <a:latin typeface="Arial Nova Light" panose="020B0304020202020204" pitchFamily="34" charset="0"/>
+              </a:rPr>
+              <a:t> in the SU-8 2050 datasheet</a:t>
+            </a:r>
+          </a:p>
+        </p:txBody>
+      </p:sp>
     </p:spTree>
     <p:extLst>
       <p:ext uri="{BB962C8B-B14F-4D97-AF65-F5344CB8AC3E}">
@@ -6724,6 +7500,25 @@
               </a:rPr>
               <a:t>Characterization</a:t>
             </a:r>
+            <a:r>
+              <a:rPr lang="en-GB" sz="3600" dirty="0">
+                <a:solidFill>
+                  <a:schemeClr val="bg1">
+                    <a:lumMod val="95000"/>
+                  </a:schemeClr>
+                </a:solidFill>
+                <a:latin typeface="Arial Nova Light" panose="020B0304020202020204" pitchFamily="34" charset="0"/>
+              </a:rPr>
+              <a:t> - before &amp; after pyrolysis</a:t>
+            </a:r>
+            <a:endParaRPr lang="en-GB" dirty="0">
+              <a:solidFill>
+                <a:schemeClr val="bg1">
+                  <a:lumMod val="95000"/>
+                </a:schemeClr>
+              </a:solidFill>
+              <a:latin typeface="Arial Nova Light" panose="020B0304020202020204" pitchFamily="34" charset="0"/>
+            </a:endParaRPr>
           </a:p>
         </p:txBody>
       </p:sp>
@@ -7262,7 +8057,7 @@
           <a:lstStyle/>
           <a:p>
             <a:r>
-              <a:rPr lang="en-GB" dirty="0" err="1">
+              <a:rPr lang="en-GB" dirty="0">
                 <a:solidFill>
                   <a:schemeClr val="bg1">
                     <a:lumMod val="95000"/>
@@ -7270,16 +8065,8 @@
                 </a:solidFill>
                 <a:latin typeface="Arial Nova Light" panose="020B0304020202020204" pitchFamily="34" charset="0"/>
               </a:rPr>
-              <a:t>Modeling</a:t>
-            </a:r>
-            <a:endParaRPr lang="en-GB" dirty="0">
-              <a:solidFill>
-                <a:schemeClr val="bg1">
-                  <a:lumMod val="95000"/>
-                </a:schemeClr>
-              </a:solidFill>
-              <a:latin typeface="Arial Nova Light" panose="020B0304020202020204" pitchFamily="34" charset="0"/>
-            </a:endParaRPr>
+              <a:t>Modelling</a:t>
+            </a:r>
           </a:p>
         </p:txBody>
       </p:sp>
@@ -7297,7 +8084,7 @@
         </p:nvSpPr>
         <p:spPr>
           <a:xfrm>
-            <a:off x="942833" y="5042118"/>
+            <a:off x="942833" y="1690688"/>
             <a:ext cx="11242960" cy="1815882"/>
           </a:xfrm>
           <a:prstGeom prst="rect">
@@ -7330,7 +8117,7 @@
                 </a:solidFill>
                 <a:latin typeface="Arial Nova Light" panose="020B0304020202020204" pitchFamily="34" charset="0"/>
               </a:rPr>
-              <a:t>TPP linewidth (aka. voxel diameter) </a:t>
+              <a:t>TPP linewidth </a:t>
             </a:r>
             <a:r>
               <a:rPr lang="en-GB" sz="2800" dirty="0">
@@ -7341,7 +8128,29 @@
                 </a:solidFill>
                 <a:latin typeface="Arial Nova Light" panose="020B0304020202020204" pitchFamily="34" charset="0"/>
               </a:rPr>
-              <a:t>before pyrolysis can be described different parameters involved in the fabrication process, such as scanning velocity, average laser power, repetition rate, and pulse duration.</a:t>
+              <a:t>(aka. voxel diameter) </a:t>
+            </a:r>
+            <a:r>
+              <a:rPr lang="en-GB" sz="2800" b="1" dirty="0">
+                <a:solidFill>
+                  <a:schemeClr val="tx2">
+                    <a:lumMod val="75000"/>
+                  </a:schemeClr>
+                </a:solidFill>
+                <a:latin typeface="Arial Nova Light" panose="020B0304020202020204" pitchFamily="34" charset="0"/>
+              </a:rPr>
+              <a:t>before pyrolysis </a:t>
+            </a:r>
+            <a:r>
+              <a:rPr lang="en-GB" sz="2800" dirty="0">
+                <a:solidFill>
+                  <a:schemeClr val="bg1">
+                    <a:lumMod val="95000"/>
+                  </a:schemeClr>
+                </a:solidFill>
+                <a:latin typeface="Arial Nova Light" panose="020B0304020202020204" pitchFamily="34" charset="0"/>
+              </a:rPr>
+              <a:t>can be described different parameters involved in the fabrication process, such as scanning velocity, average laser power, repetition rate, and pulse duration.</a:t>
             </a:r>
             <a:endParaRPr lang="en-GB" dirty="0"/>
           </a:p>
@@ -7369,7 +8178,7 @@
         </p:blipFill>
         <p:spPr>
           <a:xfrm>
-            <a:off x="1772841" y="2838368"/>
+            <a:off x="1152355" y="3709225"/>
             <a:ext cx="2419688" cy="590632"/>
           </a:xfrm>
           <a:prstGeom prst="rect">
@@ -7377,6 +8186,203 @@
           </a:prstGeom>
         </p:spPr>
       </p:pic>
+      <p:grpSp>
+        <p:nvGrpSpPr>
+          <p:cNvPr id="5" name="Group 4">
+            <a:extLst>
+              <a:ext uri="{FF2B5EF4-FFF2-40B4-BE49-F238E27FC236}">
+                <a16:creationId xmlns:a16="http://schemas.microsoft.com/office/drawing/2014/main" id="{8BABCC43-2407-41C5-830E-158E6D7B54A7}"/>
+              </a:ext>
+            </a:extLst>
+          </p:cNvPr>
+          <p:cNvGrpSpPr/>
+          <p:nvPr/>
+        </p:nvGrpSpPr>
+        <p:grpSpPr>
+          <a:xfrm>
+            <a:off x="3766457" y="3434287"/>
+            <a:ext cx="8425543" cy="3434598"/>
+            <a:chOff x="3766457" y="3434287"/>
+            <a:chExt cx="8425543" cy="3434598"/>
+          </a:xfrm>
+        </p:grpSpPr>
+        <p:pic>
+          <p:nvPicPr>
+            <p:cNvPr id="4" name="Picture 3">
+              <a:extLst>
+                <a:ext uri="{FF2B5EF4-FFF2-40B4-BE49-F238E27FC236}">
+                  <a16:creationId xmlns:a16="http://schemas.microsoft.com/office/drawing/2014/main" id="{30B19208-719A-4832-8558-0280F1EA9504}"/>
+                </a:ext>
+              </a:extLst>
+            </p:cNvPr>
+            <p:cNvPicPr>
+              <a:picLocks noChangeAspect="1"/>
+            </p:cNvPicPr>
+            <p:nvPr/>
+          </p:nvPicPr>
+          <p:blipFill>
+            <a:blip r:embed="rId4"/>
+            <a:stretch>
+              <a:fillRect/>
+            </a:stretch>
+          </p:blipFill>
+          <p:spPr>
+            <a:xfrm>
+              <a:off x="3766457" y="3434287"/>
+              <a:ext cx="8425543" cy="3423713"/>
+            </a:xfrm>
+            <a:prstGeom prst="rect">
+              <a:avLst/>
+            </a:prstGeom>
+          </p:spPr>
+        </p:pic>
+        <p:pic>
+          <p:nvPicPr>
+            <p:cNvPr id="9" name="Picture 8">
+              <a:extLst>
+                <a:ext uri="{FF2B5EF4-FFF2-40B4-BE49-F238E27FC236}">
+                  <a16:creationId xmlns:a16="http://schemas.microsoft.com/office/drawing/2014/main" id="{741A3102-C0F6-4B3A-92B1-CC88F763B629}"/>
+                </a:ext>
+              </a:extLst>
+            </p:cNvPr>
+            <p:cNvPicPr>
+              <a:picLocks noChangeAspect="1"/>
+            </p:cNvPicPr>
+            <p:nvPr/>
+          </p:nvPicPr>
+          <p:blipFill>
+            <a:blip r:embed="rId4"/>
+            <a:stretch>
+              <a:fillRect/>
+            </a:stretch>
+          </p:blipFill>
+          <p:spPr>
+            <a:xfrm>
+              <a:off x="3766457" y="3445172"/>
+              <a:ext cx="8425543" cy="3423713"/>
+            </a:xfrm>
+            <a:prstGeom prst="rect">
+              <a:avLst/>
+            </a:prstGeom>
+          </p:spPr>
+        </p:pic>
+        <p:pic>
+          <p:nvPicPr>
+            <p:cNvPr id="11" name="Picture 10">
+              <a:extLst>
+                <a:ext uri="{FF2B5EF4-FFF2-40B4-BE49-F238E27FC236}">
+                  <a16:creationId xmlns:a16="http://schemas.microsoft.com/office/drawing/2014/main" id="{7DDDDF17-8A01-45D0-B24F-8F97AB9F0878}"/>
+                </a:ext>
+              </a:extLst>
+            </p:cNvPr>
+            <p:cNvPicPr>
+              <a:picLocks noChangeAspect="1"/>
+            </p:cNvPicPr>
+            <p:nvPr/>
+          </p:nvPicPr>
+          <p:blipFill rotWithShape="1">
+            <a:blip r:embed="rId4"/>
+            <a:srcRect t="8152" r="97416" b="86246"/>
+            <a:stretch/>
+          </p:blipFill>
+          <p:spPr>
+            <a:xfrm>
+              <a:off x="3766458" y="3517456"/>
+              <a:ext cx="217714" cy="191769"/>
+            </a:xfrm>
+            <a:prstGeom prst="rect">
+              <a:avLst/>
+            </a:prstGeom>
+          </p:spPr>
+        </p:pic>
+        <p:pic>
+          <p:nvPicPr>
+            <p:cNvPr id="12" name="Picture 11">
+              <a:extLst>
+                <a:ext uri="{FF2B5EF4-FFF2-40B4-BE49-F238E27FC236}">
+                  <a16:creationId xmlns:a16="http://schemas.microsoft.com/office/drawing/2014/main" id="{5EA07212-E245-4B52-A59F-82BA0C414293}"/>
+                </a:ext>
+              </a:extLst>
+            </p:cNvPr>
+            <p:cNvPicPr>
+              <a:picLocks noChangeAspect="1"/>
+            </p:cNvPicPr>
+            <p:nvPr/>
+          </p:nvPicPr>
+          <p:blipFill rotWithShape="1">
+            <a:blip r:embed="rId4"/>
+            <a:srcRect l="49815" t="7516" r="47601" b="86564"/>
+            <a:stretch/>
+          </p:blipFill>
+          <p:spPr>
+            <a:xfrm>
+              <a:off x="7957457" y="3506570"/>
+              <a:ext cx="217714" cy="202655"/>
+            </a:xfrm>
+            <a:prstGeom prst="rect">
+              <a:avLst/>
+            </a:prstGeom>
+          </p:spPr>
+        </p:pic>
+        <p:pic>
+          <p:nvPicPr>
+            <p:cNvPr id="13" name="Picture 12">
+              <a:extLst>
+                <a:ext uri="{FF2B5EF4-FFF2-40B4-BE49-F238E27FC236}">
+                  <a16:creationId xmlns:a16="http://schemas.microsoft.com/office/drawing/2014/main" id="{0128D0F6-A5BF-4EF8-B491-92DE9669C9C6}"/>
+                </a:ext>
+              </a:extLst>
+            </p:cNvPr>
+            <p:cNvPicPr>
+              <a:picLocks noChangeAspect="1"/>
+            </p:cNvPicPr>
+            <p:nvPr/>
+          </p:nvPicPr>
+          <p:blipFill rotWithShape="1">
+            <a:blip r:embed="rId4"/>
+            <a:srcRect t="57077" r="97416" b="37322"/>
+            <a:stretch/>
+          </p:blipFill>
+          <p:spPr>
+            <a:xfrm>
+              <a:off x="3766458" y="5216593"/>
+              <a:ext cx="217714" cy="191769"/>
+            </a:xfrm>
+            <a:prstGeom prst="rect">
+              <a:avLst/>
+            </a:prstGeom>
+          </p:spPr>
+        </p:pic>
+        <p:pic>
+          <p:nvPicPr>
+            <p:cNvPr id="15" name="Picture 14">
+              <a:extLst>
+                <a:ext uri="{FF2B5EF4-FFF2-40B4-BE49-F238E27FC236}">
+                  <a16:creationId xmlns:a16="http://schemas.microsoft.com/office/drawing/2014/main" id="{91A79177-2D5B-4736-B9BC-6721D8EB37EA}"/>
+                </a:ext>
+              </a:extLst>
+            </p:cNvPr>
+            <p:cNvPicPr>
+              <a:picLocks noChangeAspect="1"/>
+            </p:cNvPicPr>
+            <p:nvPr/>
+          </p:nvPicPr>
+          <p:blipFill rotWithShape="1">
+            <a:blip r:embed="rId4"/>
+            <a:srcRect l="49742" t="56759" r="47674" b="37322"/>
+            <a:stretch/>
+          </p:blipFill>
+          <p:spPr>
+            <a:xfrm>
+              <a:off x="7957457" y="5581724"/>
+              <a:ext cx="217714" cy="202655"/>
+            </a:xfrm>
+            <a:prstGeom prst="rect">
+              <a:avLst/>
+            </a:prstGeom>
+          </p:spPr>
+        </p:pic>
+      </p:grpSp>
     </p:spTree>
     <p:extLst>
       <p:ext uri="{BB962C8B-B14F-4D97-AF65-F5344CB8AC3E}">
@@ -7442,17 +8448,17 @@
                 </a:solidFill>
                 <a:latin typeface="Arial Nova Light" panose="020B0304020202020204" pitchFamily="34" charset="0"/>
               </a:rPr>
-              <a:t>&lt;Sub-title&gt;</a:t>
-            </a:r>
-          </a:p>
-        </p:txBody>
-      </p:sp>
-      <p:sp>
-        <p:nvSpPr>
-          <p:cNvPr id="14" name="Rectangle 13">
-            <a:extLst>
-              <a:ext uri="{FF2B5EF4-FFF2-40B4-BE49-F238E27FC236}">
-                <a16:creationId xmlns:a16="http://schemas.microsoft.com/office/drawing/2014/main" id="{B1FDEF3E-1872-41D3-A841-FBE14801F476}"/>
+              <a:t>Modelling</a:t>
+            </a:r>
+          </a:p>
+        </p:txBody>
+      </p:sp>
+      <p:sp>
+        <p:nvSpPr>
+          <p:cNvPr id="4" name="Rectangle 3">
+            <a:extLst>
+              <a:ext uri="{FF2B5EF4-FFF2-40B4-BE49-F238E27FC236}">
+                <a16:creationId xmlns:a16="http://schemas.microsoft.com/office/drawing/2014/main" id="{39C6FCD3-61DD-4D0E-B62D-09738FE5D313}"/>
               </a:ext>
             </a:extLst>
           </p:cNvPr>
@@ -7461,8 +8467,8 @@
         </p:nvSpPr>
         <p:spPr>
           <a:xfrm>
-            <a:off x="942833" y="4705003"/>
-            <a:ext cx="11242960" cy="523220"/>
+            <a:off x="942833" y="1690688"/>
+            <a:ext cx="11242960" cy="1815882"/>
           </a:xfrm>
           <a:prstGeom prst="rect">
             <a:avLst/>
@@ -7483,7 +8489,7 @@
                 </a:solidFill>
                 <a:latin typeface="Arial Nova Light" panose="020B0304020202020204" pitchFamily="34" charset="0"/>
               </a:rPr>
-              <a:t>&lt;content&gt; </a:t>
+              <a:t>The </a:t>
             </a:r>
             <a:r>
               <a:rPr lang="en-GB" sz="2800" b="1" dirty="0">
@@ -7494,16 +8500,254 @@
                 </a:solidFill>
                 <a:latin typeface="Arial Nova Light" panose="020B0304020202020204" pitchFamily="34" charset="0"/>
               </a:rPr>
-              <a:t>&lt;key concept&gt;</a:t>
+              <a:t>linewidth reduction after pyrolysis </a:t>
+            </a:r>
+            <a:r>
+              <a:rPr lang="en-GB" sz="2800" dirty="0">
+                <a:solidFill>
+                  <a:schemeClr val="bg1">
+                    <a:lumMod val="95000"/>
+                  </a:schemeClr>
+                </a:solidFill>
+                <a:latin typeface="Arial Nova Light" panose="020B0304020202020204" pitchFamily="34" charset="0"/>
+              </a:rPr>
+              <a:t>due to the stretching and degassing process can be described in terms of the residual carbon weight fraction, the initial dimensions/geometry, and the initial polymer density </a:t>
             </a:r>
             <a:endParaRPr lang="en-GB" dirty="0"/>
           </a:p>
         </p:txBody>
       </p:sp>
+      <p:pic>
+        <p:nvPicPr>
+          <p:cNvPr id="8" name="Picture 7">
+            <a:extLst>
+              <a:ext uri="{FF2B5EF4-FFF2-40B4-BE49-F238E27FC236}">
+                <a16:creationId xmlns:a16="http://schemas.microsoft.com/office/drawing/2014/main" id="{20649C07-62F2-442E-A511-E0D4CC4ED342}"/>
+              </a:ext>
+            </a:extLst>
+          </p:cNvPr>
+          <p:cNvPicPr>
+            <a:picLocks noChangeAspect="1"/>
+          </p:cNvPicPr>
+          <p:nvPr/>
+        </p:nvPicPr>
+        <p:blipFill>
+          <a:blip r:embed="rId3"/>
+          <a:stretch>
+            <a:fillRect/>
+          </a:stretch>
+        </p:blipFill>
+        <p:spPr>
+          <a:xfrm>
+            <a:off x="1152355" y="3720110"/>
+            <a:ext cx="1705213" cy="352474"/>
+          </a:xfrm>
+          <a:prstGeom prst="rect">
+            <a:avLst/>
+          </a:prstGeom>
+        </p:spPr>
+      </p:pic>
+      <p:grpSp>
+        <p:nvGrpSpPr>
+          <p:cNvPr id="9" name="Group 8">
+            <a:extLst>
+              <a:ext uri="{FF2B5EF4-FFF2-40B4-BE49-F238E27FC236}">
+                <a16:creationId xmlns:a16="http://schemas.microsoft.com/office/drawing/2014/main" id="{66981F90-C252-445F-896E-5D8271060B2F}"/>
+              </a:ext>
+            </a:extLst>
+          </p:cNvPr>
+          <p:cNvGrpSpPr/>
+          <p:nvPr/>
+        </p:nvGrpSpPr>
+        <p:grpSpPr>
+          <a:xfrm>
+            <a:off x="3766457" y="3434287"/>
+            <a:ext cx="8425543" cy="3434598"/>
+            <a:chOff x="3766457" y="3434287"/>
+            <a:chExt cx="8425543" cy="3434598"/>
+          </a:xfrm>
+        </p:grpSpPr>
+        <p:pic>
+          <p:nvPicPr>
+            <p:cNvPr id="10" name="Picture 9">
+              <a:extLst>
+                <a:ext uri="{FF2B5EF4-FFF2-40B4-BE49-F238E27FC236}">
+                  <a16:creationId xmlns:a16="http://schemas.microsoft.com/office/drawing/2014/main" id="{63EAD110-0BDD-4647-AB61-767F2E780793}"/>
+                </a:ext>
+              </a:extLst>
+            </p:cNvPr>
+            <p:cNvPicPr>
+              <a:picLocks noChangeAspect="1"/>
+            </p:cNvPicPr>
+            <p:nvPr/>
+          </p:nvPicPr>
+          <p:blipFill>
+            <a:blip r:embed="rId4"/>
+            <a:stretch>
+              <a:fillRect/>
+            </a:stretch>
+          </p:blipFill>
+          <p:spPr>
+            <a:xfrm>
+              <a:off x="3766457" y="3434287"/>
+              <a:ext cx="8425543" cy="3423713"/>
+            </a:xfrm>
+            <a:prstGeom prst="rect">
+              <a:avLst/>
+            </a:prstGeom>
+          </p:spPr>
+        </p:pic>
+        <p:pic>
+          <p:nvPicPr>
+            <p:cNvPr id="11" name="Picture 10">
+              <a:extLst>
+                <a:ext uri="{FF2B5EF4-FFF2-40B4-BE49-F238E27FC236}">
+                  <a16:creationId xmlns:a16="http://schemas.microsoft.com/office/drawing/2014/main" id="{D5A93DAF-98DE-40D6-811A-C51F202A3E86}"/>
+                </a:ext>
+              </a:extLst>
+            </p:cNvPr>
+            <p:cNvPicPr>
+              <a:picLocks noChangeAspect="1"/>
+            </p:cNvPicPr>
+            <p:nvPr/>
+          </p:nvPicPr>
+          <p:blipFill>
+            <a:blip r:embed="rId4"/>
+            <a:stretch>
+              <a:fillRect/>
+            </a:stretch>
+          </p:blipFill>
+          <p:spPr>
+            <a:xfrm>
+              <a:off x="3766457" y="3445172"/>
+              <a:ext cx="8425543" cy="3423713"/>
+            </a:xfrm>
+            <a:prstGeom prst="rect">
+              <a:avLst/>
+            </a:prstGeom>
+          </p:spPr>
+        </p:pic>
+        <p:pic>
+          <p:nvPicPr>
+            <p:cNvPr id="12" name="Picture 11">
+              <a:extLst>
+                <a:ext uri="{FF2B5EF4-FFF2-40B4-BE49-F238E27FC236}">
+                  <a16:creationId xmlns:a16="http://schemas.microsoft.com/office/drawing/2014/main" id="{98833D8A-393C-4BCA-A6FC-0488DE18311F}"/>
+                </a:ext>
+              </a:extLst>
+            </p:cNvPr>
+            <p:cNvPicPr>
+              <a:picLocks noChangeAspect="1"/>
+            </p:cNvPicPr>
+            <p:nvPr/>
+          </p:nvPicPr>
+          <p:blipFill rotWithShape="1">
+            <a:blip r:embed="rId4"/>
+            <a:srcRect t="8152" r="97416" b="86246"/>
+            <a:stretch/>
+          </p:blipFill>
+          <p:spPr>
+            <a:xfrm>
+              <a:off x="3766458" y="3517456"/>
+              <a:ext cx="217714" cy="191769"/>
+            </a:xfrm>
+            <a:prstGeom prst="rect">
+              <a:avLst/>
+            </a:prstGeom>
+          </p:spPr>
+        </p:pic>
+        <p:pic>
+          <p:nvPicPr>
+            <p:cNvPr id="13" name="Picture 12">
+              <a:extLst>
+                <a:ext uri="{FF2B5EF4-FFF2-40B4-BE49-F238E27FC236}">
+                  <a16:creationId xmlns:a16="http://schemas.microsoft.com/office/drawing/2014/main" id="{53A6336D-C885-4529-9213-C707DEF66A08}"/>
+                </a:ext>
+              </a:extLst>
+            </p:cNvPr>
+            <p:cNvPicPr>
+              <a:picLocks noChangeAspect="1"/>
+            </p:cNvPicPr>
+            <p:nvPr/>
+          </p:nvPicPr>
+          <p:blipFill rotWithShape="1">
+            <a:blip r:embed="rId4"/>
+            <a:srcRect l="49815" t="7516" r="47601" b="86564"/>
+            <a:stretch/>
+          </p:blipFill>
+          <p:spPr>
+            <a:xfrm>
+              <a:off x="7957457" y="3506570"/>
+              <a:ext cx="217714" cy="202655"/>
+            </a:xfrm>
+            <a:prstGeom prst="rect">
+              <a:avLst/>
+            </a:prstGeom>
+          </p:spPr>
+        </p:pic>
+        <p:pic>
+          <p:nvPicPr>
+            <p:cNvPr id="15" name="Picture 14">
+              <a:extLst>
+                <a:ext uri="{FF2B5EF4-FFF2-40B4-BE49-F238E27FC236}">
+                  <a16:creationId xmlns:a16="http://schemas.microsoft.com/office/drawing/2014/main" id="{9683DCDB-94EB-4B37-A1B1-AF23B2D0B04B}"/>
+                </a:ext>
+              </a:extLst>
+            </p:cNvPr>
+            <p:cNvPicPr>
+              <a:picLocks noChangeAspect="1"/>
+            </p:cNvPicPr>
+            <p:nvPr/>
+          </p:nvPicPr>
+          <p:blipFill rotWithShape="1">
+            <a:blip r:embed="rId4"/>
+            <a:srcRect t="57077" r="97416" b="37322"/>
+            <a:stretch/>
+          </p:blipFill>
+          <p:spPr>
+            <a:xfrm>
+              <a:off x="3766458" y="5216593"/>
+              <a:ext cx="217714" cy="191769"/>
+            </a:xfrm>
+            <a:prstGeom prst="rect">
+              <a:avLst/>
+            </a:prstGeom>
+          </p:spPr>
+        </p:pic>
+        <p:pic>
+          <p:nvPicPr>
+            <p:cNvPr id="16" name="Picture 15">
+              <a:extLst>
+                <a:ext uri="{FF2B5EF4-FFF2-40B4-BE49-F238E27FC236}">
+                  <a16:creationId xmlns:a16="http://schemas.microsoft.com/office/drawing/2014/main" id="{CE958D62-66F1-49F9-AA74-5E54BF59AA96}"/>
+                </a:ext>
+              </a:extLst>
+            </p:cNvPr>
+            <p:cNvPicPr>
+              <a:picLocks noChangeAspect="1"/>
+            </p:cNvPicPr>
+            <p:nvPr/>
+          </p:nvPicPr>
+          <p:blipFill rotWithShape="1">
+            <a:blip r:embed="rId4"/>
+            <a:srcRect l="49742" t="56759" r="47674" b="37322"/>
+            <a:stretch/>
+          </p:blipFill>
+          <p:spPr>
+            <a:xfrm>
+              <a:off x="7957457" y="5581724"/>
+              <a:ext cx="217714" cy="202655"/>
+            </a:xfrm>
+            <a:prstGeom prst="rect">
+              <a:avLst/>
+            </a:prstGeom>
+          </p:spPr>
+        </p:pic>
+      </p:grpSp>
     </p:spTree>
     <p:extLst>
       <p:ext uri="{BB962C8B-B14F-4D97-AF65-F5344CB8AC3E}">
-        <p14:creationId xmlns:p14="http://schemas.microsoft.com/office/powerpoint/2010/main" val="436697482"/>
+        <p14:creationId xmlns:p14="http://schemas.microsoft.com/office/powerpoint/2010/main" val="1482071729"/>
       </p:ext>
     </p:extLst>
   </p:cSld>
@@ -7532,10 +8776,10 @@
       </p:grpSpPr>
       <p:sp>
         <p:nvSpPr>
-          <p:cNvPr id="6" name="Content Placeholder 2">
-            <a:extLst>
-              <a:ext uri="{FF2B5EF4-FFF2-40B4-BE49-F238E27FC236}">
-                <a16:creationId xmlns:a16="http://schemas.microsoft.com/office/drawing/2014/main" id="{058630E6-31AF-4451-B084-C9809D0DA4E8}"/>
+          <p:cNvPr id="6" name="Title 1">
+            <a:extLst>
+              <a:ext uri="{FF2B5EF4-FFF2-40B4-BE49-F238E27FC236}">
+                <a16:creationId xmlns:a16="http://schemas.microsoft.com/office/drawing/2014/main" id="{438892A2-F58C-479B-93B3-BDD2A80D348B}"/>
               </a:ext>
             </a:extLst>
           </p:cNvPr>
@@ -7543,24 +8787,19 @@
             <a:spLocks noGrp="1"/>
           </p:cNvSpPr>
           <p:nvPr>
-            <p:ph idx="1"/>
+            <p:ph type="title"/>
           </p:nvPr>
         </p:nvSpPr>
         <p:spPr>
           <a:xfrm>
-            <a:off x="949040" y="1825623"/>
-            <a:ext cx="11242960" cy="5032377"/>
+            <a:off x="949040" y="365125"/>
+            <a:ext cx="11242960" cy="1325563"/>
           </a:xfrm>
         </p:spPr>
         <p:txBody>
-          <a:bodyPr>
-            <a:normAutofit/>
-          </a:bodyPr>
+          <a:bodyPr/>
           <a:lstStyle/>
           <a:p>
-            <a:pPr marL="0" indent="0">
-              <a:buNone/>
-            </a:pPr>
             <a:r>
               <a:rPr lang="en-GB" dirty="0">
                 <a:solidFill>
@@ -7570,10 +8809,19 @@
                 </a:solidFill>
                 <a:latin typeface="Arial Nova Light" panose="020B0304020202020204" pitchFamily="34" charset="0"/>
               </a:rPr>
-              <a:t> </a:t>
-            </a:r>
-          </a:p>
-          <a:p>
+              <a:t>Modelling</a:t>
+            </a:r>
+            <a:r>
+              <a:rPr lang="en-GB" sz="3600" dirty="0">
+                <a:solidFill>
+                  <a:schemeClr val="bg1">
+                    <a:lumMod val="95000"/>
+                  </a:schemeClr>
+                </a:solidFill>
+                <a:latin typeface="Arial Nova Light" panose="020B0304020202020204" pitchFamily="34" charset="0"/>
+              </a:rPr>
+              <a:t> and Experimental Agreement</a:t>
+            </a:r>
             <a:endParaRPr lang="en-GB" dirty="0">
               <a:solidFill>
                 <a:schemeClr val="bg1">
@@ -7583,270 +8831,37 @@
               <a:latin typeface="Arial Nova Light" panose="020B0304020202020204" pitchFamily="34" charset="0"/>
             </a:endParaRPr>
           </a:p>
-          <a:p>
-            <a:endParaRPr lang="en-GB" dirty="0">
-              <a:solidFill>
-                <a:schemeClr val="bg1">
-                  <a:lumMod val="95000"/>
-                </a:schemeClr>
-              </a:solidFill>
-              <a:latin typeface="Arial Nova Light" panose="020B0304020202020204" pitchFamily="34" charset="0"/>
-            </a:endParaRPr>
-          </a:p>
-          <a:p>
-            <a:endParaRPr lang="en-GB" dirty="0">
-              <a:solidFill>
-                <a:schemeClr val="bg1">
-                  <a:lumMod val="95000"/>
-                </a:schemeClr>
-              </a:solidFill>
-              <a:latin typeface="Arial Nova Light" panose="020B0304020202020204" pitchFamily="34" charset="0"/>
-            </a:endParaRPr>
-          </a:p>
-        </p:txBody>
-      </p:sp>
-      <p:sp>
-        <p:nvSpPr>
-          <p:cNvPr id="4" name="Title 1">
-            <a:extLst>
-              <a:ext uri="{FF2B5EF4-FFF2-40B4-BE49-F238E27FC236}">
-                <a16:creationId xmlns:a16="http://schemas.microsoft.com/office/drawing/2014/main" id="{F9ED8BE6-F7AC-4FD8-8FA8-8C683A7C2F62}"/>
-              </a:ext>
-            </a:extLst>
-          </p:cNvPr>
-          <p:cNvSpPr>
-            <a:spLocks noGrp="1"/>
-          </p:cNvSpPr>
-          <p:nvPr>
-            <p:ph type="title"/>
-          </p:nvPr>
+        </p:txBody>
+      </p:sp>
+      <p:sp>
+        <p:nvSpPr>
+          <p:cNvPr id="14" name="Rectangle 13">
+            <a:extLst>
+              <a:ext uri="{FF2B5EF4-FFF2-40B4-BE49-F238E27FC236}">
+                <a16:creationId xmlns:a16="http://schemas.microsoft.com/office/drawing/2014/main" id="{B1FDEF3E-1872-41D3-A841-FBE14801F476}"/>
+              </a:ext>
+            </a:extLst>
+          </p:cNvPr>
+          <p:cNvSpPr/>
+          <p:nvPr/>
         </p:nvSpPr>
         <p:spPr>
           <a:xfrm>
-            <a:off x="949040" y="365125"/>
-            <a:ext cx="11242960" cy="1325563"/>
-          </a:xfrm>
-        </p:spPr>
-        <p:txBody>
-          <a:bodyPr/>
-          <a:lstStyle/>
-          <a:p>
-            <a:r>
-              <a:rPr lang="en-GB" dirty="0">
-                <a:solidFill>
-                  <a:schemeClr val="bg1">
-                    <a:lumMod val="95000"/>
-                  </a:schemeClr>
-                </a:solidFill>
-                <a:latin typeface="Arial Nova Light" panose="020B0304020202020204" pitchFamily="34" charset="0"/>
-              </a:rPr>
-              <a:t>Conclusions:</a:t>
-            </a:r>
-            <a:endParaRPr lang="en-GB" b="1" dirty="0">
-              <a:solidFill>
-                <a:schemeClr val="tx2">
-                  <a:lumMod val="75000"/>
-                </a:schemeClr>
-              </a:solidFill>
-              <a:latin typeface="Arial Nova Light" panose="020B0304020202020204" pitchFamily="34" charset="0"/>
-            </a:endParaRPr>
-          </a:p>
-        </p:txBody>
-      </p:sp>
-      <p:sp>
-        <p:nvSpPr>
-          <p:cNvPr id="7" name="Content Placeholder 2">
-            <a:extLst>
-              <a:ext uri="{FF2B5EF4-FFF2-40B4-BE49-F238E27FC236}">
-                <a16:creationId xmlns:a16="http://schemas.microsoft.com/office/drawing/2014/main" id="{43F915F1-9C90-4B6E-AA0B-C9F4FCF704FA}"/>
-              </a:ext>
-            </a:extLst>
-          </p:cNvPr>
-          <p:cNvSpPr txBox="1">
-            <a:spLocks/>
-          </p:cNvSpPr>
-          <p:nvPr/>
-        </p:nvSpPr>
-        <p:spPr>
-          <a:xfrm>
-            <a:off x="949040" y="1690688"/>
-            <a:ext cx="11242960" cy="5167312"/>
+            <a:off x="942833" y="1690688"/>
+            <a:ext cx="5621480" cy="1384995"/>
           </a:xfrm>
           <a:prstGeom prst="rect">
             <a:avLst/>
           </a:prstGeom>
         </p:spPr>
         <p:txBody>
-          <a:bodyPr vert="horz" lIns="91440" tIns="45720" rIns="91440" bIns="45720" rtlCol="0">
-            <a:normAutofit/>
+          <a:bodyPr wrap="square">
+            <a:spAutoFit/>
           </a:bodyPr>
-          <a:lstStyle>
-            <a:lvl1pPr marL="228600" indent="-228600" algn="l" defTabSz="914400" rtl="0" eaLnBrk="1" latinLnBrk="0" hangingPunct="1">
-              <a:lnSpc>
-                <a:spcPct val="90000"/>
-              </a:lnSpc>
-              <a:spcBef>
-                <a:spcPts val="1000"/>
-              </a:spcBef>
-              <a:buFont typeface="Arial" panose="020B0604020202020204" pitchFamily="34" charset="0"/>
-              <a:buChar char="•"/>
-              <a:defRPr sz="2800" kern="1200">
-                <a:solidFill>
-                  <a:schemeClr val="tx1"/>
-                </a:solidFill>
-                <a:latin typeface="+mn-lt"/>
-                <a:ea typeface="+mn-ea"/>
-                <a:cs typeface="+mn-cs"/>
-              </a:defRPr>
-            </a:lvl1pPr>
-            <a:lvl2pPr marL="685800" indent="-228600" algn="l" defTabSz="914400" rtl="0" eaLnBrk="1" latinLnBrk="0" hangingPunct="1">
-              <a:lnSpc>
-                <a:spcPct val="90000"/>
-              </a:lnSpc>
-              <a:spcBef>
-                <a:spcPts val="500"/>
-              </a:spcBef>
-              <a:buFont typeface="Arial" panose="020B0604020202020204" pitchFamily="34" charset="0"/>
-              <a:buChar char="•"/>
-              <a:defRPr sz="2400" kern="1200">
-                <a:solidFill>
-                  <a:schemeClr val="tx1"/>
-                </a:solidFill>
-                <a:latin typeface="+mn-lt"/>
-                <a:ea typeface="+mn-ea"/>
-                <a:cs typeface="+mn-cs"/>
-              </a:defRPr>
-            </a:lvl2pPr>
-            <a:lvl3pPr marL="1143000" indent="-228600" algn="l" defTabSz="914400" rtl="0" eaLnBrk="1" latinLnBrk="0" hangingPunct="1">
-              <a:lnSpc>
-                <a:spcPct val="90000"/>
-              </a:lnSpc>
-              <a:spcBef>
-                <a:spcPts val="500"/>
-              </a:spcBef>
-              <a:buFont typeface="Arial" panose="020B0604020202020204" pitchFamily="34" charset="0"/>
-              <a:buChar char="•"/>
-              <a:defRPr sz="2000" kern="1200">
-                <a:solidFill>
-                  <a:schemeClr val="tx1"/>
-                </a:solidFill>
-                <a:latin typeface="+mn-lt"/>
-                <a:ea typeface="+mn-ea"/>
-                <a:cs typeface="+mn-cs"/>
-              </a:defRPr>
-            </a:lvl3pPr>
-            <a:lvl4pPr marL="1600200" indent="-228600" algn="l" defTabSz="914400" rtl="0" eaLnBrk="1" latinLnBrk="0" hangingPunct="1">
-              <a:lnSpc>
-                <a:spcPct val="90000"/>
-              </a:lnSpc>
-              <a:spcBef>
-                <a:spcPts val="500"/>
-              </a:spcBef>
-              <a:buFont typeface="Arial" panose="020B0604020202020204" pitchFamily="34" charset="0"/>
-              <a:buChar char="•"/>
-              <a:defRPr sz="1800" kern="1200">
-                <a:solidFill>
-                  <a:schemeClr val="tx1"/>
-                </a:solidFill>
-                <a:latin typeface="+mn-lt"/>
-                <a:ea typeface="+mn-ea"/>
-                <a:cs typeface="+mn-cs"/>
-              </a:defRPr>
-            </a:lvl4pPr>
-            <a:lvl5pPr marL="2057400" indent="-228600" algn="l" defTabSz="914400" rtl="0" eaLnBrk="1" latinLnBrk="0" hangingPunct="1">
-              <a:lnSpc>
-                <a:spcPct val="90000"/>
-              </a:lnSpc>
-              <a:spcBef>
-                <a:spcPts val="500"/>
-              </a:spcBef>
-              <a:buFont typeface="Arial" panose="020B0604020202020204" pitchFamily="34" charset="0"/>
-              <a:buChar char="•"/>
-              <a:defRPr sz="1800" kern="1200">
-                <a:solidFill>
-                  <a:schemeClr val="tx1"/>
-                </a:solidFill>
-                <a:latin typeface="+mn-lt"/>
-                <a:ea typeface="+mn-ea"/>
-                <a:cs typeface="+mn-cs"/>
-              </a:defRPr>
-            </a:lvl5pPr>
-            <a:lvl6pPr marL="2514600" indent="-228600" algn="l" defTabSz="914400" rtl="0" eaLnBrk="1" latinLnBrk="0" hangingPunct="1">
-              <a:lnSpc>
-                <a:spcPct val="90000"/>
-              </a:lnSpc>
-              <a:spcBef>
-                <a:spcPts val="500"/>
-              </a:spcBef>
-              <a:buFont typeface="Arial" panose="020B0604020202020204" pitchFamily="34" charset="0"/>
-              <a:buChar char="•"/>
-              <a:defRPr sz="1800" kern="1200">
-                <a:solidFill>
-                  <a:schemeClr val="tx1"/>
-                </a:solidFill>
-                <a:latin typeface="+mn-lt"/>
-                <a:ea typeface="+mn-ea"/>
-                <a:cs typeface="+mn-cs"/>
-              </a:defRPr>
-            </a:lvl6pPr>
-            <a:lvl7pPr marL="2971800" indent="-228600" algn="l" defTabSz="914400" rtl="0" eaLnBrk="1" latinLnBrk="0" hangingPunct="1">
-              <a:lnSpc>
-                <a:spcPct val="90000"/>
-              </a:lnSpc>
-              <a:spcBef>
-                <a:spcPts val="500"/>
-              </a:spcBef>
-              <a:buFont typeface="Arial" panose="020B0604020202020204" pitchFamily="34" charset="0"/>
-              <a:buChar char="•"/>
-              <a:defRPr sz="1800" kern="1200">
-                <a:solidFill>
-                  <a:schemeClr val="tx1"/>
-                </a:solidFill>
-                <a:latin typeface="+mn-lt"/>
-                <a:ea typeface="+mn-ea"/>
-                <a:cs typeface="+mn-cs"/>
-              </a:defRPr>
-            </a:lvl7pPr>
-            <a:lvl8pPr marL="3429000" indent="-228600" algn="l" defTabSz="914400" rtl="0" eaLnBrk="1" latinLnBrk="0" hangingPunct="1">
-              <a:lnSpc>
-                <a:spcPct val="90000"/>
-              </a:lnSpc>
-              <a:spcBef>
-                <a:spcPts val="500"/>
-              </a:spcBef>
-              <a:buFont typeface="Arial" panose="020B0604020202020204" pitchFamily="34" charset="0"/>
-              <a:buChar char="•"/>
-              <a:defRPr sz="1800" kern="1200">
-                <a:solidFill>
-                  <a:schemeClr val="tx1"/>
-                </a:solidFill>
-                <a:latin typeface="+mn-lt"/>
-                <a:ea typeface="+mn-ea"/>
-                <a:cs typeface="+mn-cs"/>
-              </a:defRPr>
-            </a:lvl8pPr>
-            <a:lvl9pPr marL="3886200" indent="-228600" algn="l" defTabSz="914400" rtl="0" eaLnBrk="1" latinLnBrk="0" hangingPunct="1">
-              <a:lnSpc>
-                <a:spcPct val="90000"/>
-              </a:lnSpc>
-              <a:spcBef>
-                <a:spcPts val="500"/>
-              </a:spcBef>
-              <a:buFont typeface="Arial" panose="020B0604020202020204" pitchFamily="34" charset="0"/>
-              <a:buChar char="•"/>
-              <a:defRPr sz="1800" kern="1200">
-                <a:solidFill>
-                  <a:schemeClr val="tx1"/>
-                </a:solidFill>
-                <a:latin typeface="+mn-lt"/>
-                <a:ea typeface="+mn-ea"/>
-                <a:cs typeface="+mn-cs"/>
-              </a:defRPr>
-            </a:lvl9pPr>
-          </a:lstStyle>
-          <a:p>
-            <a:r>
-              <a:rPr lang="en-GB" dirty="0">
+          <a:lstStyle/>
+          <a:p>
+            <a:r>
+              <a:rPr lang="en-GB" sz="2800" dirty="0">
                 <a:solidFill>
                   <a:schemeClr val="bg1">
                     <a:lumMod val="95000"/>
@@ -7854,25 +8869,101 @@
                 </a:solidFill>
                 <a:latin typeface="Arial Nova Light" panose="020B0304020202020204" pitchFamily="34" charset="0"/>
               </a:rPr>
-              <a:t>&lt;Conclusion A&gt;</a:t>
-            </a:r>
-          </a:p>
-          <a:p>
-            <a:pPr marL="0" indent="0">
-              <a:buNone/>
-            </a:pPr>
-            <a:endParaRPr lang="en-GB" dirty="0">
-              <a:solidFill>
-                <a:schemeClr val="bg1">
-                  <a:lumMod val="95000"/>
-                </a:schemeClr>
-              </a:solidFill>
-              <a:latin typeface="Arial Nova Light" panose="020B0304020202020204" pitchFamily="34" charset="0"/>
-            </a:endParaRPr>
-          </a:p>
-          <a:p>
-            <a:r>
-              <a:rPr lang="en-GB" dirty="0">
+              <a:t>Voxel linewidth variation with TPP exposure dose in the scanning line configuration</a:t>
+            </a:r>
+            <a:endParaRPr lang="en-GB" dirty="0"/>
+          </a:p>
+        </p:txBody>
+      </p:sp>
+      <p:pic>
+        <p:nvPicPr>
+          <p:cNvPr id="2" name="Picture 1">
+            <a:extLst>
+              <a:ext uri="{FF2B5EF4-FFF2-40B4-BE49-F238E27FC236}">
+                <a16:creationId xmlns:a16="http://schemas.microsoft.com/office/drawing/2014/main" id="{94308FED-9684-4B11-A074-1308D4283DDE}"/>
+              </a:ext>
+            </a:extLst>
+          </p:cNvPr>
+          <p:cNvPicPr>
+            <a:picLocks noChangeAspect="1"/>
+          </p:cNvPicPr>
+          <p:nvPr/>
+        </p:nvPicPr>
+        <p:blipFill>
+          <a:blip r:embed="rId3"/>
+          <a:stretch>
+            <a:fillRect/>
+          </a:stretch>
+        </p:blipFill>
+        <p:spPr>
+          <a:xfrm>
+            <a:off x="942833" y="3075683"/>
+            <a:ext cx="4660929" cy="3782317"/>
+          </a:xfrm>
+          <a:prstGeom prst="rect">
+            <a:avLst/>
+          </a:prstGeom>
+        </p:spPr>
+      </p:pic>
+      <p:pic>
+        <p:nvPicPr>
+          <p:cNvPr id="3" name="Picture 2">
+            <a:extLst>
+              <a:ext uri="{FF2B5EF4-FFF2-40B4-BE49-F238E27FC236}">
+                <a16:creationId xmlns:a16="http://schemas.microsoft.com/office/drawing/2014/main" id="{64B4805E-7F14-476C-AC61-D5D19B859513}"/>
+              </a:ext>
+            </a:extLst>
+          </p:cNvPr>
+          <p:cNvPicPr>
+            <a:picLocks noChangeAspect="1"/>
+          </p:cNvPicPr>
+          <p:nvPr/>
+        </p:nvPicPr>
+        <p:blipFill>
+          <a:blip r:embed="rId4"/>
+          <a:stretch>
+            <a:fillRect/>
+          </a:stretch>
+        </p:blipFill>
+        <p:spPr>
+          <a:xfrm>
+            <a:off x="6588240" y="3075682"/>
+            <a:ext cx="5014342" cy="3782317"/>
+          </a:xfrm>
+          <a:prstGeom prst="rect">
+            <a:avLst/>
+          </a:prstGeom>
+        </p:spPr>
+      </p:pic>
+      <p:sp>
+        <p:nvSpPr>
+          <p:cNvPr id="7" name="Rectangle 6">
+            <a:extLst>
+              <a:ext uri="{FF2B5EF4-FFF2-40B4-BE49-F238E27FC236}">
+                <a16:creationId xmlns:a16="http://schemas.microsoft.com/office/drawing/2014/main" id="{003A2E31-9F61-4BA2-BAA0-C04CB09C9C62}"/>
+              </a:ext>
+            </a:extLst>
+          </p:cNvPr>
+          <p:cNvSpPr/>
+          <p:nvPr/>
+        </p:nvSpPr>
+        <p:spPr>
+          <a:xfrm>
+            <a:off x="6570520" y="1690688"/>
+            <a:ext cx="5621480" cy="954107"/>
+          </a:xfrm>
+          <a:prstGeom prst="rect">
+            <a:avLst/>
+          </a:prstGeom>
+        </p:spPr>
+        <p:txBody>
+          <a:bodyPr wrap="square">
+            <a:spAutoFit/>
+          </a:bodyPr>
+          <a:lstStyle/>
+          <a:p>
+            <a:r>
+              <a:rPr lang="en-GB" sz="2800" dirty="0">
                 <a:solidFill>
                   <a:schemeClr val="bg1">
                     <a:lumMod val="95000"/>
@@ -7880,15 +8971,120 @@
                 </a:solidFill>
                 <a:latin typeface="Arial Nova Light" panose="020B0304020202020204" pitchFamily="34" charset="0"/>
               </a:rPr>
-              <a:t>&lt;Conclusion B&gt;</a:t>
-            </a:r>
+              <a:t>Feature linewidth shrinkage as a function of the initial voxel linewidth</a:t>
+            </a:r>
+            <a:endParaRPr lang="en-GB" dirty="0"/>
+          </a:p>
+        </p:txBody>
+      </p:sp>
+      <p:sp>
+        <p:nvSpPr>
+          <p:cNvPr id="4" name="Rectangle 3">
+            <a:extLst>
+              <a:ext uri="{FF2B5EF4-FFF2-40B4-BE49-F238E27FC236}">
+                <a16:creationId xmlns:a16="http://schemas.microsoft.com/office/drawing/2014/main" id="{E02B84C5-4420-43E7-95C7-C81E3C3D0130}"/>
+              </a:ext>
+            </a:extLst>
+          </p:cNvPr>
+          <p:cNvSpPr/>
+          <p:nvPr/>
+        </p:nvSpPr>
+        <p:spPr>
+          <a:xfrm>
+            <a:off x="949040" y="3075683"/>
+            <a:ext cx="195942" cy="233574"/>
+          </a:xfrm>
+          <a:prstGeom prst="rect">
+            <a:avLst/>
+          </a:prstGeom>
+          <a:solidFill>
+            <a:schemeClr val="bg1"/>
+          </a:solidFill>
+          <a:ln>
+            <a:noFill/>
+          </a:ln>
+        </p:spPr>
+        <p:style>
+          <a:lnRef idx="2">
+            <a:schemeClr val="accent1">
+              <a:shade val="50000"/>
+            </a:schemeClr>
+          </a:lnRef>
+          <a:fillRef idx="1">
+            <a:schemeClr val="accent1"/>
+          </a:fillRef>
+          <a:effectRef idx="0">
+            <a:schemeClr val="accent1"/>
+          </a:effectRef>
+          <a:fontRef idx="minor">
+            <a:schemeClr val="lt1"/>
+          </a:fontRef>
+        </p:style>
+        <p:txBody>
+          <a:bodyPr rtlCol="0" anchor="ctr"/>
+          <a:lstStyle/>
+          <a:p>
+            <a:pPr algn="ctr"/>
+            <a:endParaRPr lang="en-GB" dirty="0"/>
+          </a:p>
+        </p:txBody>
+      </p:sp>
+      <p:sp>
+        <p:nvSpPr>
+          <p:cNvPr id="8" name="Rectangle 7">
+            <a:extLst>
+              <a:ext uri="{FF2B5EF4-FFF2-40B4-BE49-F238E27FC236}">
+                <a16:creationId xmlns:a16="http://schemas.microsoft.com/office/drawing/2014/main" id="{E736C245-9B17-4D97-A8B2-A89FB5E59C6B}"/>
+              </a:ext>
+            </a:extLst>
+          </p:cNvPr>
+          <p:cNvSpPr/>
+          <p:nvPr/>
+        </p:nvSpPr>
+        <p:spPr>
+          <a:xfrm>
+            <a:off x="6588240" y="3075682"/>
+            <a:ext cx="195942" cy="233574"/>
+          </a:xfrm>
+          <a:prstGeom prst="rect">
+            <a:avLst/>
+          </a:prstGeom>
+          <a:solidFill>
+            <a:schemeClr val="bg1"/>
+          </a:solidFill>
+          <a:ln>
+            <a:noFill/>
+          </a:ln>
+        </p:spPr>
+        <p:style>
+          <a:lnRef idx="2">
+            <a:schemeClr val="accent1">
+              <a:shade val="50000"/>
+            </a:schemeClr>
+          </a:lnRef>
+          <a:fillRef idx="1">
+            <a:schemeClr val="accent1"/>
+          </a:fillRef>
+          <a:effectRef idx="0">
+            <a:schemeClr val="accent1"/>
+          </a:effectRef>
+          <a:fontRef idx="minor">
+            <a:schemeClr val="lt1"/>
+          </a:fontRef>
+        </p:style>
+        <p:txBody>
+          <a:bodyPr rtlCol="0" anchor="ctr"/>
+          <a:lstStyle/>
+          <a:p>
+            <a:pPr algn="ctr"/>
+            <a:endParaRPr lang="en-GB"/>
           </a:p>
         </p:txBody>
       </p:sp>
     </p:spTree>
     <p:extLst>
       <p:ext uri="{BB962C8B-B14F-4D97-AF65-F5344CB8AC3E}">
-        <p14:creationId xmlns:p14="http://schemas.microsoft.com/office/powerpoint/2010/main" val="708711930"/>
+        <p14:creationId xmlns:p14="http://schemas.microsoft.com/office/powerpoint/2010/main" val="436697482"/>
       </p:ext>
     </p:extLst>
   </p:cSld>
@@ -7917,10 +9113,10 @@
       </p:grpSpPr>
       <p:sp>
         <p:nvSpPr>
-          <p:cNvPr id="9" name="Title 1">
-            <a:extLst>
-              <a:ext uri="{FF2B5EF4-FFF2-40B4-BE49-F238E27FC236}">
-                <a16:creationId xmlns:a16="http://schemas.microsoft.com/office/drawing/2014/main" id="{907DD878-B76C-4FC5-9BC3-86C7C3DB3BDA}"/>
+          <p:cNvPr id="6" name="Content Placeholder 2">
+            <a:extLst>
+              <a:ext uri="{FF2B5EF4-FFF2-40B4-BE49-F238E27FC236}">
+                <a16:creationId xmlns:a16="http://schemas.microsoft.com/office/drawing/2014/main" id="{058630E6-31AF-4451-B084-C9809D0DA4E8}"/>
               </a:ext>
             </a:extLst>
           </p:cNvPr>
@@ -7928,13 +9124,13 @@
             <a:spLocks noGrp="1"/>
           </p:cNvSpPr>
           <p:nvPr>
-            <p:ph type="title"/>
+            <p:ph idx="1"/>
           </p:nvPr>
         </p:nvSpPr>
         <p:spPr>
           <a:xfrm>
-            <a:off x="942832" y="2766218"/>
-            <a:ext cx="11242960" cy="1325563"/>
+            <a:off x="949040" y="1825623"/>
+            <a:ext cx="11242960" cy="5032377"/>
           </a:xfrm>
         </p:spPr>
         <p:txBody>
@@ -7943,73 +9139,527 @@
           </a:bodyPr>
           <a:lstStyle/>
           <a:p>
-            <a:pPr algn="ctr"/>
-            <a:r>
-              <a:rPr lang="en-GB" sz="6000" b="1" dirty="0">
-                <a:solidFill>
-                  <a:schemeClr val="tx1">
-                    <a:lumMod val="75000"/>
-                    <a:lumOff val="25000"/>
+            <a:pPr marL="0" indent="0">
+              <a:buNone/>
+            </a:pPr>
+            <a:r>
+              <a:rPr lang="en-GB" dirty="0">
+                <a:solidFill>
+                  <a:schemeClr val="bg1">
+                    <a:lumMod val="95000"/>
                   </a:schemeClr>
                 </a:solidFill>
-                <a:latin typeface="Gabriola" panose="04040605051002020D02" pitchFamily="82" charset="0"/>
+                <a:latin typeface="Arial Nova Light" panose="020B0304020202020204" pitchFamily="34" charset="0"/>
               </a:rPr>
-              <a:t>Q&amp;A</a:t>
-            </a:r>
-          </a:p>
-        </p:txBody>
-      </p:sp>
-      <p:pic>
-        <p:nvPicPr>
-          <p:cNvPr id="2" name="Picture 2" descr="http://www.landlordreferencing.co.uk/wp-content/uploads/2016/11/489f-hce-q-and-a-jpg.png">
-            <a:extLst>
-              <a:ext uri="{FF2B5EF4-FFF2-40B4-BE49-F238E27FC236}">
-                <a16:creationId xmlns:a16="http://schemas.microsoft.com/office/drawing/2014/main" id="{A3958ADD-11D2-4A36-B683-42F04B78B769}"/>
-              </a:ext>
-            </a:extLst>
-          </p:cNvPr>
-          <p:cNvPicPr>
-            <a:picLocks noChangeAspect="1" noChangeArrowheads="1"/>
-          </p:cNvPicPr>
+              <a:t> </a:t>
+            </a:r>
+          </a:p>
+          <a:p>
+            <a:endParaRPr lang="en-GB" dirty="0">
+              <a:solidFill>
+                <a:schemeClr val="bg1">
+                  <a:lumMod val="95000"/>
+                </a:schemeClr>
+              </a:solidFill>
+              <a:latin typeface="Arial Nova Light" panose="020B0304020202020204" pitchFamily="34" charset="0"/>
+            </a:endParaRPr>
+          </a:p>
+          <a:p>
+            <a:endParaRPr lang="en-GB" dirty="0">
+              <a:solidFill>
+                <a:schemeClr val="bg1">
+                  <a:lumMod val="95000"/>
+                </a:schemeClr>
+              </a:solidFill>
+              <a:latin typeface="Arial Nova Light" panose="020B0304020202020204" pitchFamily="34" charset="0"/>
+            </a:endParaRPr>
+          </a:p>
+          <a:p>
+            <a:endParaRPr lang="en-GB" dirty="0">
+              <a:solidFill>
+                <a:schemeClr val="bg1">
+                  <a:lumMod val="95000"/>
+                </a:schemeClr>
+              </a:solidFill>
+              <a:latin typeface="Arial Nova Light" panose="020B0304020202020204" pitchFamily="34" charset="0"/>
+            </a:endParaRPr>
+          </a:p>
+        </p:txBody>
+      </p:sp>
+      <p:sp>
+        <p:nvSpPr>
+          <p:cNvPr id="4" name="Title 1">
+            <a:extLst>
+              <a:ext uri="{FF2B5EF4-FFF2-40B4-BE49-F238E27FC236}">
+                <a16:creationId xmlns:a16="http://schemas.microsoft.com/office/drawing/2014/main" id="{F9ED8BE6-F7AC-4FD8-8FA8-8C683A7C2F62}"/>
+              </a:ext>
+            </a:extLst>
+          </p:cNvPr>
+          <p:cNvSpPr>
+            <a:spLocks noGrp="1"/>
+          </p:cNvSpPr>
+          <p:nvPr>
+            <p:ph type="title"/>
+          </p:nvPr>
+        </p:nvSpPr>
+        <p:spPr>
+          <a:xfrm>
+            <a:off x="949040" y="365125"/>
+            <a:ext cx="11242960" cy="1325563"/>
+          </a:xfrm>
+        </p:spPr>
+        <p:txBody>
+          <a:bodyPr/>
+          <a:lstStyle/>
+          <a:p>
+            <a:r>
+              <a:rPr lang="en-GB" dirty="0">
+                <a:solidFill>
+                  <a:schemeClr val="bg1">
+                    <a:lumMod val="95000"/>
+                  </a:schemeClr>
+                </a:solidFill>
+                <a:latin typeface="Arial Nova Light" panose="020B0304020202020204" pitchFamily="34" charset="0"/>
+              </a:rPr>
+              <a:t>Conclusions:</a:t>
+            </a:r>
+            <a:endParaRPr lang="en-GB" b="1" dirty="0">
+              <a:solidFill>
+                <a:schemeClr val="tx2">
+                  <a:lumMod val="75000"/>
+                </a:schemeClr>
+              </a:solidFill>
+              <a:latin typeface="Arial Nova Light" panose="020B0304020202020204" pitchFamily="34" charset="0"/>
+            </a:endParaRPr>
+          </a:p>
+        </p:txBody>
+      </p:sp>
+      <p:sp>
+        <p:nvSpPr>
+          <p:cNvPr id="7" name="Content Placeholder 2">
+            <a:extLst>
+              <a:ext uri="{FF2B5EF4-FFF2-40B4-BE49-F238E27FC236}">
+                <a16:creationId xmlns:a16="http://schemas.microsoft.com/office/drawing/2014/main" id="{43F915F1-9C90-4B6E-AA0B-C9F4FCF704FA}"/>
+              </a:ext>
+            </a:extLst>
+          </p:cNvPr>
+          <p:cNvSpPr txBox="1">
+            <a:spLocks/>
+          </p:cNvSpPr>
           <p:nvPr/>
-        </p:nvPicPr>
-        <p:blipFill>
-          <a:blip r:embed="rId2">
-            <a:extLst>
-              <a:ext uri="{28A0092B-C50C-407E-A947-70E740481C1C}">
-                <a14:useLocalDpi xmlns:a14="http://schemas.microsoft.com/office/drawing/2010/main" val="0"/>
-              </a:ext>
-            </a:extLst>
-          </a:blip>
-          <a:srcRect/>
-          <a:stretch>
-            <a:fillRect/>
-          </a:stretch>
-        </p:blipFill>
-        <p:spPr bwMode="auto">
+        </p:nvSpPr>
+        <p:spPr>
           <a:xfrm>
-            <a:off x="3125787" y="1649413"/>
-            <a:ext cx="6877050" cy="3486150"/>
+            <a:off x="949040" y="1690688"/>
+            <a:ext cx="11242960" cy="5167312"/>
           </a:xfrm>
           <a:prstGeom prst="rect">
             <a:avLst/>
           </a:prstGeom>
-          <a:noFill/>
-          <a:extLst>
-            <a:ext uri="{909E8E84-426E-40DD-AFC4-6F175D3DCCD1}">
-              <a14:hiddenFill xmlns:a14="http://schemas.microsoft.com/office/drawing/2010/main">
-                <a:solidFill>
-                  <a:srgbClr val="FFFFFF"/>
-                </a:solidFill>
-              </a14:hiddenFill>
-            </a:ext>
-          </a:extLst>
         </p:spPr>
-      </p:pic>
+        <p:txBody>
+          <a:bodyPr vert="horz" lIns="91440" tIns="45720" rIns="91440" bIns="45720" rtlCol="0">
+            <a:normAutofit/>
+          </a:bodyPr>
+          <a:lstStyle>
+            <a:lvl1pPr marL="228600" indent="-228600" algn="l" defTabSz="914400" rtl="0" eaLnBrk="1" latinLnBrk="0" hangingPunct="1">
+              <a:lnSpc>
+                <a:spcPct val="90000"/>
+              </a:lnSpc>
+              <a:spcBef>
+                <a:spcPts val="1000"/>
+              </a:spcBef>
+              <a:buFont typeface="Arial" panose="020B0604020202020204" pitchFamily="34" charset="0"/>
+              <a:buChar char="•"/>
+              <a:defRPr sz="2800" kern="1200">
+                <a:solidFill>
+                  <a:schemeClr val="tx1"/>
+                </a:solidFill>
+                <a:latin typeface="+mn-lt"/>
+                <a:ea typeface="+mn-ea"/>
+                <a:cs typeface="+mn-cs"/>
+              </a:defRPr>
+            </a:lvl1pPr>
+            <a:lvl2pPr marL="685800" indent="-228600" algn="l" defTabSz="914400" rtl="0" eaLnBrk="1" latinLnBrk="0" hangingPunct="1">
+              <a:lnSpc>
+                <a:spcPct val="90000"/>
+              </a:lnSpc>
+              <a:spcBef>
+                <a:spcPts val="500"/>
+              </a:spcBef>
+              <a:buFont typeface="Arial" panose="020B0604020202020204" pitchFamily="34" charset="0"/>
+              <a:buChar char="•"/>
+              <a:defRPr sz="2400" kern="1200">
+                <a:solidFill>
+                  <a:schemeClr val="tx1"/>
+                </a:solidFill>
+                <a:latin typeface="+mn-lt"/>
+                <a:ea typeface="+mn-ea"/>
+                <a:cs typeface="+mn-cs"/>
+              </a:defRPr>
+            </a:lvl2pPr>
+            <a:lvl3pPr marL="1143000" indent="-228600" algn="l" defTabSz="914400" rtl="0" eaLnBrk="1" latinLnBrk="0" hangingPunct="1">
+              <a:lnSpc>
+                <a:spcPct val="90000"/>
+              </a:lnSpc>
+              <a:spcBef>
+                <a:spcPts val="500"/>
+              </a:spcBef>
+              <a:buFont typeface="Arial" panose="020B0604020202020204" pitchFamily="34" charset="0"/>
+              <a:buChar char="•"/>
+              <a:defRPr sz="2000" kern="1200">
+                <a:solidFill>
+                  <a:schemeClr val="tx1"/>
+                </a:solidFill>
+                <a:latin typeface="+mn-lt"/>
+                <a:ea typeface="+mn-ea"/>
+                <a:cs typeface="+mn-cs"/>
+              </a:defRPr>
+            </a:lvl3pPr>
+            <a:lvl4pPr marL="1600200" indent="-228600" algn="l" defTabSz="914400" rtl="0" eaLnBrk="1" latinLnBrk="0" hangingPunct="1">
+              <a:lnSpc>
+                <a:spcPct val="90000"/>
+              </a:lnSpc>
+              <a:spcBef>
+                <a:spcPts val="500"/>
+              </a:spcBef>
+              <a:buFont typeface="Arial" panose="020B0604020202020204" pitchFamily="34" charset="0"/>
+              <a:buChar char="•"/>
+              <a:defRPr sz="1800" kern="1200">
+                <a:solidFill>
+                  <a:schemeClr val="tx1"/>
+                </a:solidFill>
+                <a:latin typeface="+mn-lt"/>
+                <a:ea typeface="+mn-ea"/>
+                <a:cs typeface="+mn-cs"/>
+              </a:defRPr>
+            </a:lvl4pPr>
+            <a:lvl5pPr marL="2057400" indent="-228600" algn="l" defTabSz="914400" rtl="0" eaLnBrk="1" latinLnBrk="0" hangingPunct="1">
+              <a:lnSpc>
+                <a:spcPct val="90000"/>
+              </a:lnSpc>
+              <a:spcBef>
+                <a:spcPts val="500"/>
+              </a:spcBef>
+              <a:buFont typeface="Arial" panose="020B0604020202020204" pitchFamily="34" charset="0"/>
+              <a:buChar char="•"/>
+              <a:defRPr sz="1800" kern="1200">
+                <a:solidFill>
+                  <a:schemeClr val="tx1"/>
+                </a:solidFill>
+                <a:latin typeface="+mn-lt"/>
+                <a:ea typeface="+mn-ea"/>
+                <a:cs typeface="+mn-cs"/>
+              </a:defRPr>
+            </a:lvl5pPr>
+            <a:lvl6pPr marL="2514600" indent="-228600" algn="l" defTabSz="914400" rtl="0" eaLnBrk="1" latinLnBrk="0" hangingPunct="1">
+              <a:lnSpc>
+                <a:spcPct val="90000"/>
+              </a:lnSpc>
+              <a:spcBef>
+                <a:spcPts val="500"/>
+              </a:spcBef>
+              <a:buFont typeface="Arial" panose="020B0604020202020204" pitchFamily="34" charset="0"/>
+              <a:buChar char="•"/>
+              <a:defRPr sz="1800" kern="1200">
+                <a:solidFill>
+                  <a:schemeClr val="tx1"/>
+                </a:solidFill>
+                <a:latin typeface="+mn-lt"/>
+                <a:ea typeface="+mn-ea"/>
+                <a:cs typeface="+mn-cs"/>
+              </a:defRPr>
+            </a:lvl6pPr>
+            <a:lvl7pPr marL="2971800" indent="-228600" algn="l" defTabSz="914400" rtl="0" eaLnBrk="1" latinLnBrk="0" hangingPunct="1">
+              <a:lnSpc>
+                <a:spcPct val="90000"/>
+              </a:lnSpc>
+              <a:spcBef>
+                <a:spcPts val="500"/>
+              </a:spcBef>
+              <a:buFont typeface="Arial" panose="020B0604020202020204" pitchFamily="34" charset="0"/>
+              <a:buChar char="•"/>
+              <a:defRPr sz="1800" kern="1200">
+                <a:solidFill>
+                  <a:schemeClr val="tx1"/>
+                </a:solidFill>
+                <a:latin typeface="+mn-lt"/>
+                <a:ea typeface="+mn-ea"/>
+                <a:cs typeface="+mn-cs"/>
+              </a:defRPr>
+            </a:lvl7pPr>
+            <a:lvl8pPr marL="3429000" indent="-228600" algn="l" defTabSz="914400" rtl="0" eaLnBrk="1" latinLnBrk="0" hangingPunct="1">
+              <a:lnSpc>
+                <a:spcPct val="90000"/>
+              </a:lnSpc>
+              <a:spcBef>
+                <a:spcPts val="500"/>
+              </a:spcBef>
+              <a:buFont typeface="Arial" panose="020B0604020202020204" pitchFamily="34" charset="0"/>
+              <a:buChar char="•"/>
+              <a:defRPr sz="1800" kern="1200">
+                <a:solidFill>
+                  <a:schemeClr val="tx1"/>
+                </a:solidFill>
+                <a:latin typeface="+mn-lt"/>
+                <a:ea typeface="+mn-ea"/>
+                <a:cs typeface="+mn-cs"/>
+              </a:defRPr>
+            </a:lvl8pPr>
+            <a:lvl9pPr marL="3886200" indent="-228600" algn="l" defTabSz="914400" rtl="0" eaLnBrk="1" latinLnBrk="0" hangingPunct="1">
+              <a:lnSpc>
+                <a:spcPct val="90000"/>
+              </a:lnSpc>
+              <a:spcBef>
+                <a:spcPts val="500"/>
+              </a:spcBef>
+              <a:buFont typeface="Arial" panose="020B0604020202020204" pitchFamily="34" charset="0"/>
+              <a:buChar char="•"/>
+              <a:defRPr sz="1800" kern="1200">
+                <a:solidFill>
+                  <a:schemeClr val="tx1"/>
+                </a:solidFill>
+                <a:latin typeface="+mn-lt"/>
+                <a:ea typeface="+mn-ea"/>
+                <a:cs typeface="+mn-cs"/>
+              </a:defRPr>
+            </a:lvl9pPr>
+          </a:lstStyle>
+          <a:p>
+            <a:r>
+              <a:rPr lang="en-GB" dirty="0">
+                <a:solidFill>
+                  <a:schemeClr val="bg1">
+                    <a:lumMod val="95000"/>
+                  </a:schemeClr>
+                </a:solidFill>
+                <a:latin typeface="Arial Nova Light" panose="020B0304020202020204" pitchFamily="34" charset="0"/>
+              </a:rPr>
+              <a:t>Shrinking values herein reported range between </a:t>
+            </a:r>
+            <a:r>
+              <a:rPr lang="en-GB" b="1" dirty="0">
+                <a:solidFill>
+                  <a:schemeClr val="tx2">
+                    <a:lumMod val="75000"/>
+                  </a:schemeClr>
+                </a:solidFill>
+                <a:latin typeface="Arial Nova Light" panose="020B0304020202020204" pitchFamily="34" charset="0"/>
+              </a:rPr>
+              <a:t>70 and 75%</a:t>
+            </a:r>
+          </a:p>
+          <a:p>
+            <a:r>
+              <a:rPr lang="en-GB" dirty="0">
+                <a:solidFill>
+                  <a:schemeClr val="bg1">
+                    <a:lumMod val="95000"/>
+                  </a:schemeClr>
+                </a:solidFill>
+                <a:latin typeface="Arial Nova Light" panose="020B0304020202020204" pitchFamily="34" charset="0"/>
+              </a:rPr>
+              <a:t>The reduction is likely caused by </a:t>
+            </a:r>
+            <a:r>
+              <a:rPr lang="en-GB" b="1" dirty="0">
+                <a:solidFill>
+                  <a:schemeClr val="tx2">
+                    <a:lumMod val="75000"/>
+                  </a:schemeClr>
+                </a:solidFill>
+                <a:latin typeface="Arial Nova Light" panose="020B0304020202020204" pitchFamily="34" charset="0"/>
+              </a:rPr>
+              <a:t>volatilization losses</a:t>
+            </a:r>
+            <a:r>
+              <a:rPr lang="en-GB" dirty="0">
+                <a:solidFill>
+                  <a:schemeClr val="bg1">
+                    <a:lumMod val="95000"/>
+                  </a:schemeClr>
+                </a:solidFill>
+                <a:latin typeface="Arial Nova Light" panose="020B0304020202020204" pitchFamily="34" charset="0"/>
+              </a:rPr>
+              <a:t>, rather than strain induced effects.</a:t>
+            </a:r>
+          </a:p>
+          <a:p>
+            <a:r>
+              <a:rPr lang="en-GB" dirty="0">
+                <a:solidFill>
+                  <a:schemeClr val="bg1">
+                    <a:lumMod val="95000"/>
+                  </a:schemeClr>
+                </a:solidFill>
+                <a:latin typeface="Arial Nova Light" panose="020B0304020202020204" pitchFamily="34" charset="0"/>
+              </a:rPr>
+              <a:t>Volumetric shrinkage depends on the initial linewidth of the suspended microwires. (</a:t>
+            </a:r>
+            <a:r>
+              <a:rPr lang="en-GB" b="1" dirty="0">
+                <a:solidFill>
+                  <a:schemeClr val="tx2">
+                    <a:lumMod val="75000"/>
+                  </a:schemeClr>
+                </a:solidFill>
+                <a:latin typeface="Arial Nova Light" panose="020B0304020202020204" pitchFamily="34" charset="0"/>
+              </a:rPr>
+              <a:t>thinner samples</a:t>
+            </a:r>
+            <a:r>
+              <a:rPr lang="en-GB" dirty="0">
+                <a:solidFill>
+                  <a:schemeClr val="bg1">
+                    <a:lumMod val="95000"/>
+                  </a:schemeClr>
+                </a:solidFill>
+                <a:latin typeface="Arial Nova Light" panose="020B0304020202020204" pitchFamily="34" charset="0"/>
+              </a:rPr>
+              <a:t> leading to </a:t>
+            </a:r>
+            <a:r>
+              <a:rPr lang="en-GB" b="1" dirty="0">
+                <a:solidFill>
+                  <a:schemeClr val="tx2">
+                    <a:lumMod val="75000"/>
+                  </a:schemeClr>
+                </a:solidFill>
+                <a:latin typeface="Arial Nova Light" panose="020B0304020202020204" pitchFamily="34" charset="0"/>
+              </a:rPr>
+              <a:t>greater shrinking values</a:t>
+            </a:r>
+            <a:r>
+              <a:rPr lang="en-GB" dirty="0">
+                <a:solidFill>
+                  <a:schemeClr val="bg1">
+                    <a:lumMod val="95000"/>
+                  </a:schemeClr>
+                </a:solidFill>
+                <a:latin typeface="Arial Nova Light" panose="020B0304020202020204" pitchFamily="34" charset="0"/>
+              </a:rPr>
+              <a:t>)</a:t>
+            </a:r>
+          </a:p>
+          <a:p>
+            <a:r>
+              <a:rPr lang="en-GB" dirty="0">
+                <a:solidFill>
+                  <a:schemeClr val="bg1">
+                    <a:lumMod val="95000"/>
+                  </a:schemeClr>
+                </a:solidFill>
+                <a:latin typeface="Arial Nova Light" panose="020B0304020202020204" pitchFamily="34" charset="0"/>
+              </a:rPr>
+              <a:t>A good agreement was obtained between our model and the experimental linewidth measurements of the fabricated structures.</a:t>
+            </a:r>
+          </a:p>
+          <a:p>
+            <a:r>
+              <a:rPr lang="en-GB" dirty="0">
+                <a:solidFill>
+                  <a:schemeClr val="bg1">
+                    <a:lumMod val="95000"/>
+                  </a:schemeClr>
+                </a:solidFill>
+                <a:latin typeface="Arial Nova Light" panose="020B0304020202020204" pitchFamily="34" charset="0"/>
+              </a:rPr>
+              <a:t>TPP comes with </a:t>
+            </a:r>
+            <a:r>
+              <a:rPr lang="en-GB" b="1" dirty="0">
+                <a:solidFill>
+                  <a:schemeClr val="tx2">
+                    <a:lumMod val="75000"/>
+                  </a:schemeClr>
+                </a:solidFill>
+                <a:latin typeface="Arial Nova Light" panose="020B0304020202020204" pitchFamily="34" charset="0"/>
+              </a:rPr>
+              <a:t>added fabrication complexity </a:t>
+            </a:r>
+            <a:r>
+              <a:rPr lang="en-GB" dirty="0">
+                <a:solidFill>
+                  <a:schemeClr val="bg1">
+                    <a:lumMod val="95000"/>
+                  </a:schemeClr>
+                </a:solidFill>
+                <a:latin typeface="Arial Nova Light" panose="020B0304020202020204" pitchFamily="34" charset="0"/>
+              </a:rPr>
+              <a:t>(i.e., a stable femtosecond pulsed laser)</a:t>
+            </a:r>
+          </a:p>
+          <a:p>
+            <a:r>
+              <a:rPr lang="en-GB" dirty="0">
+                <a:solidFill>
+                  <a:schemeClr val="bg1">
+                    <a:lumMod val="95000"/>
+                  </a:schemeClr>
+                </a:solidFill>
+                <a:latin typeface="Arial Nova Light" panose="020B0304020202020204" pitchFamily="34" charset="0"/>
+              </a:rPr>
+              <a:t>The TPP </a:t>
+            </a:r>
+            <a:r>
+              <a:rPr lang="en-GB" b="1" dirty="0">
+                <a:solidFill>
+                  <a:schemeClr val="tx2">
+                    <a:lumMod val="75000"/>
+                  </a:schemeClr>
+                </a:solidFill>
+                <a:latin typeface="Arial Nova Light" panose="020B0304020202020204" pitchFamily="34" charset="0"/>
+              </a:rPr>
+              <a:t>voxel asymmetry</a:t>
+            </a:r>
+            <a:r>
+              <a:rPr lang="en-GB" dirty="0">
+                <a:solidFill>
+                  <a:schemeClr val="bg1">
+                    <a:lumMod val="95000"/>
+                  </a:schemeClr>
+                </a:solidFill>
+                <a:latin typeface="Arial Nova Light" panose="020B0304020202020204" pitchFamily="34" charset="0"/>
+              </a:rPr>
+              <a:t>, can result in carbon nanowires with noncircular cross sections.</a:t>
+            </a:r>
+          </a:p>
+          <a:p>
+            <a:endParaRPr lang="en-GB" dirty="0">
+              <a:solidFill>
+                <a:schemeClr val="bg1">
+                  <a:lumMod val="95000"/>
+                </a:schemeClr>
+              </a:solidFill>
+              <a:latin typeface="Arial Nova Light" panose="020B0304020202020204" pitchFamily="34" charset="0"/>
+            </a:endParaRPr>
+          </a:p>
+          <a:p>
+            <a:endParaRPr lang="en-GB" dirty="0">
+              <a:solidFill>
+                <a:schemeClr val="bg1">
+                  <a:lumMod val="95000"/>
+                </a:schemeClr>
+              </a:solidFill>
+              <a:latin typeface="Arial Nova Light" panose="020B0304020202020204" pitchFamily="34" charset="0"/>
+            </a:endParaRPr>
+          </a:p>
+          <a:p>
+            <a:endParaRPr lang="en-GB" dirty="0">
+              <a:solidFill>
+                <a:schemeClr val="bg1">
+                  <a:lumMod val="95000"/>
+                </a:schemeClr>
+              </a:solidFill>
+              <a:latin typeface="Arial Nova Light" panose="020B0304020202020204" pitchFamily="34" charset="0"/>
+            </a:endParaRPr>
+          </a:p>
+        </p:txBody>
+      </p:sp>
     </p:spTree>
     <p:extLst>
       <p:ext uri="{BB962C8B-B14F-4D97-AF65-F5344CB8AC3E}">
-        <p14:creationId xmlns:p14="http://schemas.microsoft.com/office/powerpoint/2010/main" val="4246728971"/>
+        <p14:creationId xmlns:p14="http://schemas.microsoft.com/office/powerpoint/2010/main" val="708711930"/>
       </p:ext>
     </p:extLst>
   </p:cSld>

--- a/Shared_A01212611/Slides/GroupMeeting004_Pyrolysis_induced_shrinking.pptx
+++ b/Shared_A01212611/Slides/GroupMeeting004_Pyrolysis_induced_shrinking.pptx
@@ -5,7 +5,7 @@
     <p:sldMasterId id="2147483648" r:id="rId1"/>
   </p:sldMasterIdLst>
   <p:notesMasterIdLst>
-    <p:notesMasterId r:id="rId13"/>
+    <p:notesMasterId r:id="rId14"/>
   </p:notesMasterIdLst>
   <p:sldIdLst>
     <p:sldId id="256" r:id="rId2"/>
@@ -19,6 +19,7 @@
     <p:sldId id="276" r:id="rId10"/>
     <p:sldId id="269" r:id="rId11"/>
     <p:sldId id="263" r:id="rId12"/>
+    <p:sldId id="288" r:id="rId13"/>
   </p:sldIdLst>
   <p:sldSz cx="12192000" cy="6858000"/>
   <p:notesSz cx="6858000" cy="9144000"/>
@@ -149,6 +150,7 @@
         <p14:section name="Side Slides" id="{1C99C5B6-3640-4323-B416-8D531FACFE49}">
           <p14:sldIdLst>
             <p14:sldId id="263"/>
+            <p14:sldId id="288"/>
           </p14:sldIdLst>
         </p14:section>
       </p14:sectionLst>
@@ -2479,6 +2481,99 @@
 </p:notes>
 </file>
 
+<file path=ppt/notesSlides/notesSlide9.xml><?xml version="1.0" encoding="utf-8"?>
+<p:notes xmlns:a="http://schemas.openxmlformats.org/drawingml/2006/main" xmlns:r="http://schemas.openxmlformats.org/officeDocument/2006/relationships" xmlns:p="http://schemas.openxmlformats.org/presentationml/2006/main">
+  <p:cSld>
+    <p:spTree>
+      <p:nvGrpSpPr>
+        <p:cNvPr id="1" name=""/>
+        <p:cNvGrpSpPr/>
+        <p:nvPr/>
+      </p:nvGrpSpPr>
+      <p:grpSpPr>
+        <a:xfrm>
+          <a:off x="0" y="0"/>
+          <a:ext cx="0" cy="0"/>
+          <a:chOff x="0" y="0"/>
+          <a:chExt cx="0" cy="0"/>
+        </a:xfrm>
+      </p:grpSpPr>
+      <p:sp>
+        <p:nvSpPr>
+          <p:cNvPr id="2" name="Slide Image Placeholder 1"/>
+          <p:cNvSpPr>
+            <a:spLocks noGrp="1" noRot="1" noChangeAspect="1"/>
+          </p:cNvSpPr>
+          <p:nvPr>
+            <p:ph type="sldImg"/>
+          </p:nvPr>
+        </p:nvSpPr>
+        <p:spPr/>
+      </p:sp>
+      <p:sp>
+        <p:nvSpPr>
+          <p:cNvPr id="3" name="Notes Placeholder 2"/>
+          <p:cNvSpPr>
+            <a:spLocks noGrp="1"/>
+          </p:cNvSpPr>
+          <p:nvPr>
+            <p:ph type="body" idx="1"/>
+          </p:nvPr>
+        </p:nvSpPr>
+        <p:spPr/>
+        <p:txBody>
+          <a:bodyPr/>
+          <a:lstStyle/>
+          <a:p>
+            <a:r>
+              <a:rPr lang="en-GB" dirty="0">
+                <a:hlinkClick r:id="rId3"/>
+              </a:rPr>
+              <a:t>https://rsc.aux.eng.ufl.edu/_files/msds/309.pdf</a:t>
+            </a:r>
+            <a:endParaRPr lang="en-GB" dirty="0"/>
+          </a:p>
+          <a:p>
+            <a:endParaRPr lang="en-GB" dirty="0"/>
+          </a:p>
+        </p:txBody>
+      </p:sp>
+      <p:sp>
+        <p:nvSpPr>
+          <p:cNvPr id="4" name="Slide Number Placeholder 3"/>
+          <p:cNvSpPr>
+            <a:spLocks noGrp="1"/>
+          </p:cNvSpPr>
+          <p:nvPr>
+            <p:ph type="sldNum" sz="quarter" idx="5"/>
+          </p:nvPr>
+        </p:nvSpPr>
+        <p:spPr/>
+        <p:txBody>
+          <a:bodyPr/>
+          <a:lstStyle/>
+          <a:p>
+            <a:fld id="{B3A8F86A-A3D1-4706-9131-90E1724D7948}" type="slidenum">
+              <a:rPr lang="en-GB" smtClean="0"/>
+              <a:t>12</a:t>
+            </a:fld>
+            <a:endParaRPr lang="en-GB"/>
+          </a:p>
+        </p:txBody>
+      </p:sp>
+    </p:spTree>
+    <p:extLst>
+      <p:ext uri="{BB962C8B-B14F-4D97-AF65-F5344CB8AC3E}">
+        <p14:creationId xmlns:p14="http://schemas.microsoft.com/office/powerpoint/2010/main" val="2349086066"/>
+      </p:ext>
+    </p:extLst>
+  </p:cSld>
+  <p:clrMapOvr>
+    <a:masterClrMapping/>
+  </p:clrMapOvr>
+</p:notes>
+</file>
+
 <file path=ppt/slideLayouts/slideLayout1.xml><?xml version="1.0" encoding="utf-8"?>
 <p:sldLayout xmlns:a="http://schemas.openxmlformats.org/drawingml/2006/main" xmlns:r="http://schemas.openxmlformats.org/officeDocument/2006/relationships" xmlns:p="http://schemas.openxmlformats.org/presentationml/2006/main" type="title" preserve="1">
   <p:cSld name="Title Slide">
@@ -6462,6 +6557,576 @@
 </p:sld>
 </file>
 
+<file path=ppt/slides/slide12.xml><?xml version="1.0" encoding="utf-8"?>
+<p:sld xmlns:a="http://schemas.openxmlformats.org/drawingml/2006/main" xmlns:r="http://schemas.openxmlformats.org/officeDocument/2006/relationships" xmlns:p="http://schemas.openxmlformats.org/presentationml/2006/main">
+  <p:cSld>
+    <p:spTree>
+      <p:nvGrpSpPr>
+        <p:cNvPr id="1" name=""/>
+        <p:cNvGrpSpPr/>
+        <p:nvPr/>
+      </p:nvGrpSpPr>
+      <p:grpSpPr>
+        <a:xfrm>
+          <a:off x="0" y="0"/>
+          <a:ext cx="0" cy="0"/>
+          <a:chOff x="0" y="0"/>
+          <a:chExt cx="0" cy="0"/>
+        </a:xfrm>
+      </p:grpSpPr>
+      <p:grpSp>
+        <p:nvGrpSpPr>
+          <p:cNvPr id="3" name="Group 2">
+            <a:extLst>
+              <a:ext uri="{FF2B5EF4-FFF2-40B4-BE49-F238E27FC236}">
+                <a16:creationId xmlns:a16="http://schemas.microsoft.com/office/drawing/2014/main" id="{35803534-FEC8-493E-82C2-EEE7148E85CA}"/>
+              </a:ext>
+            </a:extLst>
+          </p:cNvPr>
+          <p:cNvGrpSpPr/>
+          <p:nvPr/>
+        </p:nvGrpSpPr>
+        <p:grpSpPr>
+          <a:xfrm>
+            <a:off x="937911" y="0"/>
+            <a:ext cx="11254089" cy="6858000"/>
+            <a:chOff x="937911" y="0"/>
+            <a:chExt cx="11254089" cy="6858000"/>
+          </a:xfrm>
+        </p:grpSpPr>
+        <p:grpSp>
+          <p:nvGrpSpPr>
+            <p:cNvPr id="11" name="Group 10">
+              <a:extLst>
+                <a:ext uri="{FF2B5EF4-FFF2-40B4-BE49-F238E27FC236}">
+                  <a16:creationId xmlns:a16="http://schemas.microsoft.com/office/drawing/2014/main" id="{3FBC5423-B427-493F-9270-155D9D48A767}"/>
+                </a:ext>
+              </a:extLst>
+            </p:cNvPr>
+            <p:cNvGrpSpPr/>
+            <p:nvPr/>
+          </p:nvGrpSpPr>
+          <p:grpSpPr>
+            <a:xfrm>
+              <a:off x="937913" y="0"/>
+              <a:ext cx="5121288" cy="3310772"/>
+              <a:chOff x="-542545" y="879490"/>
+              <a:chExt cx="3819145" cy="2468972"/>
+            </a:xfrm>
+          </p:grpSpPr>
+          <p:pic>
+            <p:nvPicPr>
+              <p:cNvPr id="5" name="Picture 4">
+                <a:extLst>
+                  <a:ext uri="{FF2B5EF4-FFF2-40B4-BE49-F238E27FC236}">
+                    <a16:creationId xmlns:a16="http://schemas.microsoft.com/office/drawing/2014/main" id="{27FA082B-E21B-40BD-92CA-B2224F3E0B3B}"/>
+                  </a:ext>
+                </a:extLst>
+              </p:cNvPr>
+              <p:cNvPicPr>
+                <a:picLocks noChangeAspect="1"/>
+              </p:cNvPicPr>
+              <p:nvPr/>
+            </p:nvPicPr>
+            <p:blipFill rotWithShape="1">
+              <a:blip r:embed="rId3"/>
+              <a:srcRect r="34033" b="50351"/>
+              <a:stretch/>
+            </p:blipFill>
+            <p:spPr>
+              <a:xfrm>
+                <a:off x="-542545" y="879490"/>
+                <a:ext cx="3819145" cy="916653"/>
+              </a:xfrm>
+              <a:prstGeom prst="rect">
+                <a:avLst/>
+              </a:prstGeom>
+            </p:spPr>
+          </p:pic>
+          <p:pic>
+            <p:nvPicPr>
+              <p:cNvPr id="9" name="Picture 8">
+                <a:extLst>
+                  <a:ext uri="{FF2B5EF4-FFF2-40B4-BE49-F238E27FC236}">
+                    <a16:creationId xmlns:a16="http://schemas.microsoft.com/office/drawing/2014/main" id="{707C59F7-2CD8-464D-82C0-34ABC93FF0DF}"/>
+                  </a:ext>
+                </a:extLst>
+              </p:cNvPr>
+              <p:cNvPicPr>
+                <a:picLocks noChangeAspect="1"/>
+              </p:cNvPicPr>
+              <p:nvPr/>
+            </p:nvPicPr>
+            <p:blipFill rotWithShape="1">
+              <a:blip r:embed="rId3"/>
+              <a:srcRect l="68412" b="15921"/>
+              <a:stretch/>
+            </p:blipFill>
+            <p:spPr>
+              <a:xfrm>
+                <a:off x="1447800" y="1796143"/>
+                <a:ext cx="1828800" cy="1552318"/>
+              </a:xfrm>
+              <a:prstGeom prst="rect">
+                <a:avLst/>
+              </a:prstGeom>
+            </p:spPr>
+          </p:pic>
+          <p:sp>
+            <p:nvSpPr>
+              <p:cNvPr id="10" name="Rectangle 9">
+                <a:extLst>
+                  <a:ext uri="{FF2B5EF4-FFF2-40B4-BE49-F238E27FC236}">
+                    <a16:creationId xmlns:a16="http://schemas.microsoft.com/office/drawing/2014/main" id="{1EAE2D87-F999-43A5-8F32-5F5F0A13F233}"/>
+                  </a:ext>
+                </a:extLst>
+              </p:cNvPr>
+              <p:cNvSpPr/>
+              <p:nvPr/>
+            </p:nvSpPr>
+            <p:spPr>
+              <a:xfrm>
+                <a:off x="-542545" y="1796144"/>
+                <a:ext cx="1990345" cy="1552318"/>
+              </a:xfrm>
+              <a:prstGeom prst="rect">
+                <a:avLst/>
+              </a:prstGeom>
+              <a:solidFill>
+                <a:schemeClr val="bg1"/>
+              </a:solidFill>
+              <a:ln>
+                <a:noFill/>
+              </a:ln>
+            </p:spPr>
+            <p:style>
+              <a:lnRef idx="2">
+                <a:schemeClr val="accent1">
+                  <a:shade val="50000"/>
+                </a:schemeClr>
+              </a:lnRef>
+              <a:fillRef idx="1">
+                <a:schemeClr val="accent1"/>
+              </a:fillRef>
+              <a:effectRef idx="0">
+                <a:schemeClr val="accent1"/>
+              </a:effectRef>
+              <a:fontRef idx="minor">
+                <a:schemeClr val="lt1"/>
+              </a:fontRef>
+            </p:style>
+            <p:txBody>
+              <a:bodyPr rtlCol="0" anchor="ctr"/>
+              <a:lstStyle/>
+              <a:p>
+                <a:pPr algn="ctr"/>
+                <a:endParaRPr lang="en-GB"/>
+              </a:p>
+            </p:txBody>
+          </p:sp>
+        </p:grpSp>
+        <p:sp>
+          <p:nvSpPr>
+            <p:cNvPr id="12" name="Rectangle 11">
+              <a:extLst>
+                <a:ext uri="{FF2B5EF4-FFF2-40B4-BE49-F238E27FC236}">
+                  <a16:creationId xmlns:a16="http://schemas.microsoft.com/office/drawing/2014/main" id="{FB0E9267-2C23-48C8-9C95-FAE8FAAB0741}"/>
+                </a:ext>
+              </a:extLst>
+            </p:cNvPr>
+            <p:cNvSpPr/>
+            <p:nvPr/>
+          </p:nvSpPr>
+          <p:spPr>
+            <a:xfrm>
+              <a:off x="937913" y="3310770"/>
+              <a:ext cx="5121289" cy="430887"/>
+            </a:xfrm>
+            <a:prstGeom prst="rect">
+              <a:avLst/>
+            </a:prstGeom>
+          </p:spPr>
+          <p:txBody>
+            <a:bodyPr wrap="square">
+              <a:spAutoFit/>
+            </a:bodyPr>
+            <a:lstStyle/>
+            <a:p>
+              <a:r>
+                <a:rPr lang="en-GB" sz="1100" dirty="0">
+                  <a:solidFill>
+                    <a:schemeClr val="bg1">
+                      <a:lumMod val="95000"/>
+                    </a:schemeClr>
+                  </a:solidFill>
+                  <a:latin typeface="Arial Nova Light" panose="020B0304020202020204" pitchFamily="34" charset="0"/>
+                </a:rPr>
+                <a:t>https://www.fishersci.com/shop/products/NC0702370/nc0702370#?keyword=MICROCHEM+CORP+PHOTORESIST+SU-8</a:t>
+              </a:r>
+            </a:p>
+          </p:txBody>
+        </p:sp>
+        <p:pic>
+          <p:nvPicPr>
+            <p:cNvPr id="13" name="Picture 12">
+              <a:extLst>
+                <a:ext uri="{FF2B5EF4-FFF2-40B4-BE49-F238E27FC236}">
+                  <a16:creationId xmlns:a16="http://schemas.microsoft.com/office/drawing/2014/main" id="{EB5ED9C9-656C-44B9-B2EE-424CADE9C2A1}"/>
+                </a:ext>
+              </a:extLst>
+            </p:cNvPr>
+            <p:cNvPicPr>
+              <a:picLocks noChangeAspect="1"/>
+            </p:cNvPicPr>
+            <p:nvPr/>
+          </p:nvPicPr>
+          <p:blipFill rotWithShape="1">
+            <a:blip r:embed="rId4"/>
+            <a:srcRect r="33967" b="78168"/>
+            <a:stretch/>
+          </p:blipFill>
+          <p:spPr>
+            <a:xfrm>
+              <a:off x="937913" y="3741657"/>
+              <a:ext cx="5121287" cy="547314"/>
+            </a:xfrm>
+            <a:prstGeom prst="rect">
+              <a:avLst/>
+            </a:prstGeom>
+          </p:spPr>
+        </p:pic>
+        <p:pic>
+          <p:nvPicPr>
+            <p:cNvPr id="15" name="Picture 14">
+              <a:extLst>
+                <a:ext uri="{FF2B5EF4-FFF2-40B4-BE49-F238E27FC236}">
+                  <a16:creationId xmlns:a16="http://schemas.microsoft.com/office/drawing/2014/main" id="{7A265108-D9B0-4EB2-9B2C-D9CB8F557DB8}"/>
+                </a:ext>
+              </a:extLst>
+            </p:cNvPr>
+            <p:cNvPicPr>
+              <a:picLocks noChangeAspect="1"/>
+            </p:cNvPicPr>
+            <p:nvPr/>
+          </p:nvPicPr>
+          <p:blipFill rotWithShape="1">
+            <a:blip r:embed="rId4"/>
+            <a:srcRect l="68753" t="2026" r="227" b="16968"/>
+            <a:stretch/>
+          </p:blipFill>
+          <p:spPr>
+            <a:xfrm>
+              <a:off x="3653457" y="4284442"/>
+              <a:ext cx="2405743" cy="2030772"/>
+            </a:xfrm>
+            <a:prstGeom prst="rect">
+              <a:avLst/>
+            </a:prstGeom>
+          </p:spPr>
+        </p:pic>
+        <p:sp>
+          <p:nvSpPr>
+            <p:cNvPr id="16" name="Rectangle 15">
+              <a:extLst>
+                <a:ext uri="{FF2B5EF4-FFF2-40B4-BE49-F238E27FC236}">
+                  <a16:creationId xmlns:a16="http://schemas.microsoft.com/office/drawing/2014/main" id="{83941588-E730-4DE1-9F55-6BFF98E57E81}"/>
+                </a:ext>
+              </a:extLst>
+            </p:cNvPr>
+            <p:cNvSpPr/>
+            <p:nvPr/>
+          </p:nvSpPr>
+          <p:spPr>
+            <a:xfrm>
+              <a:off x="937913" y="4284442"/>
+              <a:ext cx="2715544" cy="2030772"/>
+            </a:xfrm>
+            <a:prstGeom prst="rect">
+              <a:avLst/>
+            </a:prstGeom>
+            <a:solidFill>
+              <a:schemeClr val="bg1"/>
+            </a:solidFill>
+            <a:ln>
+              <a:noFill/>
+            </a:ln>
+          </p:spPr>
+          <p:style>
+            <a:lnRef idx="2">
+              <a:schemeClr val="accent1">
+                <a:shade val="50000"/>
+              </a:schemeClr>
+            </a:lnRef>
+            <a:fillRef idx="1">
+              <a:schemeClr val="accent1"/>
+            </a:fillRef>
+            <a:effectRef idx="0">
+              <a:schemeClr val="accent1"/>
+            </a:effectRef>
+            <a:fontRef idx="minor">
+              <a:schemeClr val="lt1"/>
+            </a:fontRef>
+          </p:style>
+          <p:txBody>
+            <a:bodyPr rtlCol="0" anchor="ctr"/>
+            <a:lstStyle/>
+            <a:p>
+              <a:pPr algn="ctr"/>
+              <a:endParaRPr lang="en-GB"/>
+            </a:p>
+          </p:txBody>
+        </p:sp>
+        <p:sp>
+          <p:nvSpPr>
+            <p:cNvPr id="17" name="Rectangle 16">
+              <a:extLst>
+                <a:ext uri="{FF2B5EF4-FFF2-40B4-BE49-F238E27FC236}">
+                  <a16:creationId xmlns:a16="http://schemas.microsoft.com/office/drawing/2014/main" id="{A56A3043-CBCF-4046-B8C5-5B14ED5951D8}"/>
+                </a:ext>
+              </a:extLst>
+            </p:cNvPr>
+            <p:cNvSpPr/>
+            <p:nvPr/>
+          </p:nvSpPr>
+          <p:spPr>
+            <a:xfrm>
+              <a:off x="937911" y="6315214"/>
+              <a:ext cx="5121289" cy="430887"/>
+            </a:xfrm>
+            <a:prstGeom prst="rect">
+              <a:avLst/>
+            </a:prstGeom>
+          </p:spPr>
+          <p:txBody>
+            <a:bodyPr wrap="square">
+              <a:spAutoFit/>
+            </a:bodyPr>
+            <a:lstStyle/>
+            <a:p>
+              <a:r>
+                <a:rPr lang="en-GB" sz="1100" dirty="0">
+                  <a:solidFill>
+                    <a:schemeClr val="bg1">
+                      <a:lumMod val="95000"/>
+                    </a:schemeClr>
+                  </a:solidFill>
+                  <a:latin typeface="Arial Nova Light" panose="020B0304020202020204" pitchFamily="34" charset="0"/>
+                </a:rPr>
+                <a:t>https://www.fishersci.com/shop/products/NC9901158/nc9901158#?keyword=SU-8++developer</a:t>
+              </a:r>
+            </a:p>
+          </p:txBody>
+        </p:sp>
+        <p:grpSp>
+          <p:nvGrpSpPr>
+            <p:cNvPr id="21" name="Group 20">
+              <a:extLst>
+                <a:ext uri="{FF2B5EF4-FFF2-40B4-BE49-F238E27FC236}">
+                  <a16:creationId xmlns:a16="http://schemas.microsoft.com/office/drawing/2014/main" id="{056648AE-5AC7-4047-BEED-E9E4FAC2E525}"/>
+                </a:ext>
+              </a:extLst>
+            </p:cNvPr>
+            <p:cNvGrpSpPr/>
+            <p:nvPr/>
+          </p:nvGrpSpPr>
+          <p:grpSpPr>
+            <a:xfrm>
+              <a:off x="6059200" y="0"/>
+              <a:ext cx="6132800" cy="6858000"/>
+              <a:chOff x="6059200" y="0"/>
+              <a:chExt cx="6132800" cy="6858000"/>
+            </a:xfrm>
+          </p:grpSpPr>
+          <p:grpSp>
+            <p:nvGrpSpPr>
+              <p:cNvPr id="8" name="Group 7">
+                <a:extLst>
+                  <a:ext uri="{FF2B5EF4-FFF2-40B4-BE49-F238E27FC236}">
+                    <a16:creationId xmlns:a16="http://schemas.microsoft.com/office/drawing/2014/main" id="{07737474-B25F-44CB-9DBD-074F07F345C0}"/>
+                  </a:ext>
+                </a:extLst>
+              </p:cNvPr>
+              <p:cNvGrpSpPr/>
+              <p:nvPr/>
+            </p:nvGrpSpPr>
+            <p:grpSpPr>
+              <a:xfrm>
+                <a:off x="6059201" y="0"/>
+                <a:ext cx="6132799" cy="6858000"/>
+                <a:chOff x="3417753" y="868101"/>
+                <a:chExt cx="5356494" cy="5989898"/>
+              </a:xfrm>
+            </p:grpSpPr>
+            <p:pic>
+              <p:nvPicPr>
+                <p:cNvPr id="6" name="Picture 5">
+                  <a:extLst>
+                    <a:ext uri="{FF2B5EF4-FFF2-40B4-BE49-F238E27FC236}">
+                      <a16:creationId xmlns:a16="http://schemas.microsoft.com/office/drawing/2014/main" id="{DDE1D7D1-6555-42DC-A811-3A79944BD933}"/>
+                    </a:ext>
+                  </a:extLst>
+                </p:cNvPr>
+                <p:cNvPicPr>
+                  <a:picLocks noChangeAspect="1"/>
+                </p:cNvPicPr>
+                <p:nvPr/>
+              </p:nvPicPr>
+              <p:blipFill rotWithShape="1">
+                <a:blip r:embed="rId5"/>
+                <a:srcRect b="66582"/>
+                <a:stretch/>
+              </p:blipFill>
+              <p:spPr>
+                <a:xfrm>
+                  <a:off x="3417753" y="868101"/>
+                  <a:ext cx="5356494" cy="2291787"/>
+                </a:xfrm>
+                <a:prstGeom prst="rect">
+                  <a:avLst/>
+                </a:prstGeom>
+              </p:spPr>
+            </p:pic>
+            <p:pic>
+              <p:nvPicPr>
+                <p:cNvPr id="7" name="Picture 6">
+                  <a:extLst>
+                    <a:ext uri="{FF2B5EF4-FFF2-40B4-BE49-F238E27FC236}">
+                      <a16:creationId xmlns:a16="http://schemas.microsoft.com/office/drawing/2014/main" id="{46F2E62D-73E4-4AB1-9B5A-8132FBF406D9}"/>
+                    </a:ext>
+                  </a:extLst>
+                </p:cNvPr>
+                <p:cNvPicPr>
+                  <a:picLocks noChangeAspect="1"/>
+                </p:cNvPicPr>
+                <p:nvPr/>
+              </p:nvPicPr>
+              <p:blipFill rotWithShape="1">
+                <a:blip r:embed="rId5"/>
+                <a:srcRect t="46076"/>
+                <a:stretch/>
+              </p:blipFill>
+              <p:spPr>
+                <a:xfrm>
+                  <a:off x="3417753" y="3159888"/>
+                  <a:ext cx="5356494" cy="3698111"/>
+                </a:xfrm>
+                <a:prstGeom prst="rect">
+                  <a:avLst/>
+                </a:prstGeom>
+              </p:spPr>
+            </p:pic>
+          </p:grpSp>
+          <p:pic>
+            <p:nvPicPr>
+              <p:cNvPr id="19" name="Picture 18">
+                <a:extLst>
+                  <a:ext uri="{FF2B5EF4-FFF2-40B4-BE49-F238E27FC236}">
+                    <a16:creationId xmlns:a16="http://schemas.microsoft.com/office/drawing/2014/main" id="{63D0FC75-A10C-46F6-ACE7-D74E32E821C8}"/>
+                  </a:ext>
+                </a:extLst>
+              </p:cNvPr>
+              <p:cNvPicPr>
+                <a:picLocks noChangeAspect="1"/>
+              </p:cNvPicPr>
+              <p:nvPr/>
+            </p:nvPicPr>
+            <p:blipFill rotWithShape="1">
+              <a:blip r:embed="rId5">
+                <a:duotone>
+                  <a:schemeClr val="accent5">
+                    <a:shade val="45000"/>
+                    <a:satMod val="135000"/>
+                  </a:schemeClr>
+                  <a:prstClr val="white"/>
+                </a:duotone>
+              </a:blip>
+              <a:srcRect r="55013" b="81795"/>
+              <a:stretch/>
+            </p:blipFill>
+            <p:spPr>
+              <a:xfrm>
+                <a:off x="6059200" y="0"/>
+                <a:ext cx="2758979" cy="1429407"/>
+              </a:xfrm>
+              <a:prstGeom prst="rect">
+                <a:avLst/>
+              </a:prstGeom>
+            </p:spPr>
+          </p:pic>
+        </p:grpSp>
+        <p:pic>
+          <p:nvPicPr>
+            <p:cNvPr id="18" name="Picture 17">
+              <a:extLst>
+                <a:ext uri="{FF2B5EF4-FFF2-40B4-BE49-F238E27FC236}">
+                  <a16:creationId xmlns:a16="http://schemas.microsoft.com/office/drawing/2014/main" id="{483702D3-18F1-4152-876C-A5441D9C0A45}"/>
+                </a:ext>
+              </a:extLst>
+            </p:cNvPr>
+            <p:cNvPicPr>
+              <a:picLocks noChangeAspect="1"/>
+            </p:cNvPicPr>
+            <p:nvPr/>
+          </p:nvPicPr>
+          <p:blipFill rotWithShape="1">
+            <a:blip r:embed="rId6"/>
+            <a:srcRect t="29532" r="70051"/>
+            <a:stretch/>
+          </p:blipFill>
+          <p:spPr>
+            <a:xfrm>
+              <a:off x="6059196" y="0"/>
+              <a:ext cx="6132799" cy="1500579"/>
+            </a:xfrm>
+            <a:prstGeom prst="rect">
+              <a:avLst/>
+            </a:prstGeom>
+          </p:spPr>
+        </p:pic>
+        <p:pic>
+          <p:nvPicPr>
+            <p:cNvPr id="2" name="Picture 1">
+              <a:extLst>
+                <a:ext uri="{FF2B5EF4-FFF2-40B4-BE49-F238E27FC236}">
+                  <a16:creationId xmlns:a16="http://schemas.microsoft.com/office/drawing/2014/main" id="{A9975785-50E5-4EB4-8722-5F801FE25197}"/>
+                </a:ext>
+              </a:extLst>
+            </p:cNvPr>
+            <p:cNvPicPr>
+              <a:picLocks noChangeAspect="1"/>
+            </p:cNvPicPr>
+            <p:nvPr/>
+          </p:nvPicPr>
+          <p:blipFill>
+            <a:blip r:embed="rId6"/>
+            <a:stretch>
+              <a:fillRect/>
+            </a:stretch>
+          </p:blipFill>
+          <p:spPr>
+            <a:xfrm>
+              <a:off x="6059197" y="524151"/>
+              <a:ext cx="6132798" cy="884025"/>
+            </a:xfrm>
+            <a:prstGeom prst="rect">
+              <a:avLst/>
+            </a:prstGeom>
+          </p:spPr>
+        </p:pic>
+      </p:grpSp>
+    </p:spTree>
+    <p:extLst>
+      <p:ext uri="{BB962C8B-B14F-4D97-AF65-F5344CB8AC3E}">
+        <p14:creationId xmlns:p14="http://schemas.microsoft.com/office/powerpoint/2010/main" val="252399005"/>
+      </p:ext>
+    </p:extLst>
+  </p:cSld>
+  <p:clrMapOvr>
+    <a:masterClrMapping/>
+  </p:clrMapOvr>
+</p:sld>
+</file>
+
 <file path=ppt/slides/slide2.xml><?xml version="1.0" encoding="utf-8"?>
 <p:sld xmlns:a="http://schemas.openxmlformats.org/drawingml/2006/main" xmlns:r="http://schemas.openxmlformats.org/officeDocument/2006/relationships" xmlns:p="http://schemas.openxmlformats.org/presentationml/2006/main">
   <p:cSld>
@@ -6617,14 +7282,55 @@
         </p:blipFill>
         <p:spPr>
           <a:xfrm>
-            <a:off x="2921936" y="3075683"/>
-            <a:ext cx="7297168" cy="3324689"/>
+            <a:off x="3199509" y="2601709"/>
+            <a:ext cx="7247774" cy="3302184"/>
           </a:xfrm>
           <a:prstGeom prst="rect">
             <a:avLst/>
           </a:prstGeom>
         </p:spPr>
       </p:pic>
+      <p:sp>
+        <p:nvSpPr>
+          <p:cNvPr id="2" name="Rectangle 1">
+            <a:extLst>
+              <a:ext uri="{FF2B5EF4-FFF2-40B4-BE49-F238E27FC236}">
+                <a16:creationId xmlns:a16="http://schemas.microsoft.com/office/drawing/2014/main" id="{AFB49A8D-AAB0-4E9E-809B-88B2C9015A89}"/>
+              </a:ext>
+            </a:extLst>
+          </p:cNvPr>
+          <p:cNvSpPr/>
+          <p:nvPr/>
+        </p:nvSpPr>
+        <p:spPr>
+          <a:xfrm>
+            <a:off x="949040" y="5903893"/>
+            <a:ext cx="11242960" cy="954107"/>
+          </a:xfrm>
+          <a:prstGeom prst="rect">
+            <a:avLst/>
+          </a:prstGeom>
+        </p:spPr>
+        <p:txBody>
+          <a:bodyPr wrap="square">
+            <a:spAutoFit/>
+          </a:bodyPr>
+          <a:lstStyle/>
+          <a:p>
+            <a:r>
+              <a:rPr lang="en-GB" sz="2800" dirty="0">
+                <a:solidFill>
+                  <a:schemeClr val="bg1">
+                    <a:lumMod val="95000"/>
+                  </a:schemeClr>
+                </a:solidFill>
+                <a:latin typeface="Arial Nova Light" panose="020B0304020202020204" pitchFamily="34" charset="0"/>
+              </a:rPr>
+              <a:t>No studies (until now) have experimentally and theoretically assessed how nano-rods or micro/nano-wires transform upon carbonization.</a:t>
+            </a:r>
+          </a:p>
+        </p:txBody>
+      </p:sp>
     </p:spTree>
     <p:extLst>
       <p:ext uri="{BB962C8B-B14F-4D97-AF65-F5344CB8AC3E}">

--- a/Shared_A01212611/Slides/GroupMeeting004_Pyrolysis_induced_shrinking.pptx
+++ b/Shared_A01212611/Slides/GroupMeeting004_Pyrolysis_induced_shrinking.pptx
@@ -456,92 +456,6 @@
     </pc:docChg>
   </pc:docChgLst>
   <pc:docChgLst>
-    <pc:chgData name="Antonio Osamu Katagiri Tanaka" userId="2c28225e-d492-4964-8551-1b0a3c65dda0" providerId="ADAL" clId="{C59DF1F7-432E-4893-B28C-5D3B004F8374}"/>
-    <pc:docChg chg="undo redo custSel addSld delSld modSld sldOrd delSection modSection">
-      <pc:chgData name="Antonio Osamu Katagiri Tanaka" userId="2c28225e-d492-4964-8551-1b0a3c65dda0" providerId="ADAL" clId="{C59DF1F7-432E-4893-B28C-5D3B004F8374}" dt="2019-03-31T14:59:20.878" v="389" actId="20577"/>
-      <pc:docMkLst>
-        <pc:docMk/>
-      </pc:docMkLst>
-      <pc:sldChg chg="modSp">
-        <pc:chgData name="Antonio Osamu Katagiri Tanaka" userId="2c28225e-d492-4964-8551-1b0a3c65dda0" providerId="ADAL" clId="{C59DF1F7-432E-4893-B28C-5D3B004F8374}" dt="2019-03-30T15:24:08.167" v="64" actId="1440"/>
-        <pc:sldMkLst>
-          <pc:docMk/>
-          <pc:sldMk cId="4056039362" sldId="260"/>
-        </pc:sldMkLst>
-        <pc:picChg chg="mod">
-          <ac:chgData name="Antonio Osamu Katagiri Tanaka" userId="2c28225e-d492-4964-8551-1b0a3c65dda0" providerId="ADAL" clId="{C59DF1F7-432E-4893-B28C-5D3B004F8374}" dt="2019-03-30T15:24:08.167" v="64" actId="1440"/>
-          <ac:picMkLst>
-            <pc:docMk/>
-            <pc:sldMk cId="4056039362" sldId="260"/>
-            <ac:picMk id="13" creationId="{8578D0BD-CD2C-44B1-976E-1029D186D2DF}"/>
-          </ac:picMkLst>
-        </pc:picChg>
-      </pc:sldChg>
-      <pc:sldChg chg="ord">
-        <pc:chgData name="Antonio Osamu Katagiri Tanaka" userId="2c28225e-d492-4964-8551-1b0a3c65dda0" providerId="ADAL" clId="{C59DF1F7-432E-4893-B28C-5D3B004F8374}" dt="2019-03-30T14:49:00.456" v="1"/>
-        <pc:sldMkLst>
-          <pc:docMk/>
-          <pc:sldMk cId="3604131991" sldId="263"/>
-        </pc:sldMkLst>
-      </pc:sldChg>
-      <pc:sldChg chg="addSp delSp modSp add">
-        <pc:chgData name="Antonio Osamu Katagiri Tanaka" userId="2c28225e-d492-4964-8551-1b0a3c65dda0" providerId="ADAL" clId="{C59DF1F7-432E-4893-B28C-5D3B004F8374}" dt="2019-03-30T15:01:17.755" v="32"/>
-        <pc:sldMkLst>
-          <pc:docMk/>
-          <pc:sldMk cId="4246728971" sldId="269"/>
-        </pc:sldMkLst>
-        <pc:spChg chg="add del mod">
-          <ac:chgData name="Antonio Osamu Katagiri Tanaka" userId="2c28225e-d492-4964-8551-1b0a3c65dda0" providerId="ADAL" clId="{C59DF1F7-432E-4893-B28C-5D3B004F8374}" dt="2019-03-30T14:52:53.260" v="6" actId="478"/>
-          <ac:spMkLst>
-            <pc:docMk/>
-            <pc:sldMk cId="4246728971" sldId="269"/>
-            <ac:spMk id="3" creationId="{BFCEFFC5-7335-4486-8818-2B397870E222}"/>
-          </ac:spMkLst>
-        </pc:spChg>
-        <pc:spChg chg="del">
-          <ac:chgData name="Antonio Osamu Katagiri Tanaka" userId="2c28225e-d492-4964-8551-1b0a3c65dda0" providerId="ADAL" clId="{C59DF1F7-432E-4893-B28C-5D3B004F8374}" dt="2019-03-30T14:52:51.721" v="5" actId="478"/>
-          <ac:spMkLst>
-            <pc:docMk/>
-            <pc:sldMk cId="4246728971" sldId="269"/>
-            <ac:spMk id="4" creationId="{F9ED8BE6-F7AC-4FD8-8FA8-8C683A7C2F62}"/>
-          </ac:spMkLst>
-        </pc:spChg>
-        <pc:spChg chg="del">
-          <ac:chgData name="Antonio Osamu Katagiri Tanaka" userId="2c28225e-d492-4964-8551-1b0a3c65dda0" providerId="ADAL" clId="{C59DF1F7-432E-4893-B28C-5D3B004F8374}" dt="2019-03-30T14:52:55.923" v="7" actId="478"/>
-          <ac:spMkLst>
-            <pc:docMk/>
-            <pc:sldMk cId="4246728971" sldId="269"/>
-            <ac:spMk id="6" creationId="{058630E6-31AF-4451-B084-C9809D0DA4E8}"/>
-          </ac:spMkLst>
-        </pc:spChg>
-        <pc:spChg chg="add del mod">
-          <ac:chgData name="Antonio Osamu Katagiri Tanaka" userId="2c28225e-d492-4964-8551-1b0a3c65dda0" providerId="ADAL" clId="{C59DF1F7-432E-4893-B28C-5D3B004F8374}" dt="2019-03-30T14:52:58.396" v="8" actId="478"/>
-          <ac:spMkLst>
-            <pc:docMk/>
-            <pc:sldMk cId="4246728971" sldId="269"/>
-            <ac:spMk id="7" creationId="{EFB1FD18-9FB8-4EC8-A186-B4E23A6745CA}"/>
-          </ac:spMkLst>
-        </pc:spChg>
-        <pc:spChg chg="add mod">
-          <ac:chgData name="Antonio Osamu Katagiri Tanaka" userId="2c28225e-d492-4964-8551-1b0a3c65dda0" providerId="ADAL" clId="{C59DF1F7-432E-4893-B28C-5D3B004F8374}" dt="2019-03-30T14:57:55.916" v="28" actId="403"/>
-          <ac:spMkLst>
-            <pc:docMk/>
-            <pc:sldMk cId="4246728971" sldId="269"/>
-            <ac:spMk id="9" creationId="{907DD878-B76C-4FC5-9BC3-86C7C3DB3BDA}"/>
-          </ac:spMkLst>
-        </pc:spChg>
-        <pc:picChg chg="add mod">
-          <ac:chgData name="Antonio Osamu Katagiri Tanaka" userId="2c28225e-d492-4964-8551-1b0a3c65dda0" providerId="ADAL" clId="{C59DF1F7-432E-4893-B28C-5D3B004F8374}" dt="2019-03-30T15:01:17.755" v="32"/>
-          <ac:picMkLst>
-            <pc:docMk/>
-            <pc:sldMk cId="4246728971" sldId="269"/>
-            <ac:picMk id="1026" creationId="{62C86081-2859-45C8-BAE6-D2CC488FFFF6}"/>
-          </ac:picMkLst>
-        </pc:picChg>
-      </pc:sldChg>
-    </pc:docChg>
-  </pc:docChgLst>
-  <pc:docChgLst>
     <pc:chgData name="Antonio Osamu Katagiri Tanaka" userId="2c28225e-d492-4964-8551-1b0a3c65dda0" providerId="ADAL" clId="{E8966260-3096-4054-A5E0-0A91A10A6CF4}"/>
     <pc:docChg chg="custSel delSld modSld modSection">
       <pc:chgData name="Antonio Osamu Katagiri Tanaka" userId="2c28225e-d492-4964-8551-1b0a3c65dda0" providerId="ADAL" clId="{E8966260-3096-4054-A5E0-0A91A10A6CF4}" dt="2019-05-05T18:21:47.650" v="183" actId="1076"/>
@@ -799,6 +713,92 @@
     </pc:docChg>
   </pc:docChgLst>
   <pc:docChgLst>
+    <pc:chgData name="Antonio Osamu Katagiri Tanaka" userId="2c28225e-d492-4964-8551-1b0a3c65dda0" providerId="ADAL" clId="{C59DF1F7-432E-4893-B28C-5D3B004F8374}"/>
+    <pc:docChg chg="undo redo custSel addSld delSld modSld sldOrd delSection modSection">
+      <pc:chgData name="Antonio Osamu Katagiri Tanaka" userId="2c28225e-d492-4964-8551-1b0a3c65dda0" providerId="ADAL" clId="{C59DF1F7-432E-4893-B28C-5D3B004F8374}" dt="2019-03-31T14:59:20.878" v="389" actId="20577"/>
+      <pc:docMkLst>
+        <pc:docMk/>
+      </pc:docMkLst>
+      <pc:sldChg chg="modSp">
+        <pc:chgData name="Antonio Osamu Katagiri Tanaka" userId="2c28225e-d492-4964-8551-1b0a3c65dda0" providerId="ADAL" clId="{C59DF1F7-432E-4893-B28C-5D3B004F8374}" dt="2019-03-30T15:24:08.167" v="64" actId="1440"/>
+        <pc:sldMkLst>
+          <pc:docMk/>
+          <pc:sldMk cId="4056039362" sldId="260"/>
+        </pc:sldMkLst>
+        <pc:picChg chg="mod">
+          <ac:chgData name="Antonio Osamu Katagiri Tanaka" userId="2c28225e-d492-4964-8551-1b0a3c65dda0" providerId="ADAL" clId="{C59DF1F7-432E-4893-B28C-5D3B004F8374}" dt="2019-03-30T15:24:08.167" v="64" actId="1440"/>
+          <ac:picMkLst>
+            <pc:docMk/>
+            <pc:sldMk cId="4056039362" sldId="260"/>
+            <ac:picMk id="13" creationId="{8578D0BD-CD2C-44B1-976E-1029D186D2DF}"/>
+          </ac:picMkLst>
+        </pc:picChg>
+      </pc:sldChg>
+      <pc:sldChg chg="ord">
+        <pc:chgData name="Antonio Osamu Katagiri Tanaka" userId="2c28225e-d492-4964-8551-1b0a3c65dda0" providerId="ADAL" clId="{C59DF1F7-432E-4893-B28C-5D3B004F8374}" dt="2019-03-30T14:49:00.456" v="1"/>
+        <pc:sldMkLst>
+          <pc:docMk/>
+          <pc:sldMk cId="3604131991" sldId="263"/>
+        </pc:sldMkLst>
+      </pc:sldChg>
+      <pc:sldChg chg="addSp delSp modSp add">
+        <pc:chgData name="Antonio Osamu Katagiri Tanaka" userId="2c28225e-d492-4964-8551-1b0a3c65dda0" providerId="ADAL" clId="{C59DF1F7-432E-4893-B28C-5D3B004F8374}" dt="2019-03-30T15:01:17.755" v="32"/>
+        <pc:sldMkLst>
+          <pc:docMk/>
+          <pc:sldMk cId="4246728971" sldId="269"/>
+        </pc:sldMkLst>
+        <pc:spChg chg="add del mod">
+          <ac:chgData name="Antonio Osamu Katagiri Tanaka" userId="2c28225e-d492-4964-8551-1b0a3c65dda0" providerId="ADAL" clId="{C59DF1F7-432E-4893-B28C-5D3B004F8374}" dt="2019-03-30T14:52:53.260" v="6" actId="478"/>
+          <ac:spMkLst>
+            <pc:docMk/>
+            <pc:sldMk cId="4246728971" sldId="269"/>
+            <ac:spMk id="3" creationId="{BFCEFFC5-7335-4486-8818-2B397870E222}"/>
+          </ac:spMkLst>
+        </pc:spChg>
+        <pc:spChg chg="del">
+          <ac:chgData name="Antonio Osamu Katagiri Tanaka" userId="2c28225e-d492-4964-8551-1b0a3c65dda0" providerId="ADAL" clId="{C59DF1F7-432E-4893-B28C-5D3B004F8374}" dt="2019-03-30T14:52:51.721" v="5" actId="478"/>
+          <ac:spMkLst>
+            <pc:docMk/>
+            <pc:sldMk cId="4246728971" sldId="269"/>
+            <ac:spMk id="4" creationId="{F9ED8BE6-F7AC-4FD8-8FA8-8C683A7C2F62}"/>
+          </ac:spMkLst>
+        </pc:spChg>
+        <pc:spChg chg="del">
+          <ac:chgData name="Antonio Osamu Katagiri Tanaka" userId="2c28225e-d492-4964-8551-1b0a3c65dda0" providerId="ADAL" clId="{C59DF1F7-432E-4893-B28C-5D3B004F8374}" dt="2019-03-30T14:52:55.923" v="7" actId="478"/>
+          <ac:spMkLst>
+            <pc:docMk/>
+            <pc:sldMk cId="4246728971" sldId="269"/>
+            <ac:spMk id="6" creationId="{058630E6-31AF-4451-B084-C9809D0DA4E8}"/>
+          </ac:spMkLst>
+        </pc:spChg>
+        <pc:spChg chg="add del mod">
+          <ac:chgData name="Antonio Osamu Katagiri Tanaka" userId="2c28225e-d492-4964-8551-1b0a3c65dda0" providerId="ADAL" clId="{C59DF1F7-432E-4893-B28C-5D3B004F8374}" dt="2019-03-30T14:52:58.396" v="8" actId="478"/>
+          <ac:spMkLst>
+            <pc:docMk/>
+            <pc:sldMk cId="4246728971" sldId="269"/>
+            <ac:spMk id="7" creationId="{EFB1FD18-9FB8-4EC8-A186-B4E23A6745CA}"/>
+          </ac:spMkLst>
+        </pc:spChg>
+        <pc:spChg chg="add mod">
+          <ac:chgData name="Antonio Osamu Katagiri Tanaka" userId="2c28225e-d492-4964-8551-1b0a3c65dda0" providerId="ADAL" clId="{C59DF1F7-432E-4893-B28C-5D3B004F8374}" dt="2019-03-30T14:57:55.916" v="28" actId="403"/>
+          <ac:spMkLst>
+            <pc:docMk/>
+            <pc:sldMk cId="4246728971" sldId="269"/>
+            <ac:spMk id="9" creationId="{907DD878-B76C-4FC5-9BC3-86C7C3DB3BDA}"/>
+          </ac:spMkLst>
+        </pc:spChg>
+        <pc:picChg chg="add mod">
+          <ac:chgData name="Antonio Osamu Katagiri Tanaka" userId="2c28225e-d492-4964-8551-1b0a3c65dda0" providerId="ADAL" clId="{C59DF1F7-432E-4893-B28C-5D3B004F8374}" dt="2019-03-30T15:01:17.755" v="32"/>
+          <ac:picMkLst>
+            <pc:docMk/>
+            <pc:sldMk cId="4246728971" sldId="269"/>
+            <ac:picMk id="1026" creationId="{62C86081-2859-45C8-BAE6-D2CC488FFFF6}"/>
+          </ac:picMkLst>
+        </pc:picChg>
+      </pc:sldChg>
+    </pc:docChg>
+  </pc:docChgLst>
+  <pc:docChgLst>
     <pc:chgData name="Antonio Osamu Katagiri Tanaka" userId="2c28225e-d492-4964-8551-1b0a3c65dda0" providerId="ADAL" clId="{BA091A27-582A-4D6D-8346-D5CF8624059C}"/>
     <pc:docChg chg="undo custSel addSld delSld modSld sldOrd">
       <pc:chgData name="Antonio Osamu Katagiri Tanaka" userId="2c28225e-d492-4964-8551-1b0a3c65dda0" providerId="ADAL" clId="{BA091A27-582A-4D6D-8346-D5CF8624059C}" dt="2019-03-29T18:11:35.461" v="1535" actId="20577"/>
@@ -1095,7 +1095,7 @@
           <a:p>
             <a:fld id="{1B402B64-CAC4-4D07-834F-F232921309C8}" type="datetimeFigureOut">
               <a:rPr lang="en-GB" smtClean="0"/>
-              <a:t>03/10/2019</a:t>
+              <a:t>09/10/2019</a:t>
             </a:fld>
             <a:endParaRPr lang="en-GB"/>
           </a:p>
@@ -2723,7 +2723,7 @@
           <a:p>
             <a:fld id="{D884633D-11AC-4888-94B9-297E606567D1}" type="datetimeFigureOut">
               <a:rPr lang="en-GB" smtClean="0"/>
-              <a:t>03/10/2019</a:t>
+              <a:t>09/10/2019</a:t>
             </a:fld>
             <a:endParaRPr lang="en-GB"/>
           </a:p>
@@ -2923,7 +2923,7 @@
           <a:p>
             <a:fld id="{D884633D-11AC-4888-94B9-297E606567D1}" type="datetimeFigureOut">
               <a:rPr lang="en-GB" smtClean="0"/>
-              <a:t>03/10/2019</a:t>
+              <a:t>09/10/2019</a:t>
             </a:fld>
             <a:endParaRPr lang="en-GB"/>
           </a:p>
@@ -3133,7 +3133,7 @@
           <a:p>
             <a:fld id="{D884633D-11AC-4888-94B9-297E606567D1}" type="datetimeFigureOut">
               <a:rPr lang="en-GB" smtClean="0"/>
-              <a:t>03/10/2019</a:t>
+              <a:t>09/10/2019</a:t>
             </a:fld>
             <a:endParaRPr lang="en-GB"/>
           </a:p>
@@ -3333,7 +3333,7 @@
           <a:p>
             <a:fld id="{D884633D-11AC-4888-94B9-297E606567D1}" type="datetimeFigureOut">
               <a:rPr lang="en-GB" smtClean="0"/>
-              <a:t>03/10/2019</a:t>
+              <a:t>09/10/2019</a:t>
             </a:fld>
             <a:endParaRPr lang="en-GB"/>
           </a:p>
@@ -3609,7 +3609,7 @@
           <a:p>
             <a:fld id="{D884633D-11AC-4888-94B9-297E606567D1}" type="datetimeFigureOut">
               <a:rPr lang="en-GB" smtClean="0"/>
-              <a:t>03/10/2019</a:t>
+              <a:t>09/10/2019</a:t>
             </a:fld>
             <a:endParaRPr lang="en-GB"/>
           </a:p>
@@ -3877,7 +3877,7 @@
           <a:p>
             <a:fld id="{D884633D-11AC-4888-94B9-297E606567D1}" type="datetimeFigureOut">
               <a:rPr lang="en-GB" smtClean="0"/>
-              <a:t>03/10/2019</a:t>
+              <a:t>09/10/2019</a:t>
             </a:fld>
             <a:endParaRPr lang="en-GB"/>
           </a:p>
@@ -4292,7 +4292,7 @@
           <a:p>
             <a:fld id="{D884633D-11AC-4888-94B9-297E606567D1}" type="datetimeFigureOut">
               <a:rPr lang="en-GB" smtClean="0"/>
-              <a:t>03/10/2019</a:t>
+              <a:t>09/10/2019</a:t>
             </a:fld>
             <a:endParaRPr lang="en-GB"/>
           </a:p>
@@ -4434,7 +4434,7 @@
           <a:p>
             <a:fld id="{D884633D-11AC-4888-94B9-297E606567D1}" type="datetimeFigureOut">
               <a:rPr lang="en-GB" smtClean="0"/>
-              <a:t>03/10/2019</a:t>
+              <a:t>09/10/2019</a:t>
             </a:fld>
             <a:endParaRPr lang="en-GB"/>
           </a:p>
@@ -4547,7 +4547,7 @@
           <a:p>
             <a:fld id="{D884633D-11AC-4888-94B9-297E606567D1}" type="datetimeFigureOut">
               <a:rPr lang="en-GB" smtClean="0"/>
-              <a:t>03/10/2019</a:t>
+              <a:t>09/10/2019</a:t>
             </a:fld>
             <a:endParaRPr lang="en-GB"/>
           </a:p>
@@ -4860,7 +4860,7 @@
           <a:p>
             <a:fld id="{D884633D-11AC-4888-94B9-297E606567D1}" type="datetimeFigureOut">
               <a:rPr lang="en-GB" smtClean="0"/>
-              <a:t>03/10/2019</a:t>
+              <a:t>09/10/2019</a:t>
             </a:fld>
             <a:endParaRPr lang="en-GB"/>
           </a:p>
@@ -5149,7 +5149,7 @@
           <a:p>
             <a:fld id="{D884633D-11AC-4888-94B9-297E606567D1}" type="datetimeFigureOut">
               <a:rPr lang="en-GB" smtClean="0"/>
-              <a:t>03/10/2019</a:t>
+              <a:t>09/10/2019</a:t>
             </a:fld>
             <a:endParaRPr lang="en-GB"/>
           </a:p>
@@ -5401,7 +5401,7 @@
           <a:p>
             <a:fld id="{D884633D-11AC-4888-94B9-297E606567D1}" type="datetimeFigureOut">
               <a:rPr lang="en-GB" smtClean="0"/>
-              <a:t>03/10/2019</a:t>
+              <a:t>09/10/2019</a:t>
             </a:fld>
             <a:endParaRPr lang="en-GB"/>
           </a:p>
@@ -6160,7 +6160,7 @@
           </a:p>
           <a:p>
             <a:r>
-              <a:rPr lang="en-GB" dirty="0">
+              <a:rPr lang="en-GB">
                 <a:solidFill>
                   <a:schemeClr val="bg1">
                     <a:lumMod val="95000"/>
@@ -6168,7 +6168,18 @@
                 </a:solidFill>
                 <a:latin typeface="Arial Nova Light" panose="020B0604020202020204" pitchFamily="34" charset="0"/>
               </a:rPr>
-              <a:t>03 Oct 2019</a:t>
+              <a:t>09 </a:t>
+            </a:r>
+            <a:r>
+              <a:rPr lang="en-GB" dirty="0">
+                <a:solidFill>
+                  <a:schemeClr val="bg1">
+                    <a:lumMod val="95000"/>
+                  </a:schemeClr>
+                </a:solidFill>
+                <a:latin typeface="Arial Nova Light" panose="020B0604020202020204" pitchFamily="34" charset="0"/>
+              </a:rPr>
+              <a:t>Oct 2019</a:t>
             </a:r>
           </a:p>
         </p:txBody>
